--- a/Elasticsearch_Spotlight.pptx
+++ b/Elasticsearch_Spotlight.pptx
@@ -5,26 +5,27 @@
     <p:sldMasterId id="2147483660" r:id="rId1"/>
   </p:sldMasterIdLst>
   <p:notesMasterIdLst>
-    <p:notesMasterId r:id="rId19"/>
+    <p:notesMasterId r:id="rId20"/>
   </p:notesMasterIdLst>
   <p:sldIdLst>
     <p:sldId id="257" r:id="rId2"/>
     <p:sldId id="259" r:id="rId3"/>
-    <p:sldId id="260" r:id="rId4"/>
-    <p:sldId id="263" r:id="rId5"/>
-    <p:sldId id="262" r:id="rId6"/>
-    <p:sldId id="261" r:id="rId7"/>
-    <p:sldId id="264" r:id="rId8"/>
-    <p:sldId id="265" r:id="rId9"/>
-    <p:sldId id="266" r:id="rId10"/>
-    <p:sldId id="267" r:id="rId11"/>
-    <p:sldId id="268" r:id="rId12"/>
-    <p:sldId id="269" r:id="rId13"/>
-    <p:sldId id="270" r:id="rId14"/>
-    <p:sldId id="271" r:id="rId15"/>
-    <p:sldId id="272" r:id="rId16"/>
-    <p:sldId id="273" r:id="rId17"/>
-    <p:sldId id="275" r:id="rId18"/>
+    <p:sldId id="276" r:id="rId4"/>
+    <p:sldId id="279" r:id="rId5"/>
+    <p:sldId id="260" r:id="rId6"/>
+    <p:sldId id="263" r:id="rId7"/>
+    <p:sldId id="262" r:id="rId8"/>
+    <p:sldId id="261" r:id="rId9"/>
+    <p:sldId id="264" r:id="rId10"/>
+    <p:sldId id="265" r:id="rId11"/>
+    <p:sldId id="266" r:id="rId12"/>
+    <p:sldId id="267" r:id="rId13"/>
+    <p:sldId id="268" r:id="rId14"/>
+    <p:sldId id="269" r:id="rId15"/>
+    <p:sldId id="271" r:id="rId16"/>
+    <p:sldId id="272" r:id="rId17"/>
+    <p:sldId id="273" r:id="rId18"/>
+    <p:sldId id="278" r:id="rId19"/>
   </p:sldIdLst>
   <p:sldSz cx="9144000" cy="6858000" type="screen4x3"/>
   <p:notesSz cx="6858000" cy="9144000"/>
@@ -236,7 +237,7 @@
           <a:p>
             <a:fld id="{C348C3C8-9955-429D-9268-26DD7DD22A13}" type="datetimeFigureOut">
               <a:rPr lang="en-US" smtClean="0"/>
-              <a:t>10/29/22</a:t>
+              <a:t>11/2/22</a:t>
             </a:fld>
             <a:endParaRPr lang="en-US"/>
           </a:p>
@@ -631,7 +632,7 @@
           <a:bodyPr/>
           <a:lstStyle/>
           <a:p>
-            <a:endParaRPr lang="en-US" dirty="0"/>
+            <a:endParaRPr lang="en-US"/>
           </a:p>
         </p:txBody>
       </p:sp>
@@ -652,7 +653,7 @@
           <a:p>
             <a:fld id="{52D8132C-6087-4ECA-BABC-3DA4C2803251}" type="slidenum">
               <a:rPr lang="en-US" smtClean="0"/>
-              <a:t>3</a:t>
+              <a:t>2</a:t>
             </a:fld>
             <a:endParaRPr lang="en-US"/>
           </a:p>
@@ -661,7 +662,7 @@
     </p:spTree>
     <p:extLst>
       <p:ext uri="{BB962C8B-B14F-4D97-AF65-F5344CB8AC3E}">
-        <p14:creationId xmlns:p14="http://schemas.microsoft.com/office/powerpoint/2010/main" val="751983956"/>
+        <p14:creationId xmlns:p14="http://schemas.microsoft.com/office/powerpoint/2010/main" val="3325979362"/>
       </p:ext>
     </p:extLst>
   </p:cSld>
@@ -736,7 +737,7 @@
           <a:p>
             <a:fld id="{52D8132C-6087-4ECA-BABC-3DA4C2803251}" type="slidenum">
               <a:rPr lang="en-US" smtClean="0"/>
-              <a:t>17</a:t>
+              <a:t>5</a:t>
             </a:fld>
             <a:endParaRPr lang="en-US"/>
           </a:p>
@@ -745,7 +746,91 @@
     </p:spTree>
     <p:extLst>
       <p:ext uri="{BB962C8B-B14F-4D97-AF65-F5344CB8AC3E}">
-        <p14:creationId xmlns:p14="http://schemas.microsoft.com/office/powerpoint/2010/main" val="345781205"/>
+        <p14:creationId xmlns:p14="http://schemas.microsoft.com/office/powerpoint/2010/main" val="751983956"/>
+      </p:ext>
+    </p:extLst>
+  </p:cSld>
+  <p:clrMapOvr>
+    <a:masterClrMapping/>
+  </p:clrMapOvr>
+</p:notes>
+</file>
+
+<file path=ppt/notesSlides/notesSlide4.xml><?xml version="1.0" encoding="utf-8"?>
+<p:notes xmlns:a="http://schemas.openxmlformats.org/drawingml/2006/main" xmlns:r="http://schemas.openxmlformats.org/officeDocument/2006/relationships" xmlns:p="http://schemas.openxmlformats.org/presentationml/2006/main">
+  <p:cSld>
+    <p:spTree>
+      <p:nvGrpSpPr>
+        <p:cNvPr id="1" name=""/>
+        <p:cNvGrpSpPr/>
+        <p:nvPr/>
+      </p:nvGrpSpPr>
+      <p:grpSpPr>
+        <a:xfrm>
+          <a:off x="0" y="0"/>
+          <a:ext cx="0" cy="0"/>
+          <a:chOff x="0" y="0"/>
+          <a:chExt cx="0" cy="0"/>
+        </a:xfrm>
+      </p:grpSpPr>
+      <p:sp>
+        <p:nvSpPr>
+          <p:cNvPr id="2" name="Slide Image Placeholder 1"/>
+          <p:cNvSpPr>
+            <a:spLocks noGrp="1" noRot="1" noChangeAspect="1"/>
+          </p:cNvSpPr>
+          <p:nvPr>
+            <p:ph type="sldImg"/>
+          </p:nvPr>
+        </p:nvSpPr>
+        <p:spPr/>
+      </p:sp>
+      <p:sp>
+        <p:nvSpPr>
+          <p:cNvPr id="3" name="Notes Placeholder 2"/>
+          <p:cNvSpPr>
+            <a:spLocks noGrp="1"/>
+          </p:cNvSpPr>
+          <p:nvPr>
+            <p:ph type="body" idx="1"/>
+          </p:nvPr>
+        </p:nvSpPr>
+        <p:spPr/>
+        <p:txBody>
+          <a:bodyPr/>
+          <a:lstStyle/>
+          <a:p>
+            <a:endParaRPr lang="en-US" dirty="0"/>
+          </a:p>
+        </p:txBody>
+      </p:sp>
+      <p:sp>
+        <p:nvSpPr>
+          <p:cNvPr id="4" name="Slide Number Placeholder 3"/>
+          <p:cNvSpPr>
+            <a:spLocks noGrp="1"/>
+          </p:cNvSpPr>
+          <p:nvPr>
+            <p:ph type="sldNum" sz="quarter" idx="5"/>
+          </p:nvPr>
+        </p:nvSpPr>
+        <p:spPr/>
+        <p:txBody>
+          <a:bodyPr/>
+          <a:lstStyle/>
+          <a:p>
+            <a:fld id="{52D8132C-6087-4ECA-BABC-3DA4C2803251}" type="slidenum">
+              <a:rPr lang="en-US" smtClean="0"/>
+              <a:t>18</a:t>
+            </a:fld>
+            <a:endParaRPr lang="en-US"/>
+          </a:p>
+        </p:txBody>
+      </p:sp>
+    </p:spTree>
+    <p:extLst>
+      <p:ext uri="{BB962C8B-B14F-4D97-AF65-F5344CB8AC3E}">
+        <p14:creationId xmlns:p14="http://schemas.microsoft.com/office/powerpoint/2010/main" val="2914570274"/>
       </p:ext>
     </p:extLst>
   </p:cSld>
@@ -1088,6 +1173,14 @@
   <p:clrMapOvr>
     <a:masterClrMapping/>
   </p:clrMapOvr>
+  <mc:AlternateContent xmlns:mc="http://schemas.openxmlformats.org/markup-compatibility/2006">
+    <mc:Choice xmlns:p14="http://schemas.microsoft.com/office/powerpoint/2010/main" Requires="p14">
+      <p:transition spd="slow" p14:dur="2000" advClick="0"/>
+    </mc:Choice>
+    <mc:Fallback>
+      <p:transition spd="slow" advClick="0"/>
+    </mc:Fallback>
+  </mc:AlternateContent>
   <p:timing>
     <p:tnLst>
       <p:par>
@@ -1402,6 +1495,14 @@
   <p:clrMapOvr>
     <a:masterClrMapping/>
   </p:clrMapOvr>
+  <mc:AlternateContent xmlns:mc="http://schemas.openxmlformats.org/markup-compatibility/2006">
+    <mc:Choice xmlns:p14="http://schemas.microsoft.com/office/powerpoint/2010/main" Requires="p14">
+      <p:transition spd="slow" p14:dur="2000" advClick="0"/>
+    </mc:Choice>
+    <mc:Fallback>
+      <p:transition spd="slow" advClick="0"/>
+    </mc:Fallback>
+  </mc:AlternateContent>
 </p:sldLayout>
 </file>
 
@@ -1495,7 +1596,7 @@
           <a:p>
             <a:fld id="{E2CDFA28-DCA2-41ED-B39E-50E2E91BB61C}" type="datetimeFigureOut">
               <a:rPr lang="en-US" smtClean="0"/>
-              <a:t>10/29/22</a:t>
+              <a:t>11/2/22</a:t>
             </a:fld>
             <a:endParaRPr lang="en-US"/>
           </a:p>
@@ -1589,6 +1690,14 @@
   <p:clrMapOvr>
     <a:masterClrMapping/>
   </p:clrMapOvr>
+  <mc:AlternateContent xmlns:mc="http://schemas.openxmlformats.org/markup-compatibility/2006">
+    <mc:Choice xmlns:p14="http://schemas.microsoft.com/office/powerpoint/2010/main" Requires="p14">
+      <p:transition spd="slow" p14:dur="2000" advClick="0"/>
+    </mc:Choice>
+    <mc:Fallback>
+      <p:transition spd="slow" advClick="0"/>
+    </mc:Fallback>
+  </mc:AlternateContent>
   <p:timing>
     <p:tnLst>
       <p:par>
@@ -2208,7 +2317,7 @@
           <a:p>
             <a:fld id="{E2CDFA28-DCA2-41ED-B39E-50E2E91BB61C}" type="datetimeFigureOut">
               <a:rPr lang="en-US" smtClean="0"/>
-              <a:t>10/29/22</a:t>
+              <a:t>11/2/22</a:t>
             </a:fld>
             <a:endParaRPr lang="en-US"/>
           </a:p>
@@ -2303,6 +2412,14 @@
   <p:clrMapOvr>
     <a:masterClrMapping/>
   </p:clrMapOvr>
+  <mc:AlternateContent xmlns:mc="http://schemas.openxmlformats.org/markup-compatibility/2006">
+    <mc:Choice xmlns:p14="http://schemas.microsoft.com/office/powerpoint/2010/main" Requires="p14">
+      <p:transition spd="slow" p14:dur="2000" advClick="0"/>
+    </mc:Choice>
+    <mc:Fallback>
+      <p:transition spd="slow" advClick="0"/>
+    </mc:Fallback>
+  </mc:AlternateContent>
 </p:sldLayout>
 </file>
 
@@ -2509,7 +2626,7 @@
           <a:p>
             <a:fld id="{E2CDFA28-DCA2-41ED-B39E-50E2E91BB61C}" type="datetimeFigureOut">
               <a:rPr lang="en-US" smtClean="0"/>
-              <a:t>10/29/22</a:t>
+              <a:t>11/2/22</a:t>
             </a:fld>
             <a:endParaRPr lang="en-US"/>
           </a:p>
@@ -2589,6 +2706,14 @@
   <p:clrMapOvr>
     <a:masterClrMapping/>
   </p:clrMapOvr>
+  <mc:AlternateContent xmlns:mc="http://schemas.openxmlformats.org/markup-compatibility/2006">
+    <mc:Choice xmlns:p14="http://schemas.microsoft.com/office/powerpoint/2010/main" Requires="p14">
+      <p:transition spd="slow" p14:dur="2000" advClick="0"/>
+    </mc:Choice>
+    <mc:Fallback>
+      <p:transition spd="slow" advClick="0"/>
+    </mc:Fallback>
+  </mc:AlternateContent>
 </p:sldLayout>
 </file>
 
@@ -2796,7 +2921,7 @@
           <a:p>
             <a:fld id="{E2CDFA28-DCA2-41ED-B39E-50E2E91BB61C}" type="datetimeFigureOut">
               <a:rPr lang="en-US" smtClean="0"/>
-              <a:t>10/29/22</a:t>
+              <a:t>11/2/22</a:t>
             </a:fld>
             <a:endParaRPr lang="en-US"/>
           </a:p>
@@ -3046,6 +3171,14 @@
   <p:clrMapOvr>
     <a:masterClrMapping/>
   </p:clrMapOvr>
+  <mc:AlternateContent xmlns:mc="http://schemas.openxmlformats.org/markup-compatibility/2006">
+    <mc:Choice xmlns:p14="http://schemas.microsoft.com/office/powerpoint/2010/main" Requires="p14">
+      <p:transition spd="slow" p14:dur="2000" advClick="0"/>
+    </mc:Choice>
+    <mc:Fallback>
+      <p:transition spd="slow" advClick="0"/>
+    </mc:Fallback>
+  </mc:AlternateContent>
 </p:sldLayout>
 </file>
 
@@ -3416,7 +3549,7 @@
           <a:p>
             <a:fld id="{E2CDFA28-DCA2-41ED-B39E-50E2E91BB61C}" type="datetimeFigureOut">
               <a:rPr lang="en-US" smtClean="0"/>
-              <a:t>10/29/22</a:t>
+              <a:t>11/2/22</a:t>
             </a:fld>
             <a:endParaRPr lang="en-US"/>
           </a:p>
@@ -3474,6 +3607,14 @@
   <p:clrMapOvr>
     <a:masterClrMapping/>
   </p:clrMapOvr>
+  <mc:AlternateContent xmlns:mc="http://schemas.openxmlformats.org/markup-compatibility/2006">
+    <mc:Choice xmlns:p14="http://schemas.microsoft.com/office/powerpoint/2010/main" Requires="p14">
+      <p:transition spd="slow" p14:dur="2000" advClick="0"/>
+    </mc:Choice>
+    <mc:Fallback>
+      <p:transition spd="slow" advClick="0"/>
+    </mc:Fallback>
+  </mc:AlternateContent>
 </p:sldLayout>
 </file>
 
@@ -3534,7 +3675,7 @@
           <a:p>
             <a:fld id="{E2CDFA28-DCA2-41ED-B39E-50E2E91BB61C}" type="datetimeFigureOut">
               <a:rPr lang="en-US" smtClean="0"/>
-              <a:t>10/29/22</a:t>
+              <a:t>11/2/22</a:t>
             </a:fld>
             <a:endParaRPr lang="en-US"/>
           </a:p>
@@ -3592,6 +3733,14 @@
   <p:clrMapOvr>
     <a:masterClrMapping/>
   </p:clrMapOvr>
+  <mc:AlternateContent xmlns:mc="http://schemas.openxmlformats.org/markup-compatibility/2006">
+    <mc:Choice xmlns:p14="http://schemas.microsoft.com/office/powerpoint/2010/main" Requires="p14">
+      <p:transition spd="slow" p14:dur="2000" advClick="0"/>
+    </mc:Choice>
+    <mc:Fallback>
+      <p:transition spd="slow" advClick="0"/>
+    </mc:Fallback>
+  </mc:AlternateContent>
 </p:sldLayout>
 </file>
 
@@ -3629,7 +3778,7 @@
           <a:p>
             <a:fld id="{E2CDFA28-DCA2-41ED-B39E-50E2E91BB61C}" type="datetimeFigureOut">
               <a:rPr lang="en-US" smtClean="0"/>
-              <a:t>10/29/22</a:t>
+              <a:t>11/2/22</a:t>
             </a:fld>
             <a:endParaRPr lang="en-US"/>
           </a:p>
@@ -3687,6 +3836,14 @@
   <p:clrMapOvr>
     <a:masterClrMapping/>
   </p:clrMapOvr>
+  <mc:AlternateContent xmlns:mc="http://schemas.openxmlformats.org/markup-compatibility/2006">
+    <mc:Choice xmlns:p14="http://schemas.microsoft.com/office/powerpoint/2010/main" Requires="p14">
+      <p:transition spd="slow" p14:dur="2000" advClick="0"/>
+    </mc:Choice>
+    <mc:Fallback>
+      <p:transition spd="slow" advClick="0"/>
+    </mc:Fallback>
+  </mc:AlternateContent>
 </p:sldLayout>
 </file>
 
@@ -3917,6 +4074,14 @@
   <p:clrMapOvr>
     <a:masterClrMapping/>
   </p:clrMapOvr>
+  <mc:AlternateContent xmlns:mc="http://schemas.openxmlformats.org/markup-compatibility/2006">
+    <mc:Choice xmlns:p14="http://schemas.microsoft.com/office/powerpoint/2010/main" Requires="p14">
+      <p:transition spd="slow" p14:dur="2000" advClick="0"/>
+    </mc:Choice>
+    <mc:Fallback>
+      <p:transition spd="slow" advClick="0"/>
+    </mc:Fallback>
+  </mc:AlternateContent>
 </p:sldLayout>
 </file>
 
@@ -4187,7 +4352,7 @@
           <a:p>
             <a:fld id="{E2CDFA28-DCA2-41ED-B39E-50E2E91BB61C}" type="datetimeFigureOut">
               <a:rPr lang="en-US" smtClean="0"/>
-              <a:t>10/29/22</a:t>
+              <a:t>11/2/22</a:t>
             </a:fld>
             <a:endParaRPr lang="en-US"/>
           </a:p>
@@ -4317,6 +4482,14 @@
     <p:sldLayoutId id="2147483669" r:id="rId9"/>
     <p:sldLayoutId id="2147483670" r:id="rId10"/>
   </p:sldLayoutIdLst>
+  <mc:AlternateContent xmlns:mc="http://schemas.openxmlformats.org/markup-compatibility/2006">
+    <mc:Choice xmlns:p14="http://schemas.microsoft.com/office/powerpoint/2010/main" Requires="p14">
+      <p:transition spd="slow" p14:dur="2000" advClick="0"/>
+    </mc:Choice>
+    <mc:Fallback>
+      <p:transition spd="slow" advClick="0"/>
+    </mc:Fallback>
+  </mc:AlternateContent>
   <p:txStyles>
     <p:titleStyle>
       <a:lvl1pPr algn="l" defTabSz="914400" rtl="0" eaLnBrk="1" latinLnBrk="0" hangingPunct="1">
@@ -4686,6 +4859,14 @@
   <p:clrMapOvr>
     <a:masterClrMapping/>
   </p:clrMapOvr>
+  <mc:AlternateContent xmlns:mc="http://schemas.openxmlformats.org/markup-compatibility/2006">
+    <mc:Choice xmlns:p14="http://schemas.microsoft.com/office/powerpoint/2010/main" Requires="p14">
+      <p:transition p14:dur="10"/>
+    </mc:Choice>
+    <mc:Fallback>
+      <p:transition/>
+    </mc:Fallback>
+  </mc:AlternateContent>
 </p:sld>
 </file>
 
@@ -4708,6 +4889,30 @@
       </p:grpSpPr>
       <p:sp>
         <p:nvSpPr>
+          <p:cNvPr id="2" name="Content Placeholder 1"/>
+          <p:cNvSpPr>
+            <a:spLocks noGrp="1"/>
+          </p:cNvSpPr>
+          <p:nvPr>
+            <p:ph idx="1"/>
+          </p:nvPr>
+        </p:nvSpPr>
+        <p:spPr/>
+        <p:txBody>
+          <a:bodyPr/>
+          <a:lstStyle/>
+          <a:p>
+            <a:r>
+              <a:rPr lang="en-US" dirty="0">
+                <a:latin typeface="+mj-lt"/>
+              </a:rPr>
+              <a:t>Need to paste an example</a:t>
+            </a:r>
+          </a:p>
+        </p:txBody>
+      </p:sp>
+      <p:sp>
+        <p:nvSpPr>
           <p:cNvPr id="3" name="Title 2"/>
           <p:cNvSpPr>
             <a:spLocks noGrp="1"/>
@@ -4725,1188 +4930,89 @@
               <a:rPr lang="en-US" dirty="0">
                 <a:latin typeface="+mj-lt"/>
               </a:rPr>
-              <a:t>How documents are stored?</a:t>
-            </a:r>
-          </a:p>
-        </p:txBody>
-      </p:sp>
-      <p:sp>
-        <p:nvSpPr>
-          <p:cNvPr id="4" name="Oval 3">
+              <a:t>Architecture – Documents Example</a:t>
+            </a:r>
+          </a:p>
+        </p:txBody>
+      </p:sp>
+      <p:pic>
+        <p:nvPicPr>
+          <p:cNvPr id="4" name="Picture 3">
             <a:extLst>
               <a:ext uri="{FF2B5EF4-FFF2-40B4-BE49-F238E27FC236}">
-                <a16:creationId xmlns:a16="http://schemas.microsoft.com/office/drawing/2014/main" id="{F6BDDF9D-FA1B-475F-9D13-39C76D767D4D}"/>
+                <a16:creationId xmlns:a16="http://schemas.microsoft.com/office/drawing/2014/main" id="{51B5B79C-1B42-94B6-8BC8-0FCE69FCE220}"/>
               </a:ext>
             </a:extLst>
           </p:cNvPr>
-          <p:cNvSpPr/>
+          <p:cNvPicPr>
+            <a:picLocks noChangeAspect="1"/>
+          </p:cNvPicPr>
           <p:nvPr/>
-        </p:nvSpPr>
-        <p:spPr>
-          <a:xfrm>
-            <a:off x="4977245" y="1905000"/>
-            <a:ext cx="3962400" cy="3581400"/>
-          </a:xfrm>
-          <a:prstGeom prst="ellipse">
+        </p:nvPicPr>
+        <p:blipFill>
+          <a:blip r:embed="rId2"/>
+          <a:stretch>
+            <a:fillRect/>
+          </a:stretch>
+        </p:blipFill>
+        <p:spPr>
+          <a:xfrm>
+            <a:off x="355600" y="2422525"/>
+            <a:ext cx="3107160" cy="2012950"/>
+          </a:xfrm>
+          <a:prstGeom prst="rect">
             <a:avLst/>
           </a:prstGeom>
-          <a:noFill/>
-        </p:spPr>
-        <p:style>
-          <a:lnRef idx="2">
-            <a:schemeClr val="accent1">
-              <a:shade val="50000"/>
-            </a:schemeClr>
-          </a:lnRef>
-          <a:fillRef idx="1">
-            <a:schemeClr val="accent1"/>
-          </a:fillRef>
-          <a:effectRef idx="0">
-            <a:schemeClr val="accent1"/>
-          </a:effectRef>
-          <a:fontRef idx="minor">
-            <a:schemeClr val="lt1"/>
-          </a:fontRef>
-        </p:style>
-        <p:txBody>
-          <a:bodyPr rtlCol="0" anchor="ctr"/>
-          <a:lstStyle/>
-          <a:p>
-            <a:pPr algn="ctr"/>
-            <a:endParaRPr lang="en-US"/>
-          </a:p>
-        </p:txBody>
-      </p:sp>
-      <p:sp>
-        <p:nvSpPr>
-          <p:cNvPr id="5" name="Oval 4">
+        </p:spPr>
+      </p:pic>
+      <p:pic>
+        <p:nvPicPr>
+          <p:cNvPr id="5" name="Picture 4">
             <a:extLst>
               <a:ext uri="{FF2B5EF4-FFF2-40B4-BE49-F238E27FC236}">
-                <a16:creationId xmlns:a16="http://schemas.microsoft.com/office/drawing/2014/main" id="{5EEE588E-1C4C-1BC1-2FC3-E2AF1A2C38C9}"/>
+                <a16:creationId xmlns:a16="http://schemas.microsoft.com/office/drawing/2014/main" id="{0E8AAC3D-B508-00A3-C9ED-CED47B74B1D7}"/>
               </a:ext>
             </a:extLst>
           </p:cNvPr>
-          <p:cNvSpPr/>
+          <p:cNvPicPr>
+            <a:picLocks noChangeAspect="1"/>
+          </p:cNvPicPr>
           <p:nvPr/>
-        </p:nvSpPr>
-        <p:spPr>
-          <a:xfrm>
-            <a:off x="379269" y="1984660"/>
-            <a:ext cx="3962400" cy="3581400"/>
-          </a:xfrm>
-          <a:prstGeom prst="ellipse">
-            <a:avLst/>
-          </a:prstGeom>
-          <a:noFill/>
-        </p:spPr>
-        <p:style>
-          <a:lnRef idx="2">
-            <a:schemeClr val="accent1">
-              <a:shade val="50000"/>
-            </a:schemeClr>
-          </a:lnRef>
-          <a:fillRef idx="1">
-            <a:schemeClr val="accent1"/>
-          </a:fillRef>
-          <a:effectRef idx="0">
-            <a:schemeClr val="accent1"/>
-          </a:effectRef>
-          <a:fontRef idx="minor">
-            <a:schemeClr val="lt1"/>
-          </a:fontRef>
-        </p:style>
-        <p:txBody>
-          <a:bodyPr rtlCol="0" anchor="ctr"/>
-          <a:lstStyle/>
-          <a:p>
-            <a:pPr algn="ctr"/>
-            <a:endParaRPr lang="en-US"/>
-          </a:p>
-        </p:txBody>
-      </p:sp>
-      <p:sp>
-        <p:nvSpPr>
-          <p:cNvPr id="8" name="Folded Corner 7">
-            <a:extLst>
-              <a:ext uri="{FF2B5EF4-FFF2-40B4-BE49-F238E27FC236}">
-                <a16:creationId xmlns:a16="http://schemas.microsoft.com/office/drawing/2014/main" id="{4828C907-6DE4-16D9-920E-2CC724FF684C}"/>
-              </a:ext>
-            </a:extLst>
-          </p:cNvPr>
-          <p:cNvSpPr/>
-          <p:nvPr/>
-        </p:nvSpPr>
-        <p:spPr>
-          <a:xfrm>
-            <a:off x="5725391" y="2563090"/>
-            <a:ext cx="609600" cy="609600"/>
-          </a:xfrm>
-          <a:prstGeom prst="foldedCorner">
-            <a:avLst/>
-          </a:prstGeom>
-        </p:spPr>
-        <p:style>
-          <a:lnRef idx="3">
-            <a:schemeClr val="lt1"/>
-          </a:lnRef>
-          <a:fillRef idx="1">
-            <a:schemeClr val="accent1"/>
-          </a:fillRef>
-          <a:effectRef idx="1">
-            <a:schemeClr val="accent1"/>
-          </a:effectRef>
-          <a:fontRef idx="minor">
-            <a:schemeClr val="lt1"/>
-          </a:fontRef>
-        </p:style>
-        <p:txBody>
-          <a:bodyPr rtlCol="0" anchor="ctr"/>
-          <a:lstStyle/>
-          <a:p>
-            <a:pPr algn="ctr"/>
-            <a:endParaRPr lang="en-US"/>
-          </a:p>
-        </p:txBody>
-      </p:sp>
-      <p:sp>
-        <p:nvSpPr>
-          <p:cNvPr id="9" name="Folded Corner 8">
-            <a:extLst>
-              <a:ext uri="{FF2B5EF4-FFF2-40B4-BE49-F238E27FC236}">
-                <a16:creationId xmlns:a16="http://schemas.microsoft.com/office/drawing/2014/main" id="{C975B93F-EE77-9340-E80E-C3374B643ACD}"/>
-              </a:ext>
-            </a:extLst>
-          </p:cNvPr>
-          <p:cNvSpPr/>
-          <p:nvPr/>
-        </p:nvSpPr>
-        <p:spPr>
-          <a:xfrm>
-            <a:off x="6664036" y="2563090"/>
-            <a:ext cx="609600" cy="609600"/>
-          </a:xfrm>
-          <a:prstGeom prst="foldedCorner">
-            <a:avLst/>
-          </a:prstGeom>
-        </p:spPr>
-        <p:style>
-          <a:lnRef idx="3">
-            <a:schemeClr val="lt1"/>
-          </a:lnRef>
-          <a:fillRef idx="1">
-            <a:schemeClr val="accent1"/>
-          </a:fillRef>
-          <a:effectRef idx="1">
-            <a:schemeClr val="accent1"/>
-          </a:effectRef>
-          <a:fontRef idx="minor">
-            <a:schemeClr val="lt1"/>
-          </a:fontRef>
-        </p:style>
-        <p:txBody>
-          <a:bodyPr rtlCol="0" anchor="ctr"/>
-          <a:lstStyle/>
-          <a:p>
-            <a:pPr algn="ctr"/>
-            <a:endParaRPr lang="en-US"/>
-          </a:p>
-        </p:txBody>
-      </p:sp>
-      <p:sp>
-        <p:nvSpPr>
-          <p:cNvPr id="10" name="Folded Corner 9">
-            <a:extLst>
-              <a:ext uri="{FF2B5EF4-FFF2-40B4-BE49-F238E27FC236}">
-                <a16:creationId xmlns:a16="http://schemas.microsoft.com/office/drawing/2014/main" id="{54C54B52-37BD-B96B-6C58-CC591F886DF4}"/>
-              </a:ext>
-            </a:extLst>
-          </p:cNvPr>
-          <p:cNvSpPr/>
-          <p:nvPr/>
-        </p:nvSpPr>
-        <p:spPr>
-          <a:xfrm>
-            <a:off x="7602681" y="2549235"/>
-            <a:ext cx="609600" cy="609600"/>
-          </a:xfrm>
-          <a:prstGeom prst="foldedCorner">
-            <a:avLst/>
-          </a:prstGeom>
-        </p:spPr>
-        <p:style>
-          <a:lnRef idx="3">
-            <a:schemeClr val="lt1"/>
-          </a:lnRef>
-          <a:fillRef idx="1">
-            <a:schemeClr val="accent1"/>
-          </a:fillRef>
-          <a:effectRef idx="1">
-            <a:schemeClr val="accent1"/>
-          </a:effectRef>
-          <a:fontRef idx="minor">
-            <a:schemeClr val="lt1"/>
-          </a:fontRef>
-        </p:style>
-        <p:txBody>
-          <a:bodyPr rtlCol="0" anchor="ctr"/>
-          <a:lstStyle/>
-          <a:p>
-            <a:pPr algn="ctr"/>
-            <a:endParaRPr lang="en-US"/>
-          </a:p>
-        </p:txBody>
-      </p:sp>
-      <p:sp>
-        <p:nvSpPr>
-          <p:cNvPr id="11" name="Folded Corner 10">
-            <a:extLst>
-              <a:ext uri="{FF2B5EF4-FFF2-40B4-BE49-F238E27FC236}">
-                <a16:creationId xmlns:a16="http://schemas.microsoft.com/office/drawing/2014/main" id="{3440B871-D51C-7F59-B7DE-87A52B214E13}"/>
-              </a:ext>
-            </a:extLst>
-          </p:cNvPr>
-          <p:cNvSpPr/>
-          <p:nvPr/>
-        </p:nvSpPr>
-        <p:spPr>
-          <a:xfrm>
-            <a:off x="5725391" y="3498270"/>
-            <a:ext cx="609600" cy="609600"/>
-          </a:xfrm>
-          <a:prstGeom prst="foldedCorner">
-            <a:avLst/>
-          </a:prstGeom>
-        </p:spPr>
-        <p:style>
-          <a:lnRef idx="3">
-            <a:schemeClr val="lt1"/>
-          </a:lnRef>
-          <a:fillRef idx="1">
-            <a:schemeClr val="accent1"/>
-          </a:fillRef>
-          <a:effectRef idx="1">
-            <a:schemeClr val="accent1"/>
-          </a:effectRef>
-          <a:fontRef idx="minor">
-            <a:schemeClr val="lt1"/>
-          </a:fontRef>
-        </p:style>
-        <p:txBody>
-          <a:bodyPr rtlCol="0" anchor="ctr"/>
-          <a:lstStyle/>
-          <a:p>
-            <a:pPr algn="ctr"/>
-            <a:endParaRPr lang="en-US"/>
-          </a:p>
-        </p:txBody>
-      </p:sp>
-      <p:sp>
-        <p:nvSpPr>
-          <p:cNvPr id="12" name="Folded Corner 11">
-            <a:extLst>
-              <a:ext uri="{FF2B5EF4-FFF2-40B4-BE49-F238E27FC236}">
-                <a16:creationId xmlns:a16="http://schemas.microsoft.com/office/drawing/2014/main" id="{C55CB8F1-29C5-C6F6-5672-143926718B65}"/>
-              </a:ext>
-            </a:extLst>
-          </p:cNvPr>
-          <p:cNvSpPr/>
-          <p:nvPr/>
-        </p:nvSpPr>
-        <p:spPr>
-          <a:xfrm>
-            <a:off x="6664036" y="3498270"/>
-            <a:ext cx="609600" cy="609600"/>
-          </a:xfrm>
-          <a:prstGeom prst="foldedCorner">
-            <a:avLst/>
-          </a:prstGeom>
-        </p:spPr>
-        <p:style>
-          <a:lnRef idx="3">
-            <a:schemeClr val="lt1"/>
-          </a:lnRef>
-          <a:fillRef idx="1">
-            <a:schemeClr val="accent1"/>
-          </a:fillRef>
-          <a:effectRef idx="1">
-            <a:schemeClr val="accent1"/>
-          </a:effectRef>
-          <a:fontRef idx="minor">
-            <a:schemeClr val="lt1"/>
-          </a:fontRef>
-        </p:style>
-        <p:txBody>
-          <a:bodyPr rtlCol="0" anchor="ctr"/>
-          <a:lstStyle/>
-          <a:p>
-            <a:pPr algn="ctr"/>
-            <a:endParaRPr lang="en-US"/>
-          </a:p>
-        </p:txBody>
-      </p:sp>
-      <p:sp>
-        <p:nvSpPr>
-          <p:cNvPr id="13" name="Folded Corner 12">
-            <a:extLst>
-              <a:ext uri="{FF2B5EF4-FFF2-40B4-BE49-F238E27FC236}">
-                <a16:creationId xmlns:a16="http://schemas.microsoft.com/office/drawing/2014/main" id="{401BC9E7-6A93-12C1-68D5-D9D283F01731}"/>
-              </a:ext>
-            </a:extLst>
-          </p:cNvPr>
-          <p:cNvSpPr/>
-          <p:nvPr/>
-        </p:nvSpPr>
-        <p:spPr>
-          <a:xfrm>
-            <a:off x="7602681" y="3484415"/>
-            <a:ext cx="609600" cy="609600"/>
-          </a:xfrm>
-          <a:prstGeom prst="foldedCorner">
-            <a:avLst/>
-          </a:prstGeom>
-        </p:spPr>
-        <p:style>
-          <a:lnRef idx="3">
-            <a:schemeClr val="lt1"/>
-          </a:lnRef>
-          <a:fillRef idx="1">
-            <a:schemeClr val="accent1"/>
-          </a:fillRef>
-          <a:effectRef idx="1">
-            <a:schemeClr val="accent1"/>
-          </a:effectRef>
-          <a:fontRef idx="minor">
-            <a:schemeClr val="lt1"/>
-          </a:fontRef>
-        </p:style>
-        <p:txBody>
-          <a:bodyPr rtlCol="0" anchor="ctr"/>
-          <a:lstStyle/>
-          <a:p>
-            <a:pPr algn="ctr"/>
-            <a:endParaRPr lang="en-US"/>
-          </a:p>
-        </p:txBody>
-      </p:sp>
-      <p:sp>
-        <p:nvSpPr>
-          <p:cNvPr id="14" name="Folded Corner 13">
-            <a:extLst>
-              <a:ext uri="{FF2B5EF4-FFF2-40B4-BE49-F238E27FC236}">
-                <a16:creationId xmlns:a16="http://schemas.microsoft.com/office/drawing/2014/main" id="{812B3B3C-BBEC-609C-AA3C-BF317DD72775}"/>
-              </a:ext>
-            </a:extLst>
-          </p:cNvPr>
-          <p:cNvSpPr/>
-          <p:nvPr/>
-        </p:nvSpPr>
-        <p:spPr>
-          <a:xfrm>
-            <a:off x="5725391" y="4419601"/>
-            <a:ext cx="609600" cy="609600"/>
-          </a:xfrm>
-          <a:prstGeom prst="foldedCorner">
-            <a:avLst/>
-          </a:prstGeom>
-        </p:spPr>
-        <p:style>
-          <a:lnRef idx="3">
-            <a:schemeClr val="lt1"/>
-          </a:lnRef>
-          <a:fillRef idx="1">
-            <a:schemeClr val="accent1"/>
-          </a:fillRef>
-          <a:effectRef idx="1">
-            <a:schemeClr val="accent1"/>
-          </a:effectRef>
-          <a:fontRef idx="minor">
-            <a:schemeClr val="lt1"/>
-          </a:fontRef>
-        </p:style>
-        <p:txBody>
-          <a:bodyPr rtlCol="0" anchor="ctr"/>
-          <a:lstStyle/>
-          <a:p>
-            <a:pPr algn="ctr"/>
-            <a:endParaRPr lang="en-US"/>
-          </a:p>
-        </p:txBody>
-      </p:sp>
-      <p:sp>
-        <p:nvSpPr>
-          <p:cNvPr id="15" name="Folded Corner 14">
-            <a:extLst>
-              <a:ext uri="{FF2B5EF4-FFF2-40B4-BE49-F238E27FC236}">
-                <a16:creationId xmlns:a16="http://schemas.microsoft.com/office/drawing/2014/main" id="{2B01E7D3-5EF5-14AF-810F-6118BA480BF5}"/>
-              </a:ext>
-            </a:extLst>
-          </p:cNvPr>
-          <p:cNvSpPr/>
-          <p:nvPr/>
-        </p:nvSpPr>
-        <p:spPr>
-          <a:xfrm>
-            <a:off x="6664036" y="4419601"/>
-            <a:ext cx="609600" cy="609600"/>
-          </a:xfrm>
-          <a:prstGeom prst="foldedCorner">
-            <a:avLst/>
-          </a:prstGeom>
-        </p:spPr>
-        <p:style>
-          <a:lnRef idx="3">
-            <a:schemeClr val="lt1"/>
-          </a:lnRef>
-          <a:fillRef idx="1">
-            <a:schemeClr val="accent1"/>
-          </a:fillRef>
-          <a:effectRef idx="1">
-            <a:schemeClr val="accent1"/>
-          </a:effectRef>
-          <a:fontRef idx="minor">
-            <a:schemeClr val="lt1"/>
-          </a:fontRef>
-        </p:style>
-        <p:txBody>
-          <a:bodyPr rtlCol="0" anchor="ctr"/>
-          <a:lstStyle/>
-          <a:p>
-            <a:pPr algn="ctr"/>
-            <a:endParaRPr lang="en-US"/>
-          </a:p>
-        </p:txBody>
-      </p:sp>
-      <p:sp>
-        <p:nvSpPr>
-          <p:cNvPr id="16" name="Folded Corner 15">
-            <a:extLst>
-              <a:ext uri="{FF2B5EF4-FFF2-40B4-BE49-F238E27FC236}">
-                <a16:creationId xmlns:a16="http://schemas.microsoft.com/office/drawing/2014/main" id="{1EB13A52-27C5-232D-FC90-86F025DBF509}"/>
-              </a:ext>
-            </a:extLst>
-          </p:cNvPr>
-          <p:cNvSpPr/>
-          <p:nvPr/>
-        </p:nvSpPr>
-        <p:spPr>
-          <a:xfrm>
-            <a:off x="7602681" y="4405746"/>
-            <a:ext cx="609600" cy="609600"/>
-          </a:xfrm>
-          <a:prstGeom prst="foldedCorner">
-            <a:avLst/>
-          </a:prstGeom>
-        </p:spPr>
-        <p:style>
-          <a:lnRef idx="3">
-            <a:schemeClr val="lt1"/>
-          </a:lnRef>
-          <a:fillRef idx="1">
-            <a:schemeClr val="accent1"/>
-          </a:fillRef>
-          <a:effectRef idx="1">
-            <a:schemeClr val="accent1"/>
-          </a:effectRef>
-          <a:fontRef idx="minor">
-            <a:schemeClr val="lt1"/>
-          </a:fontRef>
-        </p:style>
-        <p:txBody>
-          <a:bodyPr rtlCol="0" anchor="ctr"/>
-          <a:lstStyle/>
-          <a:p>
-            <a:pPr algn="ctr"/>
-            <a:endParaRPr lang="en-US"/>
-          </a:p>
-        </p:txBody>
-      </p:sp>
-      <p:sp>
-        <p:nvSpPr>
-          <p:cNvPr id="17" name="Folded Corner 16">
-            <a:extLst>
-              <a:ext uri="{FF2B5EF4-FFF2-40B4-BE49-F238E27FC236}">
-                <a16:creationId xmlns:a16="http://schemas.microsoft.com/office/drawing/2014/main" id="{7EF23D4E-878B-E24C-1167-2040E673228B}"/>
-              </a:ext>
-            </a:extLst>
-          </p:cNvPr>
-          <p:cNvSpPr/>
-          <p:nvPr/>
-        </p:nvSpPr>
-        <p:spPr>
-          <a:xfrm>
-            <a:off x="1117024" y="2549235"/>
-            <a:ext cx="609600" cy="609600"/>
-          </a:xfrm>
-          <a:prstGeom prst="foldedCorner">
-            <a:avLst/>
-          </a:prstGeom>
-        </p:spPr>
-        <p:style>
-          <a:lnRef idx="3">
-            <a:schemeClr val="lt1"/>
-          </a:lnRef>
-          <a:fillRef idx="1">
-            <a:schemeClr val="accent1"/>
-          </a:fillRef>
-          <a:effectRef idx="1">
-            <a:schemeClr val="accent1"/>
-          </a:effectRef>
-          <a:fontRef idx="minor">
-            <a:schemeClr val="lt1"/>
-          </a:fontRef>
-        </p:style>
-        <p:txBody>
-          <a:bodyPr rtlCol="0" anchor="ctr"/>
-          <a:lstStyle/>
-          <a:p>
-            <a:pPr algn="ctr"/>
-            <a:endParaRPr lang="en-US"/>
-          </a:p>
-        </p:txBody>
-      </p:sp>
-      <p:sp>
-        <p:nvSpPr>
-          <p:cNvPr id="18" name="Folded Corner 17">
-            <a:extLst>
-              <a:ext uri="{FF2B5EF4-FFF2-40B4-BE49-F238E27FC236}">
-                <a16:creationId xmlns:a16="http://schemas.microsoft.com/office/drawing/2014/main" id="{8D491758-1A09-E4E5-757A-3444300851DA}"/>
-              </a:ext>
-            </a:extLst>
-          </p:cNvPr>
-          <p:cNvSpPr/>
-          <p:nvPr/>
-        </p:nvSpPr>
-        <p:spPr>
-          <a:xfrm>
-            <a:off x="2055669" y="2549235"/>
-            <a:ext cx="609600" cy="609600"/>
-          </a:xfrm>
-          <a:prstGeom prst="foldedCorner">
-            <a:avLst/>
-          </a:prstGeom>
-        </p:spPr>
-        <p:style>
-          <a:lnRef idx="3">
-            <a:schemeClr val="lt1"/>
-          </a:lnRef>
-          <a:fillRef idx="1">
-            <a:schemeClr val="accent1"/>
-          </a:fillRef>
-          <a:effectRef idx="1">
-            <a:schemeClr val="accent1"/>
-          </a:effectRef>
-          <a:fontRef idx="minor">
-            <a:schemeClr val="lt1"/>
-          </a:fontRef>
-        </p:style>
-        <p:txBody>
-          <a:bodyPr rtlCol="0" anchor="ctr"/>
-          <a:lstStyle/>
-          <a:p>
-            <a:pPr algn="ctr"/>
-            <a:endParaRPr lang="en-US"/>
-          </a:p>
-        </p:txBody>
-      </p:sp>
-      <p:sp>
-        <p:nvSpPr>
-          <p:cNvPr id="19" name="Folded Corner 18">
-            <a:extLst>
-              <a:ext uri="{FF2B5EF4-FFF2-40B4-BE49-F238E27FC236}">
-                <a16:creationId xmlns:a16="http://schemas.microsoft.com/office/drawing/2014/main" id="{F27ECD02-0AAA-8557-D9A0-3EB5B3C5DE46}"/>
-              </a:ext>
-            </a:extLst>
-          </p:cNvPr>
-          <p:cNvSpPr/>
-          <p:nvPr/>
-        </p:nvSpPr>
-        <p:spPr>
-          <a:xfrm>
-            <a:off x="2994314" y="2535380"/>
-            <a:ext cx="609600" cy="609600"/>
-          </a:xfrm>
-          <a:prstGeom prst="foldedCorner">
-            <a:avLst/>
-          </a:prstGeom>
-        </p:spPr>
-        <p:style>
-          <a:lnRef idx="3">
-            <a:schemeClr val="lt1"/>
-          </a:lnRef>
-          <a:fillRef idx="1">
-            <a:schemeClr val="accent1"/>
-          </a:fillRef>
-          <a:effectRef idx="1">
-            <a:schemeClr val="accent1"/>
-          </a:effectRef>
-          <a:fontRef idx="minor">
-            <a:schemeClr val="lt1"/>
-          </a:fontRef>
-        </p:style>
-        <p:txBody>
-          <a:bodyPr rtlCol="0" anchor="ctr"/>
-          <a:lstStyle/>
-          <a:p>
-            <a:pPr algn="ctr"/>
-            <a:endParaRPr lang="en-US"/>
-          </a:p>
-        </p:txBody>
-      </p:sp>
-      <p:sp>
-        <p:nvSpPr>
-          <p:cNvPr id="20" name="Folded Corner 19">
-            <a:extLst>
-              <a:ext uri="{FF2B5EF4-FFF2-40B4-BE49-F238E27FC236}">
-                <a16:creationId xmlns:a16="http://schemas.microsoft.com/office/drawing/2014/main" id="{3942888A-F1B9-D8EE-0FAE-491E323DD8A6}"/>
-              </a:ext>
-            </a:extLst>
-          </p:cNvPr>
-          <p:cNvSpPr/>
-          <p:nvPr/>
-        </p:nvSpPr>
-        <p:spPr>
-          <a:xfrm>
-            <a:off x="1117024" y="3484415"/>
-            <a:ext cx="609600" cy="609600"/>
-          </a:xfrm>
-          <a:prstGeom prst="foldedCorner">
-            <a:avLst/>
-          </a:prstGeom>
-        </p:spPr>
-        <p:style>
-          <a:lnRef idx="3">
-            <a:schemeClr val="lt1"/>
-          </a:lnRef>
-          <a:fillRef idx="1">
-            <a:schemeClr val="accent1"/>
-          </a:fillRef>
-          <a:effectRef idx="1">
-            <a:schemeClr val="accent1"/>
-          </a:effectRef>
-          <a:fontRef idx="minor">
-            <a:schemeClr val="lt1"/>
-          </a:fontRef>
-        </p:style>
-        <p:txBody>
-          <a:bodyPr rtlCol="0" anchor="ctr"/>
-          <a:lstStyle/>
-          <a:p>
-            <a:pPr algn="ctr"/>
-            <a:endParaRPr lang="en-US"/>
-          </a:p>
-        </p:txBody>
-      </p:sp>
-      <p:sp>
-        <p:nvSpPr>
-          <p:cNvPr id="21" name="Folded Corner 20">
-            <a:extLst>
-              <a:ext uri="{FF2B5EF4-FFF2-40B4-BE49-F238E27FC236}">
-                <a16:creationId xmlns:a16="http://schemas.microsoft.com/office/drawing/2014/main" id="{BF206793-DDB7-B349-A8FD-262079F4B577}"/>
-              </a:ext>
-            </a:extLst>
-          </p:cNvPr>
-          <p:cNvSpPr/>
-          <p:nvPr/>
-        </p:nvSpPr>
-        <p:spPr>
-          <a:xfrm>
-            <a:off x="2055669" y="3484415"/>
-            <a:ext cx="609600" cy="609600"/>
-          </a:xfrm>
-          <a:prstGeom prst="foldedCorner">
-            <a:avLst/>
-          </a:prstGeom>
-        </p:spPr>
-        <p:style>
-          <a:lnRef idx="3">
-            <a:schemeClr val="lt1"/>
-          </a:lnRef>
-          <a:fillRef idx="1">
-            <a:schemeClr val="accent1"/>
-          </a:fillRef>
-          <a:effectRef idx="1">
-            <a:schemeClr val="accent1"/>
-          </a:effectRef>
-          <a:fontRef idx="minor">
-            <a:schemeClr val="lt1"/>
-          </a:fontRef>
-        </p:style>
-        <p:txBody>
-          <a:bodyPr rtlCol="0" anchor="ctr"/>
-          <a:lstStyle/>
-          <a:p>
-            <a:pPr algn="ctr"/>
-            <a:endParaRPr lang="en-US"/>
-          </a:p>
-        </p:txBody>
-      </p:sp>
-      <p:sp>
-        <p:nvSpPr>
-          <p:cNvPr id="22" name="Folded Corner 21">
-            <a:extLst>
-              <a:ext uri="{FF2B5EF4-FFF2-40B4-BE49-F238E27FC236}">
-                <a16:creationId xmlns:a16="http://schemas.microsoft.com/office/drawing/2014/main" id="{63042DF6-CA34-D5D1-ED2B-26CB413B2F27}"/>
-              </a:ext>
-            </a:extLst>
-          </p:cNvPr>
-          <p:cNvSpPr/>
-          <p:nvPr/>
-        </p:nvSpPr>
-        <p:spPr>
-          <a:xfrm>
-            <a:off x="2994314" y="3470560"/>
-            <a:ext cx="609600" cy="609600"/>
-          </a:xfrm>
-          <a:prstGeom prst="foldedCorner">
-            <a:avLst/>
-          </a:prstGeom>
-        </p:spPr>
-        <p:style>
-          <a:lnRef idx="3">
-            <a:schemeClr val="lt1"/>
-          </a:lnRef>
-          <a:fillRef idx="1">
-            <a:schemeClr val="accent1"/>
-          </a:fillRef>
-          <a:effectRef idx="1">
-            <a:schemeClr val="accent1"/>
-          </a:effectRef>
-          <a:fontRef idx="minor">
-            <a:schemeClr val="lt1"/>
-          </a:fontRef>
-        </p:style>
-        <p:txBody>
-          <a:bodyPr rtlCol="0" anchor="ctr"/>
-          <a:lstStyle/>
-          <a:p>
-            <a:pPr algn="ctr"/>
-            <a:endParaRPr lang="en-US"/>
-          </a:p>
-        </p:txBody>
-      </p:sp>
-      <p:sp>
-        <p:nvSpPr>
-          <p:cNvPr id="23" name="Folded Corner 22">
-            <a:extLst>
-              <a:ext uri="{FF2B5EF4-FFF2-40B4-BE49-F238E27FC236}">
-                <a16:creationId xmlns:a16="http://schemas.microsoft.com/office/drawing/2014/main" id="{44217CC4-CCD0-4E90-703E-F9DF87FF4389}"/>
-              </a:ext>
-            </a:extLst>
-          </p:cNvPr>
-          <p:cNvSpPr/>
-          <p:nvPr/>
-        </p:nvSpPr>
-        <p:spPr>
-          <a:xfrm>
-            <a:off x="1117024" y="4405746"/>
-            <a:ext cx="609600" cy="609600"/>
-          </a:xfrm>
-          <a:prstGeom prst="foldedCorner">
-            <a:avLst/>
-          </a:prstGeom>
-        </p:spPr>
-        <p:style>
-          <a:lnRef idx="3">
-            <a:schemeClr val="lt1"/>
-          </a:lnRef>
-          <a:fillRef idx="1">
-            <a:schemeClr val="accent1"/>
-          </a:fillRef>
-          <a:effectRef idx="1">
-            <a:schemeClr val="accent1"/>
-          </a:effectRef>
-          <a:fontRef idx="minor">
-            <a:schemeClr val="lt1"/>
-          </a:fontRef>
-        </p:style>
-        <p:txBody>
-          <a:bodyPr rtlCol="0" anchor="ctr"/>
-          <a:lstStyle/>
-          <a:p>
-            <a:pPr algn="ctr"/>
-            <a:endParaRPr lang="en-US"/>
-          </a:p>
-        </p:txBody>
-      </p:sp>
-      <p:sp>
-        <p:nvSpPr>
-          <p:cNvPr id="24" name="Folded Corner 23">
-            <a:extLst>
-              <a:ext uri="{FF2B5EF4-FFF2-40B4-BE49-F238E27FC236}">
-                <a16:creationId xmlns:a16="http://schemas.microsoft.com/office/drawing/2014/main" id="{DF7A4E1F-3AF4-D5DB-BE9F-D8287DE55905}"/>
-              </a:ext>
-            </a:extLst>
-          </p:cNvPr>
-          <p:cNvSpPr/>
-          <p:nvPr/>
-        </p:nvSpPr>
-        <p:spPr>
-          <a:xfrm>
-            <a:off x="2055669" y="4405746"/>
-            <a:ext cx="609600" cy="609600"/>
-          </a:xfrm>
-          <a:prstGeom prst="foldedCorner">
-            <a:avLst/>
-          </a:prstGeom>
-        </p:spPr>
-        <p:style>
-          <a:lnRef idx="3">
-            <a:schemeClr val="lt1"/>
-          </a:lnRef>
-          <a:fillRef idx="1">
-            <a:schemeClr val="accent1"/>
-          </a:fillRef>
-          <a:effectRef idx="1">
-            <a:schemeClr val="accent1"/>
-          </a:effectRef>
-          <a:fontRef idx="minor">
-            <a:schemeClr val="lt1"/>
-          </a:fontRef>
-        </p:style>
-        <p:txBody>
-          <a:bodyPr rtlCol="0" anchor="ctr"/>
-          <a:lstStyle/>
-          <a:p>
-            <a:pPr algn="ctr"/>
-            <a:endParaRPr lang="en-US"/>
-          </a:p>
-        </p:txBody>
-      </p:sp>
-      <p:sp>
-        <p:nvSpPr>
-          <p:cNvPr id="25" name="Folded Corner 24">
-            <a:extLst>
-              <a:ext uri="{FF2B5EF4-FFF2-40B4-BE49-F238E27FC236}">
-                <a16:creationId xmlns:a16="http://schemas.microsoft.com/office/drawing/2014/main" id="{6CEB9FD0-ABD6-3DAA-767C-0CF57FEE53DD}"/>
-              </a:ext>
-            </a:extLst>
-          </p:cNvPr>
-          <p:cNvSpPr/>
-          <p:nvPr/>
-        </p:nvSpPr>
-        <p:spPr>
-          <a:xfrm>
-            <a:off x="2994314" y="4391891"/>
-            <a:ext cx="609600" cy="609600"/>
-          </a:xfrm>
-          <a:prstGeom prst="foldedCorner">
-            <a:avLst/>
-          </a:prstGeom>
-        </p:spPr>
-        <p:style>
-          <a:lnRef idx="3">
-            <a:schemeClr val="lt1"/>
-          </a:lnRef>
-          <a:fillRef idx="1">
-            <a:schemeClr val="accent1"/>
-          </a:fillRef>
-          <a:effectRef idx="1">
-            <a:schemeClr val="accent1"/>
-          </a:effectRef>
-          <a:fontRef idx="minor">
-            <a:schemeClr val="lt1"/>
-          </a:fontRef>
-        </p:style>
-        <p:txBody>
-          <a:bodyPr rtlCol="0" anchor="ctr"/>
-          <a:lstStyle/>
-          <a:p>
-            <a:pPr algn="ctr"/>
-            <a:endParaRPr lang="en-US"/>
-          </a:p>
-        </p:txBody>
-      </p:sp>
-      <p:sp>
-        <p:nvSpPr>
-          <p:cNvPr id="26" name="TextBox 25">
-            <a:extLst>
-              <a:ext uri="{FF2B5EF4-FFF2-40B4-BE49-F238E27FC236}">
-                <a16:creationId xmlns:a16="http://schemas.microsoft.com/office/drawing/2014/main" id="{A24BDBD7-B2AA-AAE1-4261-77940D944C5F}"/>
-              </a:ext>
-            </a:extLst>
-          </p:cNvPr>
-          <p:cNvSpPr txBox="1"/>
-          <p:nvPr/>
-        </p:nvSpPr>
-        <p:spPr>
-          <a:xfrm>
-            <a:off x="1810616" y="2000888"/>
-            <a:ext cx="1255567" cy="369332"/>
+        </p:nvPicPr>
+        <p:blipFill>
+          <a:blip r:embed="rId3"/>
+          <a:stretch>
+            <a:fillRect/>
+          </a:stretch>
+        </p:blipFill>
+        <p:spPr>
+          <a:xfrm>
+            <a:off x="4353791" y="2209800"/>
+            <a:ext cx="4507579" cy="3428999"/>
           </a:xfrm>
           <a:prstGeom prst="rect">
             <a:avLst/>
           </a:prstGeom>
-          <a:noFill/>
-        </p:spPr>
-        <p:txBody>
-          <a:bodyPr wrap="square" rtlCol="0">
-            <a:spAutoFit/>
-          </a:bodyPr>
-          <a:lstStyle/>
-          <a:p>
-            <a:r>
-              <a:rPr lang="en-US" dirty="0"/>
-              <a:t>Employee</a:t>
-            </a:r>
-          </a:p>
-        </p:txBody>
-      </p:sp>
-      <p:sp>
-        <p:nvSpPr>
-          <p:cNvPr id="27" name="TextBox 26">
-            <a:extLst>
-              <a:ext uri="{FF2B5EF4-FFF2-40B4-BE49-F238E27FC236}">
-                <a16:creationId xmlns:a16="http://schemas.microsoft.com/office/drawing/2014/main" id="{36B16230-329A-DD5A-50CC-63788115AAE8}"/>
-              </a:ext>
-            </a:extLst>
-          </p:cNvPr>
-          <p:cNvSpPr txBox="1"/>
-          <p:nvPr/>
-        </p:nvSpPr>
-        <p:spPr>
-          <a:xfrm>
-            <a:off x="6330661" y="1997424"/>
-            <a:ext cx="1365539" cy="369332"/>
-          </a:xfrm>
-          <a:prstGeom prst="rect">
-            <a:avLst/>
-          </a:prstGeom>
-          <a:noFill/>
-        </p:spPr>
-        <p:txBody>
-          <a:bodyPr wrap="square" rtlCol="0">
-            <a:spAutoFit/>
-          </a:bodyPr>
-          <a:lstStyle/>
-          <a:p>
-            <a:r>
-              <a:rPr lang="en-US" dirty="0"/>
-              <a:t>Department</a:t>
-            </a:r>
-          </a:p>
-        </p:txBody>
-      </p:sp>
-      <p:sp>
-        <p:nvSpPr>
-          <p:cNvPr id="28" name="TextBox 27">
-            <a:extLst>
-              <a:ext uri="{FF2B5EF4-FFF2-40B4-BE49-F238E27FC236}">
-                <a16:creationId xmlns:a16="http://schemas.microsoft.com/office/drawing/2014/main" id="{54F64386-DCBF-5FB0-740E-FCF56EAD9D55}"/>
-              </a:ext>
-            </a:extLst>
-          </p:cNvPr>
-          <p:cNvSpPr txBox="1"/>
-          <p:nvPr/>
-        </p:nvSpPr>
-        <p:spPr>
-          <a:xfrm>
-            <a:off x="1053814" y="4110244"/>
-            <a:ext cx="725632" cy="369332"/>
-          </a:xfrm>
-          <a:prstGeom prst="rect">
-            <a:avLst/>
-          </a:prstGeom>
-          <a:noFill/>
-        </p:spPr>
-        <p:txBody>
-          <a:bodyPr wrap="square" rtlCol="0">
-            <a:spAutoFit/>
-          </a:bodyPr>
-          <a:lstStyle/>
-          <a:p>
-            <a:r>
-              <a:rPr lang="en-US" dirty="0"/>
-              <a:t>John</a:t>
-            </a:r>
-          </a:p>
-        </p:txBody>
-      </p:sp>
-      <p:sp>
-        <p:nvSpPr>
-          <p:cNvPr id="29" name="TextBox 28">
-            <a:extLst>
-              <a:ext uri="{FF2B5EF4-FFF2-40B4-BE49-F238E27FC236}">
-                <a16:creationId xmlns:a16="http://schemas.microsoft.com/office/drawing/2014/main" id="{80BCA041-266C-7229-AA8F-7DEEF522B0E6}"/>
-              </a:ext>
-            </a:extLst>
-          </p:cNvPr>
-          <p:cNvSpPr txBox="1"/>
-          <p:nvPr/>
-        </p:nvSpPr>
-        <p:spPr>
-          <a:xfrm>
-            <a:off x="2024064" y="4107870"/>
-            <a:ext cx="725632" cy="369332"/>
-          </a:xfrm>
-          <a:prstGeom prst="rect">
-            <a:avLst/>
-          </a:prstGeom>
-          <a:noFill/>
-        </p:spPr>
-        <p:txBody>
-          <a:bodyPr wrap="square" rtlCol="0">
-            <a:spAutoFit/>
-          </a:bodyPr>
-          <a:lstStyle/>
-          <a:p>
-            <a:r>
-              <a:rPr lang="en-US" dirty="0"/>
-              <a:t>Ross</a:t>
-            </a:r>
-          </a:p>
-        </p:txBody>
-      </p:sp>
-      <p:sp>
-        <p:nvSpPr>
-          <p:cNvPr id="30" name="TextBox 29">
-            <a:extLst>
-              <a:ext uri="{FF2B5EF4-FFF2-40B4-BE49-F238E27FC236}">
-                <a16:creationId xmlns:a16="http://schemas.microsoft.com/office/drawing/2014/main" id="{1B8E1CC9-A378-95E9-22FE-4F4844A759CC}"/>
-              </a:ext>
-            </a:extLst>
-          </p:cNvPr>
-          <p:cNvSpPr txBox="1"/>
-          <p:nvPr/>
-        </p:nvSpPr>
-        <p:spPr>
-          <a:xfrm>
-            <a:off x="2948420" y="4107870"/>
-            <a:ext cx="725632" cy="369332"/>
-          </a:xfrm>
-          <a:prstGeom prst="rect">
-            <a:avLst/>
-          </a:prstGeom>
-          <a:noFill/>
-        </p:spPr>
-        <p:txBody>
-          <a:bodyPr wrap="square" rtlCol="0">
-            <a:spAutoFit/>
-          </a:bodyPr>
-          <a:lstStyle/>
-          <a:p>
-            <a:r>
-              <a:rPr lang="en-US" dirty="0"/>
-              <a:t>Emily</a:t>
-            </a:r>
-          </a:p>
-        </p:txBody>
-      </p:sp>
-      <p:sp>
-        <p:nvSpPr>
-          <p:cNvPr id="31" name="TextBox 30">
-            <a:extLst>
-              <a:ext uri="{FF2B5EF4-FFF2-40B4-BE49-F238E27FC236}">
-                <a16:creationId xmlns:a16="http://schemas.microsoft.com/office/drawing/2014/main" id="{799DD54E-AA09-AC83-1F87-362A776111FC}"/>
-              </a:ext>
-            </a:extLst>
-          </p:cNvPr>
-          <p:cNvSpPr txBox="1"/>
-          <p:nvPr/>
-        </p:nvSpPr>
-        <p:spPr>
-          <a:xfrm>
-            <a:off x="5784275" y="4110244"/>
-            <a:ext cx="464125" cy="369332"/>
-          </a:xfrm>
-          <a:prstGeom prst="rect">
-            <a:avLst/>
-          </a:prstGeom>
-          <a:noFill/>
-        </p:spPr>
-        <p:txBody>
-          <a:bodyPr wrap="square" rtlCol="0">
-            <a:spAutoFit/>
-          </a:bodyPr>
-          <a:lstStyle/>
-          <a:p>
-            <a:r>
-              <a:rPr lang="en-US" dirty="0"/>
-              <a:t>CS</a:t>
-            </a:r>
-          </a:p>
-        </p:txBody>
-      </p:sp>
-      <p:sp>
-        <p:nvSpPr>
-          <p:cNvPr id="32" name="TextBox 31">
-            <a:extLst>
-              <a:ext uri="{FF2B5EF4-FFF2-40B4-BE49-F238E27FC236}">
-                <a16:creationId xmlns:a16="http://schemas.microsoft.com/office/drawing/2014/main" id="{9D9DE45D-65BC-0B62-F816-F65FB0CF9A5F}"/>
-              </a:ext>
-            </a:extLst>
-          </p:cNvPr>
-          <p:cNvSpPr txBox="1"/>
-          <p:nvPr/>
-        </p:nvSpPr>
-        <p:spPr>
-          <a:xfrm>
-            <a:off x="6629400" y="4107870"/>
-            <a:ext cx="725632" cy="369332"/>
-          </a:xfrm>
-          <a:prstGeom prst="rect">
-            <a:avLst/>
-          </a:prstGeom>
-          <a:noFill/>
-        </p:spPr>
-        <p:txBody>
-          <a:bodyPr wrap="square" rtlCol="0">
-            <a:spAutoFit/>
-          </a:bodyPr>
-          <a:lstStyle/>
-          <a:p>
-            <a:r>
-              <a:rPr lang="en-US" dirty="0"/>
-              <a:t>OMIS</a:t>
-            </a:r>
-          </a:p>
-        </p:txBody>
-      </p:sp>
-      <p:sp>
-        <p:nvSpPr>
-          <p:cNvPr id="33" name="TextBox 32">
-            <a:extLst>
-              <a:ext uri="{FF2B5EF4-FFF2-40B4-BE49-F238E27FC236}">
-                <a16:creationId xmlns:a16="http://schemas.microsoft.com/office/drawing/2014/main" id="{79D88360-41B0-5CA3-8DB0-529AAF4C6DDB}"/>
-              </a:ext>
-            </a:extLst>
-          </p:cNvPr>
-          <p:cNvSpPr txBox="1"/>
-          <p:nvPr/>
-        </p:nvSpPr>
-        <p:spPr>
-          <a:xfrm>
-            <a:off x="7543800" y="4107870"/>
-            <a:ext cx="855519" cy="369332"/>
-          </a:xfrm>
-          <a:prstGeom prst="rect">
-            <a:avLst/>
-          </a:prstGeom>
-          <a:noFill/>
-        </p:spPr>
-        <p:txBody>
-          <a:bodyPr wrap="square" rtlCol="0">
-            <a:spAutoFit/>
-          </a:bodyPr>
-          <a:lstStyle/>
-          <a:p>
-            <a:r>
-              <a:rPr lang="en-US" dirty="0" err="1"/>
-              <a:t>Maths</a:t>
-            </a:r>
-            <a:endParaRPr lang="en-US" dirty="0"/>
-          </a:p>
-        </p:txBody>
-      </p:sp>
+        </p:spPr>
+      </p:pic>
     </p:spTree>
     <p:extLst>
       <p:ext uri="{BB962C8B-B14F-4D97-AF65-F5344CB8AC3E}">
-        <p14:creationId xmlns:p14="http://schemas.microsoft.com/office/powerpoint/2010/main" val="3295444664"/>
+        <p14:creationId xmlns:p14="http://schemas.microsoft.com/office/powerpoint/2010/main" val="1085324394"/>
       </p:ext>
     </p:extLst>
   </p:cSld>
   <p:clrMapOvr>
     <a:masterClrMapping/>
   </p:clrMapOvr>
+  <mc:AlternateContent xmlns:mc="http://schemas.openxmlformats.org/markup-compatibility/2006">
+    <mc:Choice xmlns:p14="http://schemas.microsoft.com/office/powerpoint/2010/main" Requires="p14">
+      <p:transition spd="slow" p14:dur="2000" advClick="0"/>
+    </mc:Choice>
+    <mc:Fallback>
+      <p:transition spd="slow" advClick="0"/>
+    </mc:Fallback>
+  </mc:AlternateContent>
 </p:sld>
 </file>
 
@@ -5946,7 +5052,7 @@
               <a:rPr lang="en-US" dirty="0">
                 <a:latin typeface="+mj-lt"/>
               </a:rPr>
-              <a:t>Sharding is a way to divide an index into smaller pieces, where each piece is referred as shard.</a:t>
+              <a:t>They are stored within indices.</a:t>
             </a:r>
           </a:p>
           <a:p>
@@ -5954,7 +5060,7 @@
               <a:rPr lang="en-US" dirty="0">
                 <a:latin typeface="+mj-lt"/>
               </a:rPr>
-              <a:t>Sharding is done at index level but not at cluster level.</a:t>
+              <a:t>Every document in ES is stored within an index.</a:t>
             </a:r>
           </a:p>
           <a:p>
@@ -5962,7 +5068,7 @@
               <a:rPr lang="en-US" dirty="0">
                 <a:latin typeface="+mj-lt"/>
               </a:rPr>
-              <a:t>Main purpose is to horizontally scale the data volume.</a:t>
+              <a:t>An index is therefore a collection of documents that have similar characteristics and are logically related.</a:t>
             </a:r>
           </a:p>
           <a:p>
@@ -5970,7 +5076,15 @@
               <a:rPr lang="en-US" dirty="0">
                 <a:latin typeface="+mj-lt"/>
               </a:rPr>
-              <a:t>A shard may store up to about 2 million documents. However there is no predefined size defined for a shard.</a:t>
+              <a:t>We will run search queries against these indices.</a:t>
+            </a:r>
+          </a:p>
+          <a:p>
+            <a:r>
+              <a:rPr lang="en-US" dirty="0">
+                <a:latin typeface="+mj-lt"/>
+              </a:rPr>
+              <a:t>We can query with elastic either by using CURL or any http clients like POSTMAN.</a:t>
             </a:r>
           </a:p>
         </p:txBody>
@@ -5994,7 +5108,7 @@
               <a:rPr lang="en-US" dirty="0">
                 <a:latin typeface="+mj-lt"/>
               </a:rPr>
-              <a:t>Sharding &amp; Scalability</a:t>
+              <a:t>How documents are stored?</a:t>
             </a:r>
           </a:p>
         </p:txBody>
@@ -6002,13 +5116,21 @@
     </p:spTree>
     <p:extLst>
       <p:ext uri="{BB962C8B-B14F-4D97-AF65-F5344CB8AC3E}">
-        <p14:creationId xmlns:p14="http://schemas.microsoft.com/office/powerpoint/2010/main" val="2625648436"/>
+        <p14:creationId xmlns:p14="http://schemas.microsoft.com/office/powerpoint/2010/main" val="3419940164"/>
       </p:ext>
     </p:extLst>
   </p:cSld>
   <p:clrMapOvr>
     <a:masterClrMapping/>
   </p:clrMapOvr>
+  <mc:AlternateContent xmlns:mc="http://schemas.openxmlformats.org/markup-compatibility/2006">
+    <mc:Choice xmlns:p14="http://schemas.microsoft.com/office/powerpoint/2010/main" Requires="p14">
+      <p:transition spd="slow" p14:dur="2000" advClick="0"/>
+    </mc:Choice>
+    <mc:Fallback>
+      <p:transition spd="slow" advClick="0"/>
+    </mc:Fallback>
+  </mc:AlternateContent>
 </p:sld>
 </file>
 
@@ -6048,17 +5170,17 @@
               <a:rPr lang="en-US" dirty="0">
                 <a:latin typeface="+mj-lt"/>
               </a:rPr>
-              <a:t>Sharding &amp; Scalability</a:t>
-            </a:r>
-          </a:p>
-        </p:txBody>
-      </p:sp>
-      <p:sp>
-        <p:nvSpPr>
-          <p:cNvPr id="5" name="Oval 4">
+              <a:t>How documents are stored?</a:t>
+            </a:r>
+          </a:p>
+        </p:txBody>
+      </p:sp>
+      <p:sp>
+        <p:nvSpPr>
+          <p:cNvPr id="4" name="Oval 3">
             <a:extLst>
               <a:ext uri="{FF2B5EF4-FFF2-40B4-BE49-F238E27FC236}">
-                <a16:creationId xmlns:a16="http://schemas.microsoft.com/office/drawing/2014/main" id="{B49A95BC-B040-77E4-52F8-132A1C37BB1F}"/>
+                <a16:creationId xmlns:a16="http://schemas.microsoft.com/office/drawing/2014/main" id="{F6BDDF9D-FA1B-475F-9D13-39C76D767D4D}"/>
               </a:ext>
             </a:extLst>
           </p:cNvPr>
@@ -6067,12 +5189,13 @@
         </p:nvSpPr>
         <p:spPr>
           <a:xfrm>
-            <a:off x="2493818" y="1981200"/>
-            <a:ext cx="1295400" cy="1316182"/>
+            <a:off x="4977245" y="1905000"/>
+            <a:ext cx="3962400" cy="3581400"/>
           </a:xfrm>
           <a:prstGeom prst="ellipse">
             <a:avLst/>
           </a:prstGeom>
+          <a:noFill/>
         </p:spPr>
         <p:style>
           <a:lnRef idx="2">
@@ -6095,26 +5218,16 @@
           <a:lstStyle/>
           <a:p>
             <a:pPr algn="ctr"/>
-            <a:r>
-              <a:rPr lang="en-US" dirty="0"/>
-              <a:t>Node B</a:t>
-            </a:r>
-          </a:p>
-          <a:p>
-            <a:pPr algn="ctr"/>
-            <a:r>
-              <a:rPr lang="en-US" dirty="0"/>
-              <a:t>200 GB</a:t>
-            </a:r>
-          </a:p>
-        </p:txBody>
-      </p:sp>
-      <p:sp>
-        <p:nvSpPr>
-          <p:cNvPr id="8" name="Oval 7">
+            <a:endParaRPr lang="en-US"/>
+          </a:p>
+        </p:txBody>
+      </p:sp>
+      <p:sp>
+        <p:nvSpPr>
+          <p:cNvPr id="5" name="Oval 4">
             <a:extLst>
               <a:ext uri="{FF2B5EF4-FFF2-40B4-BE49-F238E27FC236}">
-                <a16:creationId xmlns:a16="http://schemas.microsoft.com/office/drawing/2014/main" id="{D8FD8ADB-FA19-B8B0-14E2-AA4C25E800FD}"/>
+                <a16:creationId xmlns:a16="http://schemas.microsoft.com/office/drawing/2014/main" id="{5EEE588E-1C4C-1BC1-2FC3-E2AF1A2C38C9}"/>
               </a:ext>
             </a:extLst>
           </p:cNvPr>
@@ -6123,12 +5236,13 @@
         </p:nvSpPr>
         <p:spPr>
           <a:xfrm>
-            <a:off x="477982" y="1981200"/>
-            <a:ext cx="1295400" cy="1316182"/>
+            <a:off x="379269" y="1984660"/>
+            <a:ext cx="3962400" cy="3581400"/>
           </a:xfrm>
           <a:prstGeom prst="ellipse">
             <a:avLst/>
           </a:prstGeom>
+          <a:noFill/>
         </p:spPr>
         <p:style>
           <a:lnRef idx="2">
@@ -6151,26 +5265,16 @@
           <a:lstStyle/>
           <a:p>
             <a:pPr algn="ctr"/>
-            <a:r>
-              <a:rPr lang="en-US" dirty="0"/>
-              <a:t>Node B</a:t>
-            </a:r>
-          </a:p>
-          <a:p>
-            <a:pPr algn="ctr"/>
-            <a:r>
-              <a:rPr lang="en-US" dirty="0"/>
-              <a:t>200 GB</a:t>
-            </a:r>
-          </a:p>
-        </p:txBody>
-      </p:sp>
-      <p:sp>
-        <p:nvSpPr>
-          <p:cNvPr id="9" name="Oval 8">
+            <a:endParaRPr lang="en-US"/>
+          </a:p>
+        </p:txBody>
+      </p:sp>
+      <p:sp>
+        <p:nvSpPr>
+          <p:cNvPr id="8" name="Folded Corner 7">
             <a:extLst>
               <a:ext uri="{FF2B5EF4-FFF2-40B4-BE49-F238E27FC236}">
-                <a16:creationId xmlns:a16="http://schemas.microsoft.com/office/drawing/2014/main" id="{44606912-C6EF-3DD0-1A99-F06CB3B85100}"/>
+                <a16:creationId xmlns:a16="http://schemas.microsoft.com/office/drawing/2014/main" id="{4828C907-6DE4-16D9-920E-2CC724FF684C}"/>
               </a:ext>
             </a:extLst>
           </p:cNvPr>
@@ -6179,23 +5283,21 @@
         </p:nvSpPr>
         <p:spPr>
           <a:xfrm>
-            <a:off x="7353300" y="1981200"/>
-            <a:ext cx="1295400" cy="1316182"/>
-          </a:xfrm>
-          <a:prstGeom prst="ellipse">
+            <a:off x="5725391" y="2563090"/>
+            <a:ext cx="609600" cy="609600"/>
+          </a:xfrm>
+          <a:prstGeom prst="foldedCorner">
             <a:avLst/>
           </a:prstGeom>
         </p:spPr>
         <p:style>
-          <a:lnRef idx="2">
-            <a:schemeClr val="accent1">
-              <a:shade val="50000"/>
-            </a:schemeClr>
+          <a:lnRef idx="3">
+            <a:schemeClr val="lt1"/>
           </a:lnRef>
           <a:fillRef idx="1">
             <a:schemeClr val="accent1"/>
           </a:fillRef>
-          <a:effectRef idx="0">
+          <a:effectRef idx="1">
             <a:schemeClr val="accent1"/>
           </a:effectRef>
           <a:fontRef idx="minor">
@@ -6207,37 +5309,16 @@
           <a:lstStyle/>
           <a:p>
             <a:pPr algn="ctr"/>
-            <a:r>
-              <a:rPr lang="en-US" dirty="0"/>
-              <a:t>Node B</a:t>
-            </a:r>
-          </a:p>
-          <a:p>
-            <a:pPr algn="ctr"/>
-            <a:r>
-              <a:rPr lang="en-US" dirty="0"/>
-              <a:t>200 GB</a:t>
-            </a:r>
-          </a:p>
-          <a:p>
-            <a:pPr algn="ctr"/>
-            <a:r>
-              <a:rPr lang="en-US" dirty="0">
-                <a:highlight>
-                  <a:srgbClr val="000000"/>
-                </a:highlight>
-              </a:rPr>
-              <a:t>Shard B</a:t>
-            </a:r>
-          </a:p>
-        </p:txBody>
-      </p:sp>
-      <p:sp>
-        <p:nvSpPr>
-          <p:cNvPr id="10" name="Oval 9">
+            <a:endParaRPr lang="en-US"/>
+          </a:p>
+        </p:txBody>
+      </p:sp>
+      <p:sp>
+        <p:nvSpPr>
+          <p:cNvPr id="9" name="Folded Corner 8">
             <a:extLst>
               <a:ext uri="{FF2B5EF4-FFF2-40B4-BE49-F238E27FC236}">
-                <a16:creationId xmlns:a16="http://schemas.microsoft.com/office/drawing/2014/main" id="{891DBEA9-4182-0C70-29AD-40E47F9B6327}"/>
+                <a16:creationId xmlns:a16="http://schemas.microsoft.com/office/drawing/2014/main" id="{C975B93F-EE77-9340-E80E-C3374B643ACD}"/>
               </a:ext>
             </a:extLst>
           </p:cNvPr>
@@ -6246,23 +5327,21 @@
         </p:nvSpPr>
         <p:spPr>
           <a:xfrm>
-            <a:off x="5337464" y="1981200"/>
-            <a:ext cx="1295400" cy="1316182"/>
-          </a:xfrm>
-          <a:prstGeom prst="ellipse">
+            <a:off x="6664036" y="2563090"/>
+            <a:ext cx="609600" cy="609600"/>
+          </a:xfrm>
+          <a:prstGeom prst="foldedCorner">
             <a:avLst/>
           </a:prstGeom>
         </p:spPr>
         <p:style>
-          <a:lnRef idx="2">
-            <a:schemeClr val="accent1">
-              <a:shade val="50000"/>
-            </a:schemeClr>
+          <a:lnRef idx="3">
+            <a:schemeClr val="lt1"/>
           </a:lnRef>
           <a:fillRef idx="1">
             <a:schemeClr val="accent1"/>
           </a:fillRef>
-          <a:effectRef idx="0">
+          <a:effectRef idx="1">
             <a:schemeClr val="accent1"/>
           </a:effectRef>
           <a:fontRef idx="minor">
@@ -6274,40 +5353,16 @@
           <a:lstStyle/>
           <a:p>
             <a:pPr algn="ctr"/>
-            <a:r>
-              <a:rPr lang="en-US" dirty="0"/>
-              <a:t>Node B</a:t>
-            </a:r>
-          </a:p>
-          <a:p>
-            <a:pPr algn="ctr"/>
-            <a:r>
-              <a:rPr lang="en-US" dirty="0"/>
-              <a:t>200 GB</a:t>
-            </a:r>
-          </a:p>
-          <a:p>
-            <a:pPr algn="ctr"/>
-            <a:r>
-              <a:rPr lang="en-US" dirty="0">
-                <a:solidFill>
-                  <a:schemeClr val="bg1"/>
-                </a:solidFill>
-                <a:highlight>
-                  <a:srgbClr val="000000"/>
-                </a:highlight>
-              </a:rPr>
-              <a:t>Shard A</a:t>
-            </a:r>
-          </a:p>
-        </p:txBody>
-      </p:sp>
-      <p:sp>
-        <p:nvSpPr>
-          <p:cNvPr id="11" name="Rounded Rectangle 10">
+            <a:endParaRPr lang="en-US"/>
+          </a:p>
+        </p:txBody>
+      </p:sp>
+      <p:sp>
+        <p:nvSpPr>
+          <p:cNvPr id="10" name="Folded Corner 9">
             <a:extLst>
               <a:ext uri="{FF2B5EF4-FFF2-40B4-BE49-F238E27FC236}">
-                <a16:creationId xmlns:a16="http://schemas.microsoft.com/office/drawing/2014/main" id="{749D323A-0E86-1E40-4CA7-50CA86CAE437}"/>
+                <a16:creationId xmlns:a16="http://schemas.microsoft.com/office/drawing/2014/main" id="{54C54B52-37BD-B96B-6C58-CC591F886DF4}"/>
               </a:ext>
             </a:extLst>
           </p:cNvPr>
@@ -6316,23 +5371,21 @@
         </p:nvSpPr>
         <p:spPr>
           <a:xfrm>
-            <a:off x="1371601" y="3810000"/>
-            <a:ext cx="1447800" cy="1066800"/>
-          </a:xfrm>
-          <a:prstGeom prst="roundRect">
+            <a:off x="7602681" y="2549235"/>
+            <a:ext cx="609600" cy="609600"/>
+          </a:xfrm>
+          <a:prstGeom prst="foldedCorner">
             <a:avLst/>
           </a:prstGeom>
         </p:spPr>
         <p:style>
-          <a:lnRef idx="2">
-            <a:schemeClr val="accent1">
-              <a:shade val="50000"/>
-            </a:schemeClr>
+          <a:lnRef idx="3">
+            <a:schemeClr val="lt1"/>
           </a:lnRef>
           <a:fillRef idx="1">
             <a:schemeClr val="accent1"/>
           </a:fillRef>
-          <a:effectRef idx="0">
+          <a:effectRef idx="1">
             <a:schemeClr val="accent1"/>
           </a:effectRef>
           <a:fontRef idx="minor">
@@ -6344,26 +5397,16 @@
           <a:lstStyle/>
           <a:p>
             <a:pPr algn="ctr"/>
-            <a:r>
-              <a:rPr lang="en-US" dirty="0"/>
-              <a:t>Index</a:t>
-            </a:r>
-          </a:p>
-          <a:p>
-            <a:pPr algn="ctr"/>
-            <a:r>
-              <a:rPr lang="en-US" dirty="0"/>
-              <a:t>300 GB</a:t>
-            </a:r>
-          </a:p>
-        </p:txBody>
-      </p:sp>
-      <p:sp>
-        <p:nvSpPr>
-          <p:cNvPr id="12" name="Rounded Rectangle 11">
+            <a:endParaRPr lang="en-US"/>
+          </a:p>
+        </p:txBody>
+      </p:sp>
+      <p:sp>
+        <p:nvSpPr>
+          <p:cNvPr id="11" name="Folded Corner 10">
             <a:extLst>
               <a:ext uri="{FF2B5EF4-FFF2-40B4-BE49-F238E27FC236}">
-                <a16:creationId xmlns:a16="http://schemas.microsoft.com/office/drawing/2014/main" id="{4B261024-DB07-1A53-24C7-AF971CFB2851}"/>
+                <a16:creationId xmlns:a16="http://schemas.microsoft.com/office/drawing/2014/main" id="{3440B871-D51C-7F59-B7DE-87A52B214E13}"/>
               </a:ext>
             </a:extLst>
           </p:cNvPr>
@@ -6372,23 +5415,21 @@
         </p:nvSpPr>
         <p:spPr>
           <a:xfrm>
-            <a:off x="6438899" y="3810000"/>
-            <a:ext cx="1447800" cy="1066800"/>
-          </a:xfrm>
-          <a:prstGeom prst="roundRect">
+            <a:off x="5725391" y="3498270"/>
+            <a:ext cx="609600" cy="609600"/>
+          </a:xfrm>
+          <a:prstGeom prst="foldedCorner">
             <a:avLst/>
           </a:prstGeom>
         </p:spPr>
         <p:style>
-          <a:lnRef idx="2">
-            <a:schemeClr val="accent1">
-              <a:shade val="50000"/>
-            </a:schemeClr>
+          <a:lnRef idx="3">
+            <a:schemeClr val="lt1"/>
           </a:lnRef>
           <a:fillRef idx="1">
             <a:schemeClr val="accent1"/>
           </a:fillRef>
-          <a:effectRef idx="0">
+          <a:effectRef idx="1">
             <a:schemeClr val="accent1"/>
           </a:effectRef>
           <a:fontRef idx="minor">
@@ -6400,67 +5441,632 @@
           <a:lstStyle/>
           <a:p>
             <a:pPr algn="ctr"/>
-            <a:r>
-              <a:rPr lang="en-US" dirty="0"/>
-              <a:t>Index</a:t>
-            </a:r>
-          </a:p>
-          <a:p>
-            <a:pPr algn="ctr"/>
-            <a:r>
-              <a:rPr lang="en-US" dirty="0"/>
-              <a:t>300 GB</a:t>
-            </a:r>
-          </a:p>
-        </p:txBody>
-      </p:sp>
-      <p:cxnSp>
-        <p:nvCxnSpPr>
-          <p:cNvPr id="14" name="Straight Arrow Connector 13">
+            <a:endParaRPr lang="en-US"/>
+          </a:p>
+        </p:txBody>
+      </p:sp>
+      <p:sp>
+        <p:nvSpPr>
+          <p:cNvPr id="12" name="Folded Corner 11">
             <a:extLst>
               <a:ext uri="{FF2B5EF4-FFF2-40B4-BE49-F238E27FC236}">
-                <a16:creationId xmlns:a16="http://schemas.microsoft.com/office/drawing/2014/main" id="{7873566E-C1E4-EE97-C824-E8C14ABB8041}"/>
+                <a16:creationId xmlns:a16="http://schemas.microsoft.com/office/drawing/2014/main" id="{C55CB8F1-29C5-C6F6-5672-143926718B65}"/>
               </a:ext>
             </a:extLst>
           </p:cNvPr>
-          <p:cNvCxnSpPr>
-            <a:cxnSpLocks/>
-          </p:cNvCxnSpPr>
+          <p:cNvSpPr/>
           <p:nvPr/>
-        </p:nvCxnSpPr>
-        <p:spPr>
-          <a:xfrm>
-            <a:off x="4038600" y="3810000"/>
-            <a:ext cx="1298864" cy="0"/>
-          </a:xfrm>
-          <a:prstGeom prst="straightConnector1">
+        </p:nvSpPr>
+        <p:spPr>
+          <a:xfrm>
+            <a:off x="6664036" y="3498270"/>
+            <a:ext cx="609600" cy="609600"/>
+          </a:xfrm>
+          <a:prstGeom prst="foldedCorner">
             <a:avLst/>
           </a:prstGeom>
-          <a:ln w="31750">
-            <a:tailEnd type="triangle"/>
-          </a:ln>
         </p:spPr>
         <p:style>
-          <a:lnRef idx="1">
-            <a:schemeClr val="accent2"/>
+          <a:lnRef idx="3">
+            <a:schemeClr val="lt1"/>
           </a:lnRef>
-          <a:fillRef idx="0">
-            <a:schemeClr val="accent2"/>
+          <a:fillRef idx="1">
+            <a:schemeClr val="accent1"/>
           </a:fillRef>
-          <a:effectRef idx="0">
-            <a:schemeClr val="accent2"/>
+          <a:effectRef idx="1">
+            <a:schemeClr val="accent1"/>
           </a:effectRef>
           <a:fontRef idx="minor">
-            <a:schemeClr val="tx1"/>
+            <a:schemeClr val="lt1"/>
           </a:fontRef>
         </p:style>
-      </p:cxnSp>
-      <p:sp>
-        <p:nvSpPr>
-          <p:cNvPr id="16" name="TextBox 15">
+        <p:txBody>
+          <a:bodyPr rtlCol="0" anchor="ctr"/>
+          <a:lstStyle/>
+          <a:p>
+            <a:pPr algn="ctr"/>
+            <a:endParaRPr lang="en-US"/>
+          </a:p>
+        </p:txBody>
+      </p:sp>
+      <p:sp>
+        <p:nvSpPr>
+          <p:cNvPr id="13" name="Folded Corner 12">
             <a:extLst>
               <a:ext uri="{FF2B5EF4-FFF2-40B4-BE49-F238E27FC236}">
-                <a16:creationId xmlns:a16="http://schemas.microsoft.com/office/drawing/2014/main" id="{B4B3E3CB-14D8-BE14-FE99-44290F852039}"/>
+                <a16:creationId xmlns:a16="http://schemas.microsoft.com/office/drawing/2014/main" id="{401BC9E7-6A93-12C1-68D5-D9D283F01731}"/>
+              </a:ext>
+            </a:extLst>
+          </p:cNvPr>
+          <p:cNvSpPr/>
+          <p:nvPr/>
+        </p:nvSpPr>
+        <p:spPr>
+          <a:xfrm>
+            <a:off x="7602681" y="3484415"/>
+            <a:ext cx="609600" cy="609600"/>
+          </a:xfrm>
+          <a:prstGeom prst="foldedCorner">
+            <a:avLst/>
+          </a:prstGeom>
+        </p:spPr>
+        <p:style>
+          <a:lnRef idx="3">
+            <a:schemeClr val="lt1"/>
+          </a:lnRef>
+          <a:fillRef idx="1">
+            <a:schemeClr val="accent1"/>
+          </a:fillRef>
+          <a:effectRef idx="1">
+            <a:schemeClr val="accent1"/>
+          </a:effectRef>
+          <a:fontRef idx="minor">
+            <a:schemeClr val="lt1"/>
+          </a:fontRef>
+        </p:style>
+        <p:txBody>
+          <a:bodyPr rtlCol="0" anchor="ctr"/>
+          <a:lstStyle/>
+          <a:p>
+            <a:pPr algn="ctr"/>
+            <a:endParaRPr lang="en-US"/>
+          </a:p>
+        </p:txBody>
+      </p:sp>
+      <p:sp>
+        <p:nvSpPr>
+          <p:cNvPr id="14" name="Folded Corner 13">
+            <a:extLst>
+              <a:ext uri="{FF2B5EF4-FFF2-40B4-BE49-F238E27FC236}">
+                <a16:creationId xmlns:a16="http://schemas.microsoft.com/office/drawing/2014/main" id="{812B3B3C-BBEC-609C-AA3C-BF317DD72775}"/>
+              </a:ext>
+            </a:extLst>
+          </p:cNvPr>
+          <p:cNvSpPr/>
+          <p:nvPr/>
+        </p:nvSpPr>
+        <p:spPr>
+          <a:xfrm>
+            <a:off x="5725391" y="4419601"/>
+            <a:ext cx="609600" cy="609600"/>
+          </a:xfrm>
+          <a:prstGeom prst="foldedCorner">
+            <a:avLst/>
+          </a:prstGeom>
+        </p:spPr>
+        <p:style>
+          <a:lnRef idx="3">
+            <a:schemeClr val="lt1"/>
+          </a:lnRef>
+          <a:fillRef idx="1">
+            <a:schemeClr val="accent1"/>
+          </a:fillRef>
+          <a:effectRef idx="1">
+            <a:schemeClr val="accent1"/>
+          </a:effectRef>
+          <a:fontRef idx="minor">
+            <a:schemeClr val="lt1"/>
+          </a:fontRef>
+        </p:style>
+        <p:txBody>
+          <a:bodyPr rtlCol="0" anchor="ctr"/>
+          <a:lstStyle/>
+          <a:p>
+            <a:pPr algn="ctr"/>
+            <a:endParaRPr lang="en-US"/>
+          </a:p>
+        </p:txBody>
+      </p:sp>
+      <p:sp>
+        <p:nvSpPr>
+          <p:cNvPr id="15" name="Folded Corner 14">
+            <a:extLst>
+              <a:ext uri="{FF2B5EF4-FFF2-40B4-BE49-F238E27FC236}">
+                <a16:creationId xmlns:a16="http://schemas.microsoft.com/office/drawing/2014/main" id="{2B01E7D3-5EF5-14AF-810F-6118BA480BF5}"/>
+              </a:ext>
+            </a:extLst>
+          </p:cNvPr>
+          <p:cNvSpPr/>
+          <p:nvPr/>
+        </p:nvSpPr>
+        <p:spPr>
+          <a:xfrm>
+            <a:off x="6664036" y="4419601"/>
+            <a:ext cx="609600" cy="609600"/>
+          </a:xfrm>
+          <a:prstGeom prst="foldedCorner">
+            <a:avLst/>
+          </a:prstGeom>
+        </p:spPr>
+        <p:style>
+          <a:lnRef idx="3">
+            <a:schemeClr val="lt1"/>
+          </a:lnRef>
+          <a:fillRef idx="1">
+            <a:schemeClr val="accent1"/>
+          </a:fillRef>
+          <a:effectRef idx="1">
+            <a:schemeClr val="accent1"/>
+          </a:effectRef>
+          <a:fontRef idx="minor">
+            <a:schemeClr val="lt1"/>
+          </a:fontRef>
+        </p:style>
+        <p:txBody>
+          <a:bodyPr rtlCol="0" anchor="ctr"/>
+          <a:lstStyle/>
+          <a:p>
+            <a:pPr algn="ctr"/>
+            <a:endParaRPr lang="en-US"/>
+          </a:p>
+        </p:txBody>
+      </p:sp>
+      <p:sp>
+        <p:nvSpPr>
+          <p:cNvPr id="16" name="Folded Corner 15">
+            <a:extLst>
+              <a:ext uri="{FF2B5EF4-FFF2-40B4-BE49-F238E27FC236}">
+                <a16:creationId xmlns:a16="http://schemas.microsoft.com/office/drawing/2014/main" id="{1EB13A52-27C5-232D-FC90-86F025DBF509}"/>
+              </a:ext>
+            </a:extLst>
+          </p:cNvPr>
+          <p:cNvSpPr/>
+          <p:nvPr/>
+        </p:nvSpPr>
+        <p:spPr>
+          <a:xfrm>
+            <a:off x="7602681" y="4405746"/>
+            <a:ext cx="609600" cy="609600"/>
+          </a:xfrm>
+          <a:prstGeom prst="foldedCorner">
+            <a:avLst/>
+          </a:prstGeom>
+        </p:spPr>
+        <p:style>
+          <a:lnRef idx="3">
+            <a:schemeClr val="lt1"/>
+          </a:lnRef>
+          <a:fillRef idx="1">
+            <a:schemeClr val="accent1"/>
+          </a:fillRef>
+          <a:effectRef idx="1">
+            <a:schemeClr val="accent1"/>
+          </a:effectRef>
+          <a:fontRef idx="minor">
+            <a:schemeClr val="lt1"/>
+          </a:fontRef>
+        </p:style>
+        <p:txBody>
+          <a:bodyPr rtlCol="0" anchor="ctr"/>
+          <a:lstStyle/>
+          <a:p>
+            <a:pPr algn="ctr"/>
+            <a:endParaRPr lang="en-US"/>
+          </a:p>
+        </p:txBody>
+      </p:sp>
+      <p:sp>
+        <p:nvSpPr>
+          <p:cNvPr id="17" name="Folded Corner 16">
+            <a:extLst>
+              <a:ext uri="{FF2B5EF4-FFF2-40B4-BE49-F238E27FC236}">
+                <a16:creationId xmlns:a16="http://schemas.microsoft.com/office/drawing/2014/main" id="{7EF23D4E-878B-E24C-1167-2040E673228B}"/>
+              </a:ext>
+            </a:extLst>
+          </p:cNvPr>
+          <p:cNvSpPr/>
+          <p:nvPr/>
+        </p:nvSpPr>
+        <p:spPr>
+          <a:xfrm>
+            <a:off x="1117024" y="2549235"/>
+            <a:ext cx="609600" cy="609600"/>
+          </a:xfrm>
+          <a:prstGeom prst="foldedCorner">
+            <a:avLst/>
+          </a:prstGeom>
+        </p:spPr>
+        <p:style>
+          <a:lnRef idx="3">
+            <a:schemeClr val="lt1"/>
+          </a:lnRef>
+          <a:fillRef idx="1">
+            <a:schemeClr val="accent1"/>
+          </a:fillRef>
+          <a:effectRef idx="1">
+            <a:schemeClr val="accent1"/>
+          </a:effectRef>
+          <a:fontRef idx="minor">
+            <a:schemeClr val="lt1"/>
+          </a:fontRef>
+        </p:style>
+        <p:txBody>
+          <a:bodyPr rtlCol="0" anchor="ctr"/>
+          <a:lstStyle/>
+          <a:p>
+            <a:pPr algn="ctr"/>
+            <a:endParaRPr lang="en-US"/>
+          </a:p>
+        </p:txBody>
+      </p:sp>
+      <p:sp>
+        <p:nvSpPr>
+          <p:cNvPr id="18" name="Folded Corner 17">
+            <a:extLst>
+              <a:ext uri="{FF2B5EF4-FFF2-40B4-BE49-F238E27FC236}">
+                <a16:creationId xmlns:a16="http://schemas.microsoft.com/office/drawing/2014/main" id="{8D491758-1A09-E4E5-757A-3444300851DA}"/>
+              </a:ext>
+            </a:extLst>
+          </p:cNvPr>
+          <p:cNvSpPr/>
+          <p:nvPr/>
+        </p:nvSpPr>
+        <p:spPr>
+          <a:xfrm>
+            <a:off x="2055669" y="2549235"/>
+            <a:ext cx="609600" cy="609600"/>
+          </a:xfrm>
+          <a:prstGeom prst="foldedCorner">
+            <a:avLst/>
+          </a:prstGeom>
+        </p:spPr>
+        <p:style>
+          <a:lnRef idx="3">
+            <a:schemeClr val="lt1"/>
+          </a:lnRef>
+          <a:fillRef idx="1">
+            <a:schemeClr val="accent1"/>
+          </a:fillRef>
+          <a:effectRef idx="1">
+            <a:schemeClr val="accent1"/>
+          </a:effectRef>
+          <a:fontRef idx="minor">
+            <a:schemeClr val="lt1"/>
+          </a:fontRef>
+        </p:style>
+        <p:txBody>
+          <a:bodyPr rtlCol="0" anchor="ctr"/>
+          <a:lstStyle/>
+          <a:p>
+            <a:pPr algn="ctr"/>
+            <a:endParaRPr lang="en-US"/>
+          </a:p>
+        </p:txBody>
+      </p:sp>
+      <p:sp>
+        <p:nvSpPr>
+          <p:cNvPr id="19" name="Folded Corner 18">
+            <a:extLst>
+              <a:ext uri="{FF2B5EF4-FFF2-40B4-BE49-F238E27FC236}">
+                <a16:creationId xmlns:a16="http://schemas.microsoft.com/office/drawing/2014/main" id="{F27ECD02-0AAA-8557-D9A0-3EB5B3C5DE46}"/>
+              </a:ext>
+            </a:extLst>
+          </p:cNvPr>
+          <p:cNvSpPr/>
+          <p:nvPr/>
+        </p:nvSpPr>
+        <p:spPr>
+          <a:xfrm>
+            <a:off x="2994314" y="2535380"/>
+            <a:ext cx="609600" cy="609600"/>
+          </a:xfrm>
+          <a:prstGeom prst="foldedCorner">
+            <a:avLst/>
+          </a:prstGeom>
+        </p:spPr>
+        <p:style>
+          <a:lnRef idx="3">
+            <a:schemeClr val="lt1"/>
+          </a:lnRef>
+          <a:fillRef idx="1">
+            <a:schemeClr val="accent1"/>
+          </a:fillRef>
+          <a:effectRef idx="1">
+            <a:schemeClr val="accent1"/>
+          </a:effectRef>
+          <a:fontRef idx="minor">
+            <a:schemeClr val="lt1"/>
+          </a:fontRef>
+        </p:style>
+        <p:txBody>
+          <a:bodyPr rtlCol="0" anchor="ctr"/>
+          <a:lstStyle/>
+          <a:p>
+            <a:pPr algn="ctr"/>
+            <a:endParaRPr lang="en-US"/>
+          </a:p>
+        </p:txBody>
+      </p:sp>
+      <p:sp>
+        <p:nvSpPr>
+          <p:cNvPr id="20" name="Folded Corner 19">
+            <a:extLst>
+              <a:ext uri="{FF2B5EF4-FFF2-40B4-BE49-F238E27FC236}">
+                <a16:creationId xmlns:a16="http://schemas.microsoft.com/office/drawing/2014/main" id="{3942888A-F1B9-D8EE-0FAE-491E323DD8A6}"/>
+              </a:ext>
+            </a:extLst>
+          </p:cNvPr>
+          <p:cNvSpPr/>
+          <p:nvPr/>
+        </p:nvSpPr>
+        <p:spPr>
+          <a:xfrm>
+            <a:off x="1117024" y="3484415"/>
+            <a:ext cx="609600" cy="609600"/>
+          </a:xfrm>
+          <a:prstGeom prst="foldedCorner">
+            <a:avLst/>
+          </a:prstGeom>
+        </p:spPr>
+        <p:style>
+          <a:lnRef idx="3">
+            <a:schemeClr val="lt1"/>
+          </a:lnRef>
+          <a:fillRef idx="1">
+            <a:schemeClr val="accent1"/>
+          </a:fillRef>
+          <a:effectRef idx="1">
+            <a:schemeClr val="accent1"/>
+          </a:effectRef>
+          <a:fontRef idx="minor">
+            <a:schemeClr val="lt1"/>
+          </a:fontRef>
+        </p:style>
+        <p:txBody>
+          <a:bodyPr rtlCol="0" anchor="ctr"/>
+          <a:lstStyle/>
+          <a:p>
+            <a:pPr algn="ctr"/>
+            <a:endParaRPr lang="en-US"/>
+          </a:p>
+        </p:txBody>
+      </p:sp>
+      <p:sp>
+        <p:nvSpPr>
+          <p:cNvPr id="21" name="Folded Corner 20">
+            <a:extLst>
+              <a:ext uri="{FF2B5EF4-FFF2-40B4-BE49-F238E27FC236}">
+                <a16:creationId xmlns:a16="http://schemas.microsoft.com/office/drawing/2014/main" id="{BF206793-DDB7-B349-A8FD-262079F4B577}"/>
+              </a:ext>
+            </a:extLst>
+          </p:cNvPr>
+          <p:cNvSpPr/>
+          <p:nvPr/>
+        </p:nvSpPr>
+        <p:spPr>
+          <a:xfrm>
+            <a:off x="2055669" y="3484415"/>
+            <a:ext cx="609600" cy="609600"/>
+          </a:xfrm>
+          <a:prstGeom prst="foldedCorner">
+            <a:avLst/>
+          </a:prstGeom>
+        </p:spPr>
+        <p:style>
+          <a:lnRef idx="3">
+            <a:schemeClr val="lt1"/>
+          </a:lnRef>
+          <a:fillRef idx="1">
+            <a:schemeClr val="accent1"/>
+          </a:fillRef>
+          <a:effectRef idx="1">
+            <a:schemeClr val="accent1"/>
+          </a:effectRef>
+          <a:fontRef idx="minor">
+            <a:schemeClr val="lt1"/>
+          </a:fontRef>
+        </p:style>
+        <p:txBody>
+          <a:bodyPr rtlCol="0" anchor="ctr"/>
+          <a:lstStyle/>
+          <a:p>
+            <a:pPr algn="ctr"/>
+            <a:endParaRPr lang="en-US"/>
+          </a:p>
+        </p:txBody>
+      </p:sp>
+      <p:sp>
+        <p:nvSpPr>
+          <p:cNvPr id="22" name="Folded Corner 21">
+            <a:extLst>
+              <a:ext uri="{FF2B5EF4-FFF2-40B4-BE49-F238E27FC236}">
+                <a16:creationId xmlns:a16="http://schemas.microsoft.com/office/drawing/2014/main" id="{63042DF6-CA34-D5D1-ED2B-26CB413B2F27}"/>
+              </a:ext>
+            </a:extLst>
+          </p:cNvPr>
+          <p:cNvSpPr/>
+          <p:nvPr/>
+        </p:nvSpPr>
+        <p:spPr>
+          <a:xfrm>
+            <a:off x="2994314" y="3470560"/>
+            <a:ext cx="609600" cy="609600"/>
+          </a:xfrm>
+          <a:prstGeom prst="foldedCorner">
+            <a:avLst/>
+          </a:prstGeom>
+        </p:spPr>
+        <p:style>
+          <a:lnRef idx="3">
+            <a:schemeClr val="lt1"/>
+          </a:lnRef>
+          <a:fillRef idx="1">
+            <a:schemeClr val="accent1"/>
+          </a:fillRef>
+          <a:effectRef idx="1">
+            <a:schemeClr val="accent1"/>
+          </a:effectRef>
+          <a:fontRef idx="minor">
+            <a:schemeClr val="lt1"/>
+          </a:fontRef>
+        </p:style>
+        <p:txBody>
+          <a:bodyPr rtlCol="0" anchor="ctr"/>
+          <a:lstStyle/>
+          <a:p>
+            <a:pPr algn="ctr"/>
+            <a:endParaRPr lang="en-US"/>
+          </a:p>
+        </p:txBody>
+      </p:sp>
+      <p:sp>
+        <p:nvSpPr>
+          <p:cNvPr id="23" name="Folded Corner 22">
+            <a:extLst>
+              <a:ext uri="{FF2B5EF4-FFF2-40B4-BE49-F238E27FC236}">
+                <a16:creationId xmlns:a16="http://schemas.microsoft.com/office/drawing/2014/main" id="{44217CC4-CCD0-4E90-703E-F9DF87FF4389}"/>
+              </a:ext>
+            </a:extLst>
+          </p:cNvPr>
+          <p:cNvSpPr/>
+          <p:nvPr/>
+        </p:nvSpPr>
+        <p:spPr>
+          <a:xfrm>
+            <a:off x="1117024" y="4405746"/>
+            <a:ext cx="609600" cy="609600"/>
+          </a:xfrm>
+          <a:prstGeom prst="foldedCorner">
+            <a:avLst/>
+          </a:prstGeom>
+        </p:spPr>
+        <p:style>
+          <a:lnRef idx="3">
+            <a:schemeClr val="lt1"/>
+          </a:lnRef>
+          <a:fillRef idx="1">
+            <a:schemeClr val="accent1"/>
+          </a:fillRef>
+          <a:effectRef idx="1">
+            <a:schemeClr val="accent1"/>
+          </a:effectRef>
+          <a:fontRef idx="minor">
+            <a:schemeClr val="lt1"/>
+          </a:fontRef>
+        </p:style>
+        <p:txBody>
+          <a:bodyPr rtlCol="0" anchor="ctr"/>
+          <a:lstStyle/>
+          <a:p>
+            <a:pPr algn="ctr"/>
+            <a:endParaRPr lang="en-US"/>
+          </a:p>
+        </p:txBody>
+      </p:sp>
+      <p:sp>
+        <p:nvSpPr>
+          <p:cNvPr id="24" name="Folded Corner 23">
+            <a:extLst>
+              <a:ext uri="{FF2B5EF4-FFF2-40B4-BE49-F238E27FC236}">
+                <a16:creationId xmlns:a16="http://schemas.microsoft.com/office/drawing/2014/main" id="{DF7A4E1F-3AF4-D5DB-BE9F-D8287DE55905}"/>
+              </a:ext>
+            </a:extLst>
+          </p:cNvPr>
+          <p:cNvSpPr/>
+          <p:nvPr/>
+        </p:nvSpPr>
+        <p:spPr>
+          <a:xfrm>
+            <a:off x="2055669" y="4405746"/>
+            <a:ext cx="609600" cy="609600"/>
+          </a:xfrm>
+          <a:prstGeom prst="foldedCorner">
+            <a:avLst/>
+          </a:prstGeom>
+        </p:spPr>
+        <p:style>
+          <a:lnRef idx="3">
+            <a:schemeClr val="lt1"/>
+          </a:lnRef>
+          <a:fillRef idx="1">
+            <a:schemeClr val="accent1"/>
+          </a:fillRef>
+          <a:effectRef idx="1">
+            <a:schemeClr val="accent1"/>
+          </a:effectRef>
+          <a:fontRef idx="minor">
+            <a:schemeClr val="lt1"/>
+          </a:fontRef>
+        </p:style>
+        <p:txBody>
+          <a:bodyPr rtlCol="0" anchor="ctr"/>
+          <a:lstStyle/>
+          <a:p>
+            <a:pPr algn="ctr"/>
+            <a:endParaRPr lang="en-US"/>
+          </a:p>
+        </p:txBody>
+      </p:sp>
+      <p:sp>
+        <p:nvSpPr>
+          <p:cNvPr id="25" name="Folded Corner 24">
+            <a:extLst>
+              <a:ext uri="{FF2B5EF4-FFF2-40B4-BE49-F238E27FC236}">
+                <a16:creationId xmlns:a16="http://schemas.microsoft.com/office/drawing/2014/main" id="{6CEB9FD0-ABD6-3DAA-767C-0CF57FEE53DD}"/>
+              </a:ext>
+            </a:extLst>
+          </p:cNvPr>
+          <p:cNvSpPr/>
+          <p:nvPr/>
+        </p:nvSpPr>
+        <p:spPr>
+          <a:xfrm>
+            <a:off x="2994314" y="4391891"/>
+            <a:ext cx="609600" cy="609600"/>
+          </a:xfrm>
+          <a:prstGeom prst="foldedCorner">
+            <a:avLst/>
+          </a:prstGeom>
+        </p:spPr>
+        <p:style>
+          <a:lnRef idx="3">
+            <a:schemeClr val="lt1"/>
+          </a:lnRef>
+          <a:fillRef idx="1">
+            <a:schemeClr val="accent1"/>
+          </a:fillRef>
+          <a:effectRef idx="1">
+            <a:schemeClr val="accent1"/>
+          </a:effectRef>
+          <a:fontRef idx="minor">
+            <a:schemeClr val="lt1"/>
+          </a:fontRef>
+        </p:style>
+        <p:txBody>
+          <a:bodyPr rtlCol="0" anchor="ctr"/>
+          <a:lstStyle/>
+          <a:p>
+            <a:pPr algn="ctr"/>
+            <a:endParaRPr lang="en-US"/>
+          </a:p>
+        </p:txBody>
+      </p:sp>
+      <p:sp>
+        <p:nvSpPr>
+          <p:cNvPr id="26" name="TextBox 25">
+            <a:extLst>
+              <a:ext uri="{FF2B5EF4-FFF2-40B4-BE49-F238E27FC236}">
+                <a16:creationId xmlns:a16="http://schemas.microsoft.com/office/drawing/2014/main" id="{A24BDBD7-B2AA-AAE1-4261-77940D944C5F}"/>
               </a:ext>
             </a:extLst>
           </p:cNvPr>
@@ -6469,8 +6075,8 @@
         </p:nvSpPr>
         <p:spPr>
           <a:xfrm>
-            <a:off x="4114800" y="3440668"/>
-            <a:ext cx="1028700" cy="369332"/>
+            <a:off x="1810616" y="2000888"/>
+            <a:ext cx="1255567" cy="369332"/>
           </a:xfrm>
           <a:prstGeom prst="rect">
             <a:avLst/>
@@ -6485,21 +6091,275 @@
           <a:p>
             <a:r>
               <a:rPr lang="en-US" dirty="0"/>
-              <a:t>Sharding</a:t>
-            </a:r>
+              <a:t>Employee</a:t>
+            </a:r>
+          </a:p>
+        </p:txBody>
+      </p:sp>
+      <p:sp>
+        <p:nvSpPr>
+          <p:cNvPr id="27" name="TextBox 26">
+            <a:extLst>
+              <a:ext uri="{FF2B5EF4-FFF2-40B4-BE49-F238E27FC236}">
+                <a16:creationId xmlns:a16="http://schemas.microsoft.com/office/drawing/2014/main" id="{36B16230-329A-DD5A-50CC-63788115AAE8}"/>
+              </a:ext>
+            </a:extLst>
+          </p:cNvPr>
+          <p:cNvSpPr txBox="1"/>
+          <p:nvPr/>
+        </p:nvSpPr>
+        <p:spPr>
+          <a:xfrm>
+            <a:off x="6330661" y="1997424"/>
+            <a:ext cx="1365539" cy="369332"/>
+          </a:xfrm>
+          <a:prstGeom prst="rect">
+            <a:avLst/>
+          </a:prstGeom>
+          <a:noFill/>
+        </p:spPr>
+        <p:txBody>
+          <a:bodyPr wrap="square" rtlCol="0">
+            <a:spAutoFit/>
+          </a:bodyPr>
+          <a:lstStyle/>
+          <a:p>
+            <a:r>
+              <a:rPr lang="en-US" dirty="0"/>
+              <a:t>Department</a:t>
+            </a:r>
+          </a:p>
+        </p:txBody>
+      </p:sp>
+      <p:sp>
+        <p:nvSpPr>
+          <p:cNvPr id="28" name="TextBox 27">
+            <a:extLst>
+              <a:ext uri="{FF2B5EF4-FFF2-40B4-BE49-F238E27FC236}">
+                <a16:creationId xmlns:a16="http://schemas.microsoft.com/office/drawing/2014/main" id="{54F64386-DCBF-5FB0-740E-FCF56EAD9D55}"/>
+              </a:ext>
+            </a:extLst>
+          </p:cNvPr>
+          <p:cNvSpPr txBox="1"/>
+          <p:nvPr/>
+        </p:nvSpPr>
+        <p:spPr>
+          <a:xfrm>
+            <a:off x="1053814" y="4110244"/>
+            <a:ext cx="725632" cy="369332"/>
+          </a:xfrm>
+          <a:prstGeom prst="rect">
+            <a:avLst/>
+          </a:prstGeom>
+          <a:noFill/>
+        </p:spPr>
+        <p:txBody>
+          <a:bodyPr wrap="square" rtlCol="0">
+            <a:spAutoFit/>
+          </a:bodyPr>
+          <a:lstStyle/>
+          <a:p>
+            <a:r>
+              <a:rPr lang="en-US" dirty="0"/>
+              <a:t>John</a:t>
+            </a:r>
+          </a:p>
+        </p:txBody>
+      </p:sp>
+      <p:sp>
+        <p:nvSpPr>
+          <p:cNvPr id="29" name="TextBox 28">
+            <a:extLst>
+              <a:ext uri="{FF2B5EF4-FFF2-40B4-BE49-F238E27FC236}">
+                <a16:creationId xmlns:a16="http://schemas.microsoft.com/office/drawing/2014/main" id="{80BCA041-266C-7229-AA8F-7DEEF522B0E6}"/>
+              </a:ext>
+            </a:extLst>
+          </p:cNvPr>
+          <p:cNvSpPr txBox="1"/>
+          <p:nvPr/>
+        </p:nvSpPr>
+        <p:spPr>
+          <a:xfrm>
+            <a:off x="2024064" y="4107870"/>
+            <a:ext cx="725632" cy="369332"/>
+          </a:xfrm>
+          <a:prstGeom prst="rect">
+            <a:avLst/>
+          </a:prstGeom>
+          <a:noFill/>
+        </p:spPr>
+        <p:txBody>
+          <a:bodyPr wrap="square" rtlCol="0">
+            <a:spAutoFit/>
+          </a:bodyPr>
+          <a:lstStyle/>
+          <a:p>
+            <a:r>
+              <a:rPr lang="en-US" dirty="0"/>
+              <a:t>Ross</a:t>
+            </a:r>
+          </a:p>
+        </p:txBody>
+      </p:sp>
+      <p:sp>
+        <p:nvSpPr>
+          <p:cNvPr id="30" name="TextBox 29">
+            <a:extLst>
+              <a:ext uri="{FF2B5EF4-FFF2-40B4-BE49-F238E27FC236}">
+                <a16:creationId xmlns:a16="http://schemas.microsoft.com/office/drawing/2014/main" id="{1B8E1CC9-A378-95E9-22FE-4F4844A759CC}"/>
+              </a:ext>
+            </a:extLst>
+          </p:cNvPr>
+          <p:cNvSpPr txBox="1"/>
+          <p:nvPr/>
+        </p:nvSpPr>
+        <p:spPr>
+          <a:xfrm>
+            <a:off x="2948420" y="4107870"/>
+            <a:ext cx="725632" cy="369332"/>
+          </a:xfrm>
+          <a:prstGeom prst="rect">
+            <a:avLst/>
+          </a:prstGeom>
+          <a:noFill/>
+        </p:spPr>
+        <p:txBody>
+          <a:bodyPr wrap="square" rtlCol="0">
+            <a:spAutoFit/>
+          </a:bodyPr>
+          <a:lstStyle/>
+          <a:p>
+            <a:r>
+              <a:rPr lang="en-US" dirty="0"/>
+              <a:t>Emily</a:t>
+            </a:r>
+          </a:p>
+        </p:txBody>
+      </p:sp>
+      <p:sp>
+        <p:nvSpPr>
+          <p:cNvPr id="31" name="TextBox 30">
+            <a:extLst>
+              <a:ext uri="{FF2B5EF4-FFF2-40B4-BE49-F238E27FC236}">
+                <a16:creationId xmlns:a16="http://schemas.microsoft.com/office/drawing/2014/main" id="{799DD54E-AA09-AC83-1F87-362A776111FC}"/>
+              </a:ext>
+            </a:extLst>
+          </p:cNvPr>
+          <p:cNvSpPr txBox="1"/>
+          <p:nvPr/>
+        </p:nvSpPr>
+        <p:spPr>
+          <a:xfrm>
+            <a:off x="5784275" y="4110244"/>
+            <a:ext cx="464125" cy="369332"/>
+          </a:xfrm>
+          <a:prstGeom prst="rect">
+            <a:avLst/>
+          </a:prstGeom>
+          <a:noFill/>
+        </p:spPr>
+        <p:txBody>
+          <a:bodyPr wrap="square" rtlCol="0">
+            <a:spAutoFit/>
+          </a:bodyPr>
+          <a:lstStyle/>
+          <a:p>
+            <a:r>
+              <a:rPr lang="en-US" dirty="0"/>
+              <a:t>CS</a:t>
+            </a:r>
+          </a:p>
+        </p:txBody>
+      </p:sp>
+      <p:sp>
+        <p:nvSpPr>
+          <p:cNvPr id="32" name="TextBox 31">
+            <a:extLst>
+              <a:ext uri="{FF2B5EF4-FFF2-40B4-BE49-F238E27FC236}">
+                <a16:creationId xmlns:a16="http://schemas.microsoft.com/office/drawing/2014/main" id="{9D9DE45D-65BC-0B62-F816-F65FB0CF9A5F}"/>
+              </a:ext>
+            </a:extLst>
+          </p:cNvPr>
+          <p:cNvSpPr txBox="1"/>
+          <p:nvPr/>
+        </p:nvSpPr>
+        <p:spPr>
+          <a:xfrm>
+            <a:off x="6629400" y="4107870"/>
+            <a:ext cx="725632" cy="369332"/>
+          </a:xfrm>
+          <a:prstGeom prst="rect">
+            <a:avLst/>
+          </a:prstGeom>
+          <a:noFill/>
+        </p:spPr>
+        <p:txBody>
+          <a:bodyPr wrap="square" rtlCol="0">
+            <a:spAutoFit/>
+          </a:bodyPr>
+          <a:lstStyle/>
+          <a:p>
+            <a:r>
+              <a:rPr lang="en-US" dirty="0"/>
+              <a:t>OMIS</a:t>
+            </a:r>
+          </a:p>
+        </p:txBody>
+      </p:sp>
+      <p:sp>
+        <p:nvSpPr>
+          <p:cNvPr id="33" name="TextBox 32">
+            <a:extLst>
+              <a:ext uri="{FF2B5EF4-FFF2-40B4-BE49-F238E27FC236}">
+                <a16:creationId xmlns:a16="http://schemas.microsoft.com/office/drawing/2014/main" id="{79D88360-41B0-5CA3-8DB0-529AAF4C6DDB}"/>
+              </a:ext>
+            </a:extLst>
+          </p:cNvPr>
+          <p:cNvSpPr txBox="1"/>
+          <p:nvPr/>
+        </p:nvSpPr>
+        <p:spPr>
+          <a:xfrm>
+            <a:off x="7543800" y="4107870"/>
+            <a:ext cx="855519" cy="369332"/>
+          </a:xfrm>
+          <a:prstGeom prst="rect">
+            <a:avLst/>
+          </a:prstGeom>
+          <a:noFill/>
+        </p:spPr>
+        <p:txBody>
+          <a:bodyPr wrap="square" rtlCol="0">
+            <a:spAutoFit/>
+          </a:bodyPr>
+          <a:lstStyle/>
+          <a:p>
+            <a:r>
+              <a:rPr lang="en-US" dirty="0" err="1"/>
+              <a:t>Maths</a:t>
+            </a:r>
+            <a:endParaRPr lang="en-US" dirty="0"/>
           </a:p>
         </p:txBody>
       </p:sp>
     </p:spTree>
     <p:extLst>
       <p:ext uri="{BB962C8B-B14F-4D97-AF65-F5344CB8AC3E}">
-        <p14:creationId xmlns:p14="http://schemas.microsoft.com/office/powerpoint/2010/main" val="4146480927"/>
+        <p14:creationId xmlns:p14="http://schemas.microsoft.com/office/powerpoint/2010/main" val="3295444664"/>
       </p:ext>
     </p:extLst>
   </p:cSld>
   <p:clrMapOvr>
     <a:masterClrMapping/>
   </p:clrMapOvr>
+  <mc:AlternateContent xmlns:mc="http://schemas.openxmlformats.org/markup-compatibility/2006">
+    <mc:Choice xmlns:p14="http://schemas.microsoft.com/office/powerpoint/2010/main" Requires="p14">
+      <p:transition spd="slow" p14:dur="2000" advClick="0"/>
+    </mc:Choice>
+    <mc:Fallback>
+      <p:transition spd="slow" advClick="0"/>
+    </mc:Fallback>
+  </mc:AlternateContent>
 </p:sld>
 </file>
 
@@ -6522,6 +6382,54 @@
       </p:grpSpPr>
       <p:sp>
         <p:nvSpPr>
+          <p:cNvPr id="2" name="Content Placeholder 1"/>
+          <p:cNvSpPr>
+            <a:spLocks noGrp="1"/>
+          </p:cNvSpPr>
+          <p:nvPr>
+            <p:ph idx="1"/>
+          </p:nvPr>
+        </p:nvSpPr>
+        <p:spPr/>
+        <p:txBody>
+          <a:bodyPr/>
+          <a:lstStyle/>
+          <a:p>
+            <a:r>
+              <a:rPr lang="en-US" dirty="0">
+                <a:latin typeface="+mj-lt"/>
+              </a:rPr>
+              <a:t>Sharding is a way to divide an index into smaller pieces, where each piece is referred as shard.</a:t>
+            </a:r>
+          </a:p>
+          <a:p>
+            <a:r>
+              <a:rPr lang="en-US" dirty="0">
+                <a:latin typeface="+mj-lt"/>
+              </a:rPr>
+              <a:t>Sharding is done at index level but not at cluster level.</a:t>
+            </a:r>
+          </a:p>
+          <a:p>
+            <a:r>
+              <a:rPr lang="en-US" dirty="0">
+                <a:latin typeface="+mj-lt"/>
+              </a:rPr>
+              <a:t>Main purpose is to horizontally scale the data volume.</a:t>
+            </a:r>
+          </a:p>
+          <a:p>
+            <a:r>
+              <a:rPr lang="en-US" dirty="0">
+                <a:latin typeface="+mj-lt"/>
+              </a:rPr>
+              <a:t>A shard may store up to about 2 million documents. However, there is no predefined size defined for a shard.</a:t>
+            </a:r>
+          </a:p>
+        </p:txBody>
+      </p:sp>
+      <p:sp>
+        <p:nvSpPr>
           <p:cNvPr id="3" name="Title 2"/>
           <p:cNvSpPr>
             <a:spLocks noGrp="1"/>
@@ -6547,13 +6455,21 @@
     </p:spTree>
     <p:extLst>
       <p:ext uri="{BB962C8B-B14F-4D97-AF65-F5344CB8AC3E}">
-        <p14:creationId xmlns:p14="http://schemas.microsoft.com/office/powerpoint/2010/main" val="2533127167"/>
+        <p14:creationId xmlns:p14="http://schemas.microsoft.com/office/powerpoint/2010/main" val="2625648436"/>
       </p:ext>
     </p:extLst>
   </p:cSld>
   <p:clrMapOvr>
     <a:masterClrMapping/>
   </p:clrMapOvr>
+  <mc:AlternateContent xmlns:mc="http://schemas.openxmlformats.org/markup-compatibility/2006">
+    <mc:Choice xmlns:p14="http://schemas.microsoft.com/office/powerpoint/2010/main" Requires="p14">
+      <p:transition spd="slow" p14:dur="2000" advClick="0"/>
+    </mc:Choice>
+    <mc:Fallback>
+      <p:transition spd="slow" advClick="0"/>
+    </mc:Fallback>
+  </mc:AlternateContent>
 </p:sld>
 </file>
 
@@ -6576,67 +6492,7 @@
       </p:grpSpPr>
       <p:sp>
         <p:nvSpPr>
-          <p:cNvPr id="2" name="Content Placeholder 1">
-            <a:extLst>
-              <a:ext uri="{FF2B5EF4-FFF2-40B4-BE49-F238E27FC236}">
-                <a16:creationId xmlns:a16="http://schemas.microsoft.com/office/drawing/2014/main" id="{DEBACB70-EE0E-8D9D-269A-855FD2B5D1E6}"/>
-              </a:ext>
-            </a:extLst>
-          </p:cNvPr>
-          <p:cNvSpPr>
-            <a:spLocks noGrp="1"/>
-          </p:cNvSpPr>
-          <p:nvPr>
-            <p:ph idx="1"/>
-          </p:nvPr>
-        </p:nvSpPr>
-        <p:spPr/>
-        <p:txBody>
-          <a:bodyPr/>
-          <a:lstStyle/>
-          <a:p>
-            <a:r>
-              <a:rPr lang="en-US" dirty="0"/>
-              <a:t>Mainly to be able to store more documents.</a:t>
-            </a:r>
-          </a:p>
-          <a:p>
-            <a:r>
-              <a:rPr lang="en-US" dirty="0"/>
-              <a:t>Easily fit large dataset on the nodes.</a:t>
-            </a:r>
-          </a:p>
-          <a:p>
-            <a:r>
-              <a:rPr lang="en-US" dirty="0"/>
-              <a:t>Improving Performance</a:t>
-            </a:r>
-          </a:p>
-          <a:p>
-            <a:pPr lvl="1"/>
-            <a:r>
-              <a:rPr lang="en-US" dirty="0"/>
-              <a:t>Parallelism increases throughput of an index</a:t>
-            </a:r>
-          </a:p>
-          <a:p>
-            <a:pPr lvl="1"/>
-            <a:r>
-              <a:rPr lang="en-US" dirty="0"/>
-              <a:t>Also, the shards may be stored on different nodes which means hardware of multiple nodes can be utilized.</a:t>
-            </a:r>
-          </a:p>
-        </p:txBody>
-      </p:sp>
-      <p:sp>
-        <p:nvSpPr>
-          <p:cNvPr id="3" name="Title 2">
-            <a:extLst>
-              <a:ext uri="{FF2B5EF4-FFF2-40B4-BE49-F238E27FC236}">
-                <a16:creationId xmlns:a16="http://schemas.microsoft.com/office/drawing/2014/main" id="{409BB3EC-A9ED-E754-9A79-7CF94A4A56F9}"/>
-              </a:ext>
-            </a:extLst>
-          </p:cNvPr>
+          <p:cNvPr id="3" name="Title 2"/>
           <p:cNvSpPr>
             <a:spLocks noGrp="1"/>
           </p:cNvSpPr>
@@ -6650,8 +6506,447 @@
           <a:lstStyle/>
           <a:p>
             <a:r>
+              <a:rPr lang="en-US" dirty="0">
+                <a:latin typeface="+mj-lt"/>
+              </a:rPr>
+              <a:t>Sharding &amp; Scalability</a:t>
+            </a:r>
+          </a:p>
+        </p:txBody>
+      </p:sp>
+      <p:sp>
+        <p:nvSpPr>
+          <p:cNvPr id="5" name="Oval 4">
+            <a:extLst>
+              <a:ext uri="{FF2B5EF4-FFF2-40B4-BE49-F238E27FC236}">
+                <a16:creationId xmlns:a16="http://schemas.microsoft.com/office/drawing/2014/main" id="{B49A95BC-B040-77E4-52F8-132A1C37BB1F}"/>
+              </a:ext>
+            </a:extLst>
+          </p:cNvPr>
+          <p:cNvSpPr/>
+          <p:nvPr/>
+        </p:nvSpPr>
+        <p:spPr>
+          <a:xfrm>
+            <a:off x="2493818" y="1981200"/>
+            <a:ext cx="1295400" cy="1316182"/>
+          </a:xfrm>
+          <a:prstGeom prst="ellipse">
+            <a:avLst/>
+          </a:prstGeom>
+        </p:spPr>
+        <p:style>
+          <a:lnRef idx="2">
+            <a:schemeClr val="accent1">
+              <a:shade val="50000"/>
+            </a:schemeClr>
+          </a:lnRef>
+          <a:fillRef idx="1">
+            <a:schemeClr val="accent1"/>
+          </a:fillRef>
+          <a:effectRef idx="0">
+            <a:schemeClr val="accent1"/>
+          </a:effectRef>
+          <a:fontRef idx="minor">
+            <a:schemeClr val="lt1"/>
+          </a:fontRef>
+        </p:style>
+        <p:txBody>
+          <a:bodyPr rtlCol="0" anchor="ctr"/>
+          <a:lstStyle/>
+          <a:p>
+            <a:pPr algn="ctr"/>
+            <a:r>
               <a:rPr lang="en-US" dirty="0"/>
-              <a:t>Advantages Of Sharding</a:t>
+              <a:t>Node B</a:t>
+            </a:r>
+          </a:p>
+          <a:p>
+            <a:pPr algn="ctr"/>
+            <a:r>
+              <a:rPr lang="en-US" dirty="0"/>
+              <a:t>200 GB</a:t>
+            </a:r>
+          </a:p>
+        </p:txBody>
+      </p:sp>
+      <p:sp>
+        <p:nvSpPr>
+          <p:cNvPr id="8" name="Oval 7">
+            <a:extLst>
+              <a:ext uri="{FF2B5EF4-FFF2-40B4-BE49-F238E27FC236}">
+                <a16:creationId xmlns:a16="http://schemas.microsoft.com/office/drawing/2014/main" id="{D8FD8ADB-FA19-B8B0-14E2-AA4C25E800FD}"/>
+              </a:ext>
+            </a:extLst>
+          </p:cNvPr>
+          <p:cNvSpPr/>
+          <p:nvPr/>
+        </p:nvSpPr>
+        <p:spPr>
+          <a:xfrm>
+            <a:off x="477982" y="1981200"/>
+            <a:ext cx="1295400" cy="1316182"/>
+          </a:xfrm>
+          <a:prstGeom prst="ellipse">
+            <a:avLst/>
+          </a:prstGeom>
+        </p:spPr>
+        <p:style>
+          <a:lnRef idx="2">
+            <a:schemeClr val="accent1">
+              <a:shade val="50000"/>
+            </a:schemeClr>
+          </a:lnRef>
+          <a:fillRef idx="1">
+            <a:schemeClr val="accent1"/>
+          </a:fillRef>
+          <a:effectRef idx="0">
+            <a:schemeClr val="accent1"/>
+          </a:effectRef>
+          <a:fontRef idx="minor">
+            <a:schemeClr val="lt1"/>
+          </a:fontRef>
+        </p:style>
+        <p:txBody>
+          <a:bodyPr rtlCol="0" anchor="ctr"/>
+          <a:lstStyle/>
+          <a:p>
+            <a:pPr algn="ctr"/>
+            <a:r>
+              <a:rPr lang="en-US" dirty="0"/>
+              <a:t>Node B</a:t>
+            </a:r>
+          </a:p>
+          <a:p>
+            <a:pPr algn="ctr"/>
+            <a:r>
+              <a:rPr lang="en-US" dirty="0"/>
+              <a:t>200 GB</a:t>
+            </a:r>
+          </a:p>
+        </p:txBody>
+      </p:sp>
+      <p:sp>
+        <p:nvSpPr>
+          <p:cNvPr id="9" name="Oval 8">
+            <a:extLst>
+              <a:ext uri="{FF2B5EF4-FFF2-40B4-BE49-F238E27FC236}">
+                <a16:creationId xmlns:a16="http://schemas.microsoft.com/office/drawing/2014/main" id="{44606912-C6EF-3DD0-1A99-F06CB3B85100}"/>
+              </a:ext>
+            </a:extLst>
+          </p:cNvPr>
+          <p:cNvSpPr/>
+          <p:nvPr/>
+        </p:nvSpPr>
+        <p:spPr>
+          <a:xfrm>
+            <a:off x="7353300" y="1981200"/>
+            <a:ext cx="1295400" cy="1316182"/>
+          </a:xfrm>
+          <a:prstGeom prst="ellipse">
+            <a:avLst/>
+          </a:prstGeom>
+        </p:spPr>
+        <p:style>
+          <a:lnRef idx="2">
+            <a:schemeClr val="accent1">
+              <a:shade val="50000"/>
+            </a:schemeClr>
+          </a:lnRef>
+          <a:fillRef idx="1">
+            <a:schemeClr val="accent1"/>
+          </a:fillRef>
+          <a:effectRef idx="0">
+            <a:schemeClr val="accent1"/>
+          </a:effectRef>
+          <a:fontRef idx="minor">
+            <a:schemeClr val="lt1"/>
+          </a:fontRef>
+        </p:style>
+        <p:txBody>
+          <a:bodyPr rtlCol="0" anchor="ctr"/>
+          <a:lstStyle/>
+          <a:p>
+            <a:pPr algn="ctr"/>
+            <a:r>
+              <a:rPr lang="en-US" dirty="0"/>
+              <a:t>Node B</a:t>
+            </a:r>
+          </a:p>
+          <a:p>
+            <a:pPr algn="ctr"/>
+            <a:r>
+              <a:rPr lang="en-US" dirty="0"/>
+              <a:t>200 GB</a:t>
+            </a:r>
+          </a:p>
+          <a:p>
+            <a:pPr algn="ctr"/>
+            <a:r>
+              <a:rPr lang="en-US" dirty="0">
+                <a:highlight>
+                  <a:srgbClr val="000000"/>
+                </a:highlight>
+              </a:rPr>
+              <a:t>Shard B</a:t>
+            </a:r>
+          </a:p>
+        </p:txBody>
+      </p:sp>
+      <p:sp>
+        <p:nvSpPr>
+          <p:cNvPr id="10" name="Oval 9">
+            <a:extLst>
+              <a:ext uri="{FF2B5EF4-FFF2-40B4-BE49-F238E27FC236}">
+                <a16:creationId xmlns:a16="http://schemas.microsoft.com/office/drawing/2014/main" id="{891DBEA9-4182-0C70-29AD-40E47F9B6327}"/>
+              </a:ext>
+            </a:extLst>
+          </p:cNvPr>
+          <p:cNvSpPr/>
+          <p:nvPr/>
+        </p:nvSpPr>
+        <p:spPr>
+          <a:xfrm>
+            <a:off x="5337464" y="1981200"/>
+            <a:ext cx="1295400" cy="1316182"/>
+          </a:xfrm>
+          <a:prstGeom prst="ellipse">
+            <a:avLst/>
+          </a:prstGeom>
+        </p:spPr>
+        <p:style>
+          <a:lnRef idx="2">
+            <a:schemeClr val="accent1">
+              <a:shade val="50000"/>
+            </a:schemeClr>
+          </a:lnRef>
+          <a:fillRef idx="1">
+            <a:schemeClr val="accent1"/>
+          </a:fillRef>
+          <a:effectRef idx="0">
+            <a:schemeClr val="accent1"/>
+          </a:effectRef>
+          <a:fontRef idx="minor">
+            <a:schemeClr val="lt1"/>
+          </a:fontRef>
+        </p:style>
+        <p:txBody>
+          <a:bodyPr rtlCol="0" anchor="ctr"/>
+          <a:lstStyle/>
+          <a:p>
+            <a:pPr algn="ctr"/>
+            <a:r>
+              <a:rPr lang="en-US" dirty="0"/>
+              <a:t>Node B</a:t>
+            </a:r>
+          </a:p>
+          <a:p>
+            <a:pPr algn="ctr"/>
+            <a:r>
+              <a:rPr lang="en-US" dirty="0"/>
+              <a:t>200 GB</a:t>
+            </a:r>
+          </a:p>
+          <a:p>
+            <a:pPr algn="ctr"/>
+            <a:r>
+              <a:rPr lang="en-US" dirty="0">
+                <a:solidFill>
+                  <a:schemeClr val="bg1"/>
+                </a:solidFill>
+                <a:highlight>
+                  <a:srgbClr val="000000"/>
+                </a:highlight>
+              </a:rPr>
+              <a:t>Shard A</a:t>
+            </a:r>
+          </a:p>
+        </p:txBody>
+      </p:sp>
+      <p:sp>
+        <p:nvSpPr>
+          <p:cNvPr id="11" name="Rounded Rectangle 10">
+            <a:extLst>
+              <a:ext uri="{FF2B5EF4-FFF2-40B4-BE49-F238E27FC236}">
+                <a16:creationId xmlns:a16="http://schemas.microsoft.com/office/drawing/2014/main" id="{749D323A-0E86-1E40-4CA7-50CA86CAE437}"/>
+              </a:ext>
+            </a:extLst>
+          </p:cNvPr>
+          <p:cNvSpPr/>
+          <p:nvPr/>
+        </p:nvSpPr>
+        <p:spPr>
+          <a:xfrm>
+            <a:off x="1371601" y="3810000"/>
+            <a:ext cx="1447800" cy="1066800"/>
+          </a:xfrm>
+          <a:prstGeom prst="roundRect">
+            <a:avLst/>
+          </a:prstGeom>
+        </p:spPr>
+        <p:style>
+          <a:lnRef idx="2">
+            <a:schemeClr val="accent1">
+              <a:shade val="50000"/>
+            </a:schemeClr>
+          </a:lnRef>
+          <a:fillRef idx="1">
+            <a:schemeClr val="accent1"/>
+          </a:fillRef>
+          <a:effectRef idx="0">
+            <a:schemeClr val="accent1"/>
+          </a:effectRef>
+          <a:fontRef idx="minor">
+            <a:schemeClr val="lt1"/>
+          </a:fontRef>
+        </p:style>
+        <p:txBody>
+          <a:bodyPr rtlCol="0" anchor="ctr"/>
+          <a:lstStyle/>
+          <a:p>
+            <a:pPr algn="ctr"/>
+            <a:r>
+              <a:rPr lang="en-US" dirty="0"/>
+              <a:t>Index</a:t>
+            </a:r>
+          </a:p>
+          <a:p>
+            <a:pPr algn="ctr"/>
+            <a:r>
+              <a:rPr lang="en-US" dirty="0"/>
+              <a:t>300 GB</a:t>
+            </a:r>
+          </a:p>
+        </p:txBody>
+      </p:sp>
+      <p:sp>
+        <p:nvSpPr>
+          <p:cNvPr id="12" name="Rounded Rectangle 11">
+            <a:extLst>
+              <a:ext uri="{FF2B5EF4-FFF2-40B4-BE49-F238E27FC236}">
+                <a16:creationId xmlns:a16="http://schemas.microsoft.com/office/drawing/2014/main" id="{4B261024-DB07-1A53-24C7-AF971CFB2851}"/>
+              </a:ext>
+            </a:extLst>
+          </p:cNvPr>
+          <p:cNvSpPr/>
+          <p:nvPr/>
+        </p:nvSpPr>
+        <p:spPr>
+          <a:xfrm>
+            <a:off x="6438899" y="3810000"/>
+            <a:ext cx="1447800" cy="1066800"/>
+          </a:xfrm>
+          <a:prstGeom prst="roundRect">
+            <a:avLst/>
+          </a:prstGeom>
+        </p:spPr>
+        <p:style>
+          <a:lnRef idx="2">
+            <a:schemeClr val="accent1">
+              <a:shade val="50000"/>
+            </a:schemeClr>
+          </a:lnRef>
+          <a:fillRef idx="1">
+            <a:schemeClr val="accent1"/>
+          </a:fillRef>
+          <a:effectRef idx="0">
+            <a:schemeClr val="accent1"/>
+          </a:effectRef>
+          <a:fontRef idx="minor">
+            <a:schemeClr val="lt1"/>
+          </a:fontRef>
+        </p:style>
+        <p:txBody>
+          <a:bodyPr rtlCol="0" anchor="ctr"/>
+          <a:lstStyle/>
+          <a:p>
+            <a:pPr algn="ctr"/>
+            <a:r>
+              <a:rPr lang="en-US" dirty="0"/>
+              <a:t>Index</a:t>
+            </a:r>
+          </a:p>
+          <a:p>
+            <a:pPr algn="ctr"/>
+            <a:r>
+              <a:rPr lang="en-US" dirty="0"/>
+              <a:t>300 GB</a:t>
+            </a:r>
+          </a:p>
+        </p:txBody>
+      </p:sp>
+      <p:cxnSp>
+        <p:nvCxnSpPr>
+          <p:cNvPr id="14" name="Straight Arrow Connector 13">
+            <a:extLst>
+              <a:ext uri="{FF2B5EF4-FFF2-40B4-BE49-F238E27FC236}">
+                <a16:creationId xmlns:a16="http://schemas.microsoft.com/office/drawing/2014/main" id="{7873566E-C1E4-EE97-C824-E8C14ABB8041}"/>
+              </a:ext>
+            </a:extLst>
+          </p:cNvPr>
+          <p:cNvCxnSpPr>
+            <a:cxnSpLocks/>
+          </p:cNvCxnSpPr>
+          <p:nvPr/>
+        </p:nvCxnSpPr>
+        <p:spPr>
+          <a:xfrm>
+            <a:off x="4038600" y="3810000"/>
+            <a:ext cx="1298864" cy="0"/>
+          </a:xfrm>
+          <a:prstGeom prst="straightConnector1">
+            <a:avLst/>
+          </a:prstGeom>
+          <a:ln w="31750">
+            <a:tailEnd type="triangle"/>
+          </a:ln>
+        </p:spPr>
+        <p:style>
+          <a:lnRef idx="1">
+            <a:schemeClr val="accent2"/>
+          </a:lnRef>
+          <a:fillRef idx="0">
+            <a:schemeClr val="accent2"/>
+          </a:fillRef>
+          <a:effectRef idx="0">
+            <a:schemeClr val="accent2"/>
+          </a:effectRef>
+          <a:fontRef idx="minor">
+            <a:schemeClr val="tx1"/>
+          </a:fontRef>
+        </p:style>
+      </p:cxnSp>
+      <p:sp>
+        <p:nvSpPr>
+          <p:cNvPr id="16" name="TextBox 15">
+            <a:extLst>
+              <a:ext uri="{FF2B5EF4-FFF2-40B4-BE49-F238E27FC236}">
+                <a16:creationId xmlns:a16="http://schemas.microsoft.com/office/drawing/2014/main" id="{B4B3E3CB-14D8-BE14-FE99-44290F852039}"/>
+              </a:ext>
+            </a:extLst>
+          </p:cNvPr>
+          <p:cNvSpPr txBox="1"/>
+          <p:nvPr/>
+        </p:nvSpPr>
+        <p:spPr>
+          <a:xfrm>
+            <a:off x="4114800" y="3440668"/>
+            <a:ext cx="1028700" cy="369332"/>
+          </a:xfrm>
+          <a:prstGeom prst="rect">
+            <a:avLst/>
+          </a:prstGeom>
+          <a:noFill/>
+        </p:spPr>
+        <p:txBody>
+          <a:bodyPr wrap="square" rtlCol="0">
+            <a:spAutoFit/>
+          </a:bodyPr>
+          <a:lstStyle/>
+          <a:p>
+            <a:r>
+              <a:rPr lang="en-US" dirty="0"/>
+              <a:t>Sharding</a:t>
             </a:r>
           </a:p>
         </p:txBody>
@@ -6659,13 +6954,21 @@
     </p:spTree>
     <p:extLst>
       <p:ext uri="{BB962C8B-B14F-4D97-AF65-F5344CB8AC3E}">
-        <p14:creationId xmlns:p14="http://schemas.microsoft.com/office/powerpoint/2010/main" val="838528800"/>
+        <p14:creationId xmlns:p14="http://schemas.microsoft.com/office/powerpoint/2010/main" val="4146480927"/>
       </p:ext>
     </p:extLst>
   </p:cSld>
   <p:clrMapOvr>
     <a:masterClrMapping/>
   </p:clrMapOvr>
+  <mc:AlternateContent xmlns:mc="http://schemas.openxmlformats.org/markup-compatibility/2006">
+    <mc:Choice xmlns:p14="http://schemas.microsoft.com/office/powerpoint/2010/main" Requires="p14">
+      <p:transition spd="slow" p14:dur="2000" advClick="0"/>
+    </mc:Choice>
+    <mc:Fallback>
+      <p:transition spd="slow" advClick="0"/>
+    </mc:Fallback>
+  </mc:AlternateContent>
 </p:sld>
 </file>
 
@@ -6702,25 +7005,40 @@
             <p:ph idx="1"/>
           </p:nvPr>
         </p:nvSpPr>
-        <p:spPr>
-          <a:xfrm>
-            <a:off x="457200" y="1371600"/>
-            <a:ext cx="8534400" cy="4648200"/>
-          </a:xfrm>
-        </p:spPr>
+        <p:spPr/>
         <p:txBody>
           <a:bodyPr/>
           <a:lstStyle/>
           <a:p>
             <a:r>
               <a:rPr lang="en-US" dirty="0"/>
-              <a:t>ES supports replication in order to achieve fault tolerance and node failovers.</a:t>
+              <a:t>Mainly to be able to store more documents.</a:t>
             </a:r>
           </a:p>
           <a:p>
             <a:r>
               <a:rPr lang="en-US" dirty="0"/>
-              <a:t>Replication is configured at index level and is enabled by default to 1.</a:t>
+              <a:t>Easily fit large dataset on the nodes.</a:t>
+            </a:r>
+          </a:p>
+          <a:p>
+            <a:r>
+              <a:rPr lang="en-US" dirty="0"/>
+              <a:t>Improving Performance</a:t>
+            </a:r>
+          </a:p>
+          <a:p>
+            <a:pPr lvl="1"/>
+            <a:r>
+              <a:rPr lang="en-US" dirty="0"/>
+              <a:t>Parallelism increases throughput of an index</a:t>
+            </a:r>
+          </a:p>
+          <a:p>
+            <a:pPr lvl="1"/>
+            <a:r>
+              <a:rPr lang="en-US" dirty="0"/>
+              <a:t>Also, the shards may be stored on different nodes which means hardware of multiple nodes can be utilized.</a:t>
             </a:r>
           </a:p>
         </p:txBody>
@@ -6748,555 +7066,7 @@
           <a:p>
             <a:r>
               <a:rPr lang="en-US" dirty="0"/>
-              <a:t>Replication</a:t>
-            </a:r>
-          </a:p>
-        </p:txBody>
-      </p:sp>
-      <p:sp>
-        <p:nvSpPr>
-          <p:cNvPr id="4" name="Rounded Rectangle 3">
-            <a:extLst>
-              <a:ext uri="{FF2B5EF4-FFF2-40B4-BE49-F238E27FC236}">
-                <a16:creationId xmlns:a16="http://schemas.microsoft.com/office/drawing/2014/main" id="{8135580B-CF64-B991-2473-7A4B6E189F4A}"/>
-              </a:ext>
-            </a:extLst>
-          </p:cNvPr>
-          <p:cNvSpPr/>
-          <p:nvPr/>
-        </p:nvSpPr>
-        <p:spPr>
-          <a:xfrm>
-            <a:off x="552261" y="3429000"/>
-            <a:ext cx="8293866" cy="1752600"/>
-          </a:xfrm>
-          <a:prstGeom prst="roundRect">
-            <a:avLst/>
-          </a:prstGeom>
-        </p:spPr>
-        <p:style>
-          <a:lnRef idx="2">
-            <a:schemeClr val="accent3">
-              <a:shade val="50000"/>
-            </a:schemeClr>
-          </a:lnRef>
-          <a:fillRef idx="1">
-            <a:schemeClr val="accent3"/>
-          </a:fillRef>
-          <a:effectRef idx="0">
-            <a:schemeClr val="accent3"/>
-          </a:effectRef>
-          <a:fontRef idx="minor">
-            <a:schemeClr val="lt1"/>
-          </a:fontRef>
-        </p:style>
-        <p:txBody>
-          <a:bodyPr rtlCol="0" anchor="ctr"/>
-          <a:lstStyle/>
-          <a:p>
-            <a:pPr algn="ctr"/>
-            <a:endParaRPr lang="en-US" dirty="0"/>
-          </a:p>
-        </p:txBody>
-      </p:sp>
-      <p:sp>
-        <p:nvSpPr>
-          <p:cNvPr id="5" name="Rounded Rectangle 4">
-            <a:extLst>
-              <a:ext uri="{FF2B5EF4-FFF2-40B4-BE49-F238E27FC236}">
-                <a16:creationId xmlns:a16="http://schemas.microsoft.com/office/drawing/2014/main" id="{D62B91DD-BEDE-44CE-4F4E-231E5B5E102A}"/>
-              </a:ext>
-            </a:extLst>
-          </p:cNvPr>
-          <p:cNvSpPr/>
-          <p:nvPr/>
-        </p:nvSpPr>
-        <p:spPr>
-          <a:xfrm>
-            <a:off x="990600" y="3924300"/>
-            <a:ext cx="1066800" cy="723900"/>
-          </a:xfrm>
-          <a:prstGeom prst="roundRect">
-            <a:avLst/>
-          </a:prstGeom>
-          <a:solidFill>
-            <a:schemeClr val="accent2"/>
-          </a:solidFill>
-        </p:spPr>
-        <p:style>
-          <a:lnRef idx="2">
-            <a:schemeClr val="accent1">
-              <a:shade val="50000"/>
-            </a:schemeClr>
-          </a:lnRef>
-          <a:fillRef idx="1">
-            <a:schemeClr val="accent1"/>
-          </a:fillRef>
-          <a:effectRef idx="0">
-            <a:schemeClr val="accent1"/>
-          </a:effectRef>
-          <a:fontRef idx="minor">
-            <a:schemeClr val="lt1"/>
-          </a:fontRef>
-        </p:style>
-        <p:txBody>
-          <a:bodyPr rtlCol="0" anchor="ctr"/>
-          <a:lstStyle/>
-          <a:p>
-            <a:pPr algn="ctr"/>
-            <a:r>
-              <a:rPr lang="en-US" dirty="0"/>
-              <a:t>Primary</a:t>
-            </a:r>
-          </a:p>
-          <a:p>
-            <a:pPr algn="ctr"/>
-            <a:r>
-              <a:rPr lang="en-US" dirty="0"/>
-              <a:t>Shard A</a:t>
-            </a:r>
-          </a:p>
-        </p:txBody>
-      </p:sp>
-      <p:sp>
-        <p:nvSpPr>
-          <p:cNvPr id="6" name="Rounded Rectangle 5">
-            <a:extLst>
-              <a:ext uri="{FF2B5EF4-FFF2-40B4-BE49-F238E27FC236}">
-                <a16:creationId xmlns:a16="http://schemas.microsoft.com/office/drawing/2014/main" id="{DD23A5FC-807D-0EA0-B2BE-BA05BDB91010}"/>
-              </a:ext>
-            </a:extLst>
-          </p:cNvPr>
-          <p:cNvSpPr/>
-          <p:nvPr/>
-        </p:nvSpPr>
-        <p:spPr>
-          <a:xfrm>
-            <a:off x="2071255" y="3924300"/>
-            <a:ext cx="1066800" cy="723900"/>
-          </a:xfrm>
-          <a:prstGeom prst="roundRect">
-            <a:avLst/>
-          </a:prstGeom>
-          <a:solidFill>
-            <a:schemeClr val="accent2"/>
-          </a:solidFill>
-        </p:spPr>
-        <p:style>
-          <a:lnRef idx="2">
-            <a:schemeClr val="accent1">
-              <a:shade val="50000"/>
-            </a:schemeClr>
-          </a:lnRef>
-          <a:fillRef idx="1">
-            <a:schemeClr val="accent1"/>
-          </a:fillRef>
-          <a:effectRef idx="0">
-            <a:schemeClr val="accent1"/>
-          </a:effectRef>
-          <a:fontRef idx="minor">
-            <a:schemeClr val="lt1"/>
-          </a:fontRef>
-        </p:style>
-        <p:txBody>
-          <a:bodyPr rtlCol="0" anchor="ctr"/>
-          <a:lstStyle/>
-          <a:p>
-            <a:pPr algn="ctr"/>
-            <a:r>
-              <a:rPr lang="en-US" dirty="0"/>
-              <a:t>Replica A1</a:t>
-            </a:r>
-          </a:p>
-        </p:txBody>
-      </p:sp>
-      <p:sp>
-        <p:nvSpPr>
-          <p:cNvPr id="7" name="Rounded Rectangle 6">
-            <a:extLst>
-              <a:ext uri="{FF2B5EF4-FFF2-40B4-BE49-F238E27FC236}">
-                <a16:creationId xmlns:a16="http://schemas.microsoft.com/office/drawing/2014/main" id="{58C7339B-CE71-4EE3-10F5-F894892D1D27}"/>
-              </a:ext>
-            </a:extLst>
-          </p:cNvPr>
-          <p:cNvSpPr/>
-          <p:nvPr/>
-        </p:nvSpPr>
-        <p:spPr>
-          <a:xfrm>
-            <a:off x="3138055" y="3924300"/>
-            <a:ext cx="1066800" cy="723900"/>
-          </a:xfrm>
-          <a:prstGeom prst="roundRect">
-            <a:avLst/>
-          </a:prstGeom>
-          <a:solidFill>
-            <a:schemeClr val="accent2"/>
-          </a:solidFill>
-        </p:spPr>
-        <p:style>
-          <a:lnRef idx="2">
-            <a:schemeClr val="accent1">
-              <a:shade val="50000"/>
-            </a:schemeClr>
-          </a:lnRef>
-          <a:fillRef idx="1">
-            <a:schemeClr val="accent1"/>
-          </a:fillRef>
-          <a:effectRef idx="0">
-            <a:schemeClr val="accent1"/>
-          </a:effectRef>
-          <a:fontRef idx="minor">
-            <a:schemeClr val="lt1"/>
-          </a:fontRef>
-        </p:style>
-        <p:txBody>
-          <a:bodyPr rtlCol="0" anchor="ctr"/>
-          <a:lstStyle/>
-          <a:p>
-            <a:pPr algn="ctr"/>
-            <a:r>
-              <a:rPr lang="en-US" dirty="0"/>
-              <a:t>Replica A2</a:t>
-            </a:r>
-          </a:p>
-        </p:txBody>
-      </p:sp>
-      <p:sp>
-        <p:nvSpPr>
-          <p:cNvPr id="8" name="Rounded Rectangle 7">
-            <a:extLst>
-              <a:ext uri="{FF2B5EF4-FFF2-40B4-BE49-F238E27FC236}">
-                <a16:creationId xmlns:a16="http://schemas.microsoft.com/office/drawing/2014/main" id="{D693A122-3995-4F48-A853-249D6D6A068D}"/>
-              </a:ext>
-            </a:extLst>
-          </p:cNvPr>
-          <p:cNvSpPr/>
-          <p:nvPr/>
-        </p:nvSpPr>
-        <p:spPr>
-          <a:xfrm>
-            <a:off x="5278582" y="3924300"/>
-            <a:ext cx="1066800" cy="723900"/>
-          </a:xfrm>
-          <a:prstGeom prst="roundRect">
-            <a:avLst/>
-          </a:prstGeom>
-          <a:solidFill>
-            <a:schemeClr val="accent2"/>
-          </a:solidFill>
-        </p:spPr>
-        <p:style>
-          <a:lnRef idx="2">
-            <a:schemeClr val="accent1">
-              <a:shade val="50000"/>
-            </a:schemeClr>
-          </a:lnRef>
-          <a:fillRef idx="1">
-            <a:schemeClr val="accent1"/>
-          </a:fillRef>
-          <a:effectRef idx="0">
-            <a:schemeClr val="accent1"/>
-          </a:effectRef>
-          <a:fontRef idx="minor">
-            <a:schemeClr val="lt1"/>
-          </a:fontRef>
-        </p:style>
-        <p:txBody>
-          <a:bodyPr rtlCol="0" anchor="ctr"/>
-          <a:lstStyle/>
-          <a:p>
-            <a:pPr algn="ctr"/>
-            <a:r>
-              <a:rPr lang="en-US" dirty="0"/>
-              <a:t>Primary</a:t>
-            </a:r>
-          </a:p>
-          <a:p>
-            <a:pPr algn="ctr"/>
-            <a:r>
-              <a:rPr lang="en-US" dirty="0"/>
-              <a:t>Shard B</a:t>
-            </a:r>
-          </a:p>
-        </p:txBody>
-      </p:sp>
-      <p:sp>
-        <p:nvSpPr>
-          <p:cNvPr id="9" name="Rounded Rectangle 8">
-            <a:extLst>
-              <a:ext uri="{FF2B5EF4-FFF2-40B4-BE49-F238E27FC236}">
-                <a16:creationId xmlns:a16="http://schemas.microsoft.com/office/drawing/2014/main" id="{113E6D66-64E7-473A-4260-8F631AB4AE4A}"/>
-              </a:ext>
-            </a:extLst>
-          </p:cNvPr>
-          <p:cNvSpPr/>
-          <p:nvPr/>
-        </p:nvSpPr>
-        <p:spPr>
-          <a:xfrm>
-            <a:off x="6359237" y="3924300"/>
-            <a:ext cx="1066800" cy="723900"/>
-          </a:xfrm>
-          <a:prstGeom prst="roundRect">
-            <a:avLst/>
-          </a:prstGeom>
-          <a:solidFill>
-            <a:schemeClr val="accent2"/>
-          </a:solidFill>
-        </p:spPr>
-        <p:style>
-          <a:lnRef idx="2">
-            <a:schemeClr val="accent1">
-              <a:shade val="50000"/>
-            </a:schemeClr>
-          </a:lnRef>
-          <a:fillRef idx="1">
-            <a:schemeClr val="accent1"/>
-          </a:fillRef>
-          <a:effectRef idx="0">
-            <a:schemeClr val="accent1"/>
-          </a:effectRef>
-          <a:fontRef idx="minor">
-            <a:schemeClr val="lt1"/>
-          </a:fontRef>
-        </p:style>
-        <p:txBody>
-          <a:bodyPr rtlCol="0" anchor="ctr"/>
-          <a:lstStyle/>
-          <a:p>
-            <a:pPr algn="ctr"/>
-            <a:r>
-              <a:rPr lang="en-US" dirty="0"/>
-              <a:t>Replica B1</a:t>
-            </a:r>
-          </a:p>
-        </p:txBody>
-      </p:sp>
-      <p:sp>
-        <p:nvSpPr>
-          <p:cNvPr id="10" name="Rounded Rectangle 9">
-            <a:extLst>
-              <a:ext uri="{FF2B5EF4-FFF2-40B4-BE49-F238E27FC236}">
-                <a16:creationId xmlns:a16="http://schemas.microsoft.com/office/drawing/2014/main" id="{A73D97DD-73C1-5E14-7BA8-9B0C55824E17}"/>
-              </a:ext>
-            </a:extLst>
-          </p:cNvPr>
-          <p:cNvSpPr/>
-          <p:nvPr/>
-        </p:nvSpPr>
-        <p:spPr>
-          <a:xfrm>
-            <a:off x="7416403" y="3943350"/>
-            <a:ext cx="1066800" cy="723900"/>
-          </a:xfrm>
-          <a:prstGeom prst="roundRect">
-            <a:avLst/>
-          </a:prstGeom>
-          <a:solidFill>
-            <a:schemeClr val="accent2"/>
-          </a:solidFill>
-        </p:spPr>
-        <p:style>
-          <a:lnRef idx="2">
-            <a:schemeClr val="accent1">
-              <a:shade val="50000"/>
-            </a:schemeClr>
-          </a:lnRef>
-          <a:fillRef idx="1">
-            <a:schemeClr val="accent1"/>
-          </a:fillRef>
-          <a:effectRef idx="0">
-            <a:schemeClr val="accent1"/>
-          </a:effectRef>
-          <a:fontRef idx="minor">
-            <a:schemeClr val="lt1"/>
-          </a:fontRef>
-        </p:style>
-        <p:txBody>
-          <a:bodyPr rtlCol="0" anchor="ctr"/>
-          <a:lstStyle/>
-          <a:p>
-            <a:pPr algn="ctr"/>
-            <a:r>
-              <a:rPr lang="en-US" dirty="0"/>
-              <a:t>Replica B2</a:t>
-            </a:r>
-          </a:p>
-        </p:txBody>
-      </p:sp>
-      <p:sp>
-        <p:nvSpPr>
-          <p:cNvPr id="11" name="Round Diagonal Corner Rectangle 10">
-            <a:extLst>
-              <a:ext uri="{FF2B5EF4-FFF2-40B4-BE49-F238E27FC236}">
-                <a16:creationId xmlns:a16="http://schemas.microsoft.com/office/drawing/2014/main" id="{F3D0532D-653E-FF83-4190-CCCA6B46E03B}"/>
-              </a:ext>
-            </a:extLst>
-          </p:cNvPr>
-          <p:cNvSpPr/>
-          <p:nvPr/>
-        </p:nvSpPr>
-        <p:spPr>
-          <a:xfrm>
-            <a:off x="848969" y="3733799"/>
-            <a:ext cx="3435549" cy="1026119"/>
-          </a:xfrm>
-          <a:prstGeom prst="round2DiagRect">
-            <a:avLst/>
-          </a:prstGeom>
-          <a:noFill/>
-          <a:ln>
-            <a:solidFill>
-              <a:schemeClr val="bg1"/>
-            </a:solidFill>
-          </a:ln>
-        </p:spPr>
-        <p:style>
-          <a:lnRef idx="2">
-            <a:schemeClr val="accent1">
-              <a:shade val="50000"/>
-            </a:schemeClr>
-          </a:lnRef>
-          <a:fillRef idx="1">
-            <a:schemeClr val="accent1"/>
-          </a:fillRef>
-          <a:effectRef idx="0">
-            <a:schemeClr val="accent1"/>
-          </a:effectRef>
-          <a:fontRef idx="minor">
-            <a:schemeClr val="lt1"/>
-          </a:fontRef>
-        </p:style>
-        <p:txBody>
-          <a:bodyPr rtlCol="0" anchor="ctr"/>
-          <a:lstStyle/>
-          <a:p>
-            <a:pPr algn="ctr"/>
-            <a:endParaRPr lang="en-US"/>
-          </a:p>
-        </p:txBody>
-      </p:sp>
-      <p:sp>
-        <p:nvSpPr>
-          <p:cNvPr id="12" name="Round Diagonal Corner Rectangle 11">
-            <a:extLst>
-              <a:ext uri="{FF2B5EF4-FFF2-40B4-BE49-F238E27FC236}">
-                <a16:creationId xmlns:a16="http://schemas.microsoft.com/office/drawing/2014/main" id="{E73B96D5-A312-3C2F-1312-3758DB384966}"/>
-              </a:ext>
-            </a:extLst>
-          </p:cNvPr>
-          <p:cNvSpPr/>
-          <p:nvPr/>
-        </p:nvSpPr>
-        <p:spPr>
-          <a:xfrm>
-            <a:off x="5163117" y="3733800"/>
-            <a:ext cx="3435549" cy="1026118"/>
-          </a:xfrm>
-          <a:prstGeom prst="round2DiagRect">
-            <a:avLst/>
-          </a:prstGeom>
-          <a:noFill/>
-          <a:ln>
-            <a:solidFill>
-              <a:schemeClr val="bg1"/>
-            </a:solidFill>
-          </a:ln>
-        </p:spPr>
-        <p:style>
-          <a:lnRef idx="2">
-            <a:schemeClr val="accent1">
-              <a:shade val="50000"/>
-            </a:schemeClr>
-          </a:lnRef>
-          <a:fillRef idx="1">
-            <a:schemeClr val="accent1"/>
-          </a:fillRef>
-          <a:effectRef idx="0">
-            <a:schemeClr val="accent1"/>
-          </a:effectRef>
-          <a:fontRef idx="minor">
-            <a:schemeClr val="lt1"/>
-          </a:fontRef>
-        </p:style>
-        <p:txBody>
-          <a:bodyPr rtlCol="0" anchor="ctr"/>
-          <a:lstStyle/>
-          <a:p>
-            <a:pPr algn="ctr"/>
-            <a:endParaRPr lang="en-US">
-              <a:noFill/>
-            </a:endParaRPr>
-          </a:p>
-        </p:txBody>
-      </p:sp>
-      <p:sp>
-        <p:nvSpPr>
-          <p:cNvPr id="13" name="TextBox 12">
-            <a:extLst>
-              <a:ext uri="{FF2B5EF4-FFF2-40B4-BE49-F238E27FC236}">
-                <a16:creationId xmlns:a16="http://schemas.microsoft.com/office/drawing/2014/main" id="{81F6D069-CAF8-C053-E793-4D21666CE074}"/>
-              </a:ext>
-            </a:extLst>
-          </p:cNvPr>
-          <p:cNvSpPr txBox="1"/>
-          <p:nvPr/>
-        </p:nvSpPr>
-        <p:spPr>
-          <a:xfrm>
-            <a:off x="1423744" y="4836119"/>
-            <a:ext cx="2286000" cy="338554"/>
-          </a:xfrm>
-          <a:prstGeom prst="rect">
-            <a:avLst/>
-          </a:prstGeom>
-          <a:noFill/>
-        </p:spPr>
-        <p:txBody>
-          <a:bodyPr wrap="square" rtlCol="0">
-            <a:spAutoFit/>
-          </a:bodyPr>
-          <a:lstStyle/>
-          <a:p>
-            <a:r>
-              <a:rPr lang="en-US" sz="1600" dirty="0"/>
-              <a:t>Replication Group A</a:t>
-            </a:r>
-          </a:p>
-        </p:txBody>
-      </p:sp>
-      <p:sp>
-        <p:nvSpPr>
-          <p:cNvPr id="14" name="TextBox 13">
-            <a:extLst>
-              <a:ext uri="{FF2B5EF4-FFF2-40B4-BE49-F238E27FC236}">
-                <a16:creationId xmlns:a16="http://schemas.microsoft.com/office/drawing/2014/main" id="{7F90D7BA-F9D6-1667-A550-22F4CCB73E71}"/>
-              </a:ext>
-            </a:extLst>
-          </p:cNvPr>
-          <p:cNvSpPr txBox="1"/>
-          <p:nvPr/>
-        </p:nvSpPr>
-        <p:spPr>
-          <a:xfrm>
-            <a:off x="5749637" y="4836119"/>
-            <a:ext cx="2286000" cy="338554"/>
-          </a:xfrm>
-          <a:prstGeom prst="rect">
-            <a:avLst/>
-          </a:prstGeom>
-          <a:noFill/>
-        </p:spPr>
-        <p:txBody>
-          <a:bodyPr wrap="square" rtlCol="0">
-            <a:spAutoFit/>
-          </a:bodyPr>
-          <a:lstStyle/>
-          <a:p>
-            <a:r>
-              <a:rPr lang="en-US" sz="1600" dirty="0"/>
-              <a:t>Replication Group B</a:t>
+              <a:t>Advantages Of Sharding</a:t>
             </a:r>
           </a:p>
         </p:txBody>
@@ -7304,13 +7074,21 @@
     </p:spTree>
     <p:extLst>
       <p:ext uri="{BB962C8B-B14F-4D97-AF65-F5344CB8AC3E}">
-        <p14:creationId xmlns:p14="http://schemas.microsoft.com/office/powerpoint/2010/main" val="1340522710"/>
+        <p14:creationId xmlns:p14="http://schemas.microsoft.com/office/powerpoint/2010/main" val="838528800"/>
       </p:ext>
     </p:extLst>
   </p:cSld>
   <p:clrMapOvr>
     <a:masterClrMapping/>
   </p:clrMapOvr>
+  <mc:AlternateContent xmlns:mc="http://schemas.openxmlformats.org/markup-compatibility/2006">
+    <mc:Choice xmlns:p14="http://schemas.microsoft.com/office/powerpoint/2010/main" Requires="p14">
+      <p:transition spd="slow" p14:dur="2000" advClick="0"/>
+    </mc:Choice>
+    <mc:Fallback>
+      <p:transition spd="slow" advClick="0"/>
+    </mc:Fallback>
+  </mc:AlternateContent>
 </p:sld>
 </file>
 
@@ -7333,6 +7111,45 @@
       </p:grpSpPr>
       <p:sp>
         <p:nvSpPr>
+          <p:cNvPr id="2" name="Content Placeholder 1">
+            <a:extLst>
+              <a:ext uri="{FF2B5EF4-FFF2-40B4-BE49-F238E27FC236}">
+                <a16:creationId xmlns:a16="http://schemas.microsoft.com/office/drawing/2014/main" id="{DEBACB70-EE0E-8D9D-269A-855FD2B5D1E6}"/>
+              </a:ext>
+            </a:extLst>
+          </p:cNvPr>
+          <p:cNvSpPr>
+            <a:spLocks noGrp="1"/>
+          </p:cNvSpPr>
+          <p:nvPr>
+            <p:ph idx="1"/>
+          </p:nvPr>
+        </p:nvSpPr>
+        <p:spPr>
+          <a:xfrm>
+            <a:off x="457200" y="1371600"/>
+            <a:ext cx="8534400" cy="4648200"/>
+          </a:xfrm>
+        </p:spPr>
+        <p:txBody>
+          <a:bodyPr/>
+          <a:lstStyle/>
+          <a:p>
+            <a:r>
+              <a:rPr lang="en-US" dirty="0"/>
+              <a:t>ES supports replication in order to achieve fault tolerance and node failovers.</a:t>
+            </a:r>
+          </a:p>
+          <a:p>
+            <a:r>
+              <a:rPr lang="en-US" dirty="0"/>
+              <a:t>Replication is configured at index level and is enabled by default to 1.</a:t>
+            </a:r>
+          </a:p>
+        </p:txBody>
+      </p:sp>
+      <p:sp>
+        <p:nvSpPr>
           <p:cNvPr id="3" name="Title 2">
             <a:extLst>
               <a:ext uri="{FF2B5EF4-FFF2-40B4-BE49-F238E27FC236}">
@@ -7347,29 +7164,24 @@
             <p:ph type="title"/>
           </p:nvPr>
         </p:nvSpPr>
-        <p:spPr>
-          <a:xfrm>
-            <a:off x="450273" y="122959"/>
-            <a:ext cx="7543800" cy="1066800"/>
-          </a:xfrm>
-        </p:spPr>
+        <p:spPr/>
         <p:txBody>
           <a:bodyPr/>
           <a:lstStyle/>
           <a:p>
             <a:r>
               <a:rPr lang="en-US" dirty="0"/>
-              <a:t>Advantages Of Sharding</a:t>
-            </a:r>
-          </a:p>
-        </p:txBody>
-      </p:sp>
-      <p:sp>
-        <p:nvSpPr>
-          <p:cNvPr id="6" name="Oval 5">
+              <a:t>Replication</a:t>
+            </a:r>
+          </a:p>
+        </p:txBody>
+      </p:sp>
+      <p:sp>
+        <p:nvSpPr>
+          <p:cNvPr id="4" name="Rounded Rectangle 3">
             <a:extLst>
               <a:ext uri="{FF2B5EF4-FFF2-40B4-BE49-F238E27FC236}">
-                <a16:creationId xmlns:a16="http://schemas.microsoft.com/office/drawing/2014/main" id="{7F280343-DF72-8C56-79B3-C8FF93E6D2E0}"/>
+                <a16:creationId xmlns:a16="http://schemas.microsoft.com/office/drawing/2014/main" id="{8135580B-CF64-B991-2473-7A4B6E189F4A}"/>
               </a:ext>
             </a:extLst>
           </p:cNvPr>
@@ -7378,10 +7190,10 @@
         </p:nvSpPr>
         <p:spPr>
           <a:xfrm>
-            <a:off x="308264" y="2112818"/>
-            <a:ext cx="3913909" cy="3401291"/>
-          </a:xfrm>
-          <a:prstGeom prst="ellipse">
+            <a:off x="552261" y="3429000"/>
+            <a:ext cx="8293866" cy="1752600"/>
+          </a:xfrm>
+          <a:prstGeom prst="roundRect">
             <a:avLst/>
           </a:prstGeom>
         </p:spPr>
@@ -7406,16 +7218,16 @@
           <a:lstStyle/>
           <a:p>
             <a:pPr algn="ctr"/>
-            <a:endParaRPr lang="en-US"/>
-          </a:p>
-        </p:txBody>
-      </p:sp>
-      <p:sp>
-        <p:nvSpPr>
-          <p:cNvPr id="7" name="Rounded Rectangle 6">
+            <a:endParaRPr lang="en-US" dirty="0"/>
+          </a:p>
+        </p:txBody>
+      </p:sp>
+      <p:sp>
+        <p:nvSpPr>
+          <p:cNvPr id="5" name="Rounded Rectangle 4">
             <a:extLst>
               <a:ext uri="{FF2B5EF4-FFF2-40B4-BE49-F238E27FC236}">
-                <a16:creationId xmlns:a16="http://schemas.microsoft.com/office/drawing/2014/main" id="{EB02D9F5-97D2-056B-E206-F17321FFEBD4}"/>
+                <a16:creationId xmlns:a16="http://schemas.microsoft.com/office/drawing/2014/main" id="{D62B91DD-BEDE-44CE-4F4E-231E5B5E102A}"/>
               </a:ext>
             </a:extLst>
           </p:cNvPr>
@@ -7424,12 +7236,15 @@
         </p:nvSpPr>
         <p:spPr>
           <a:xfrm>
-            <a:off x="1350818" y="2892137"/>
-            <a:ext cx="1828800" cy="536863"/>
+            <a:off x="990600" y="3924300"/>
+            <a:ext cx="1066800" cy="723900"/>
           </a:xfrm>
           <a:prstGeom prst="roundRect">
             <a:avLst/>
           </a:prstGeom>
+          <a:solidFill>
+            <a:schemeClr val="accent2"/>
+          </a:solidFill>
         </p:spPr>
         <p:style>
           <a:lnRef idx="2">
@@ -7453,18 +7268,25 @@
           <a:p>
             <a:pPr algn="ctr"/>
             <a:r>
-              <a:rPr lang="en-US" sz="1600" dirty="0"/>
-              <a:t>Primary Shard A</a:t>
-            </a:r>
-          </a:p>
-        </p:txBody>
-      </p:sp>
-      <p:sp>
-        <p:nvSpPr>
-          <p:cNvPr id="8" name="Rounded Rectangle 7">
+              <a:rPr lang="en-US" dirty="0"/>
+              <a:t>Primary</a:t>
+            </a:r>
+          </a:p>
+          <a:p>
+            <a:pPr algn="ctr"/>
+            <a:r>
+              <a:rPr lang="en-US" dirty="0"/>
+              <a:t>Shard A</a:t>
+            </a:r>
+          </a:p>
+        </p:txBody>
+      </p:sp>
+      <p:sp>
+        <p:nvSpPr>
+          <p:cNvPr id="6" name="Rounded Rectangle 5">
             <a:extLst>
               <a:ext uri="{FF2B5EF4-FFF2-40B4-BE49-F238E27FC236}">
-                <a16:creationId xmlns:a16="http://schemas.microsoft.com/office/drawing/2014/main" id="{717E1503-00E0-FC6C-302E-F785961E03AB}"/>
+                <a16:creationId xmlns:a16="http://schemas.microsoft.com/office/drawing/2014/main" id="{DD23A5FC-807D-0EA0-B2BE-BA05BDB91010}"/>
               </a:ext>
             </a:extLst>
           </p:cNvPr>
@@ -7473,12 +7295,15 @@
         </p:nvSpPr>
         <p:spPr>
           <a:xfrm>
-            <a:off x="1350818" y="3764973"/>
-            <a:ext cx="1828800" cy="536863"/>
+            <a:off x="2071255" y="3924300"/>
+            <a:ext cx="1066800" cy="723900"/>
           </a:xfrm>
           <a:prstGeom prst="roundRect">
             <a:avLst/>
           </a:prstGeom>
+          <a:solidFill>
+            <a:schemeClr val="accent2"/>
+          </a:solidFill>
         </p:spPr>
         <p:style>
           <a:lnRef idx="2">
@@ -7502,18 +7327,18 @@
           <a:p>
             <a:pPr algn="ctr"/>
             <a:r>
-              <a:rPr lang="en-US" sz="1600" dirty="0"/>
-              <a:t>Primary Shard B1</a:t>
-            </a:r>
-          </a:p>
-        </p:txBody>
-      </p:sp>
-      <p:sp>
-        <p:nvSpPr>
-          <p:cNvPr id="9" name="Rounded Rectangle 8">
+              <a:rPr lang="en-US" dirty="0"/>
+              <a:t>Replica A1</a:t>
+            </a:r>
+          </a:p>
+        </p:txBody>
+      </p:sp>
+      <p:sp>
+        <p:nvSpPr>
+          <p:cNvPr id="7" name="Rounded Rectangle 6">
             <a:extLst>
               <a:ext uri="{FF2B5EF4-FFF2-40B4-BE49-F238E27FC236}">
-                <a16:creationId xmlns:a16="http://schemas.microsoft.com/office/drawing/2014/main" id="{22A7EF8F-B837-D127-F142-D05D9C1FEBC2}"/>
+                <a16:creationId xmlns:a16="http://schemas.microsoft.com/office/drawing/2014/main" id="{58C7339B-CE71-4EE3-10F5-F894892D1D27}"/>
               </a:ext>
             </a:extLst>
           </p:cNvPr>
@@ -7522,12 +7347,15 @@
         </p:nvSpPr>
         <p:spPr>
           <a:xfrm>
-            <a:off x="1350818" y="4613565"/>
-            <a:ext cx="1828800" cy="536863"/>
+            <a:off x="3138055" y="3924300"/>
+            <a:ext cx="1066800" cy="723900"/>
           </a:xfrm>
           <a:prstGeom prst="roundRect">
             <a:avLst/>
           </a:prstGeom>
+          <a:solidFill>
+            <a:schemeClr val="accent2"/>
+          </a:solidFill>
         </p:spPr>
         <p:style>
           <a:lnRef idx="2">
@@ -7551,18 +7379,18 @@
           <a:p>
             <a:pPr algn="ctr"/>
             <a:r>
-              <a:rPr lang="en-US" sz="1600" dirty="0"/>
-              <a:t>Primary Shard B2</a:t>
-            </a:r>
-          </a:p>
-        </p:txBody>
-      </p:sp>
-      <p:sp>
-        <p:nvSpPr>
-          <p:cNvPr id="16" name="Oval 15">
+              <a:rPr lang="en-US" dirty="0"/>
+              <a:t>Replica A2</a:t>
+            </a:r>
+          </a:p>
+        </p:txBody>
+      </p:sp>
+      <p:sp>
+        <p:nvSpPr>
+          <p:cNvPr id="8" name="Rounded Rectangle 7">
             <a:extLst>
               <a:ext uri="{FF2B5EF4-FFF2-40B4-BE49-F238E27FC236}">
-                <a16:creationId xmlns:a16="http://schemas.microsoft.com/office/drawing/2014/main" id="{44FBB650-BA91-CB95-2452-82FF2969B4FD}"/>
+                <a16:creationId xmlns:a16="http://schemas.microsoft.com/office/drawing/2014/main" id="{D693A122-3995-4F48-A853-249D6D6A068D}"/>
               </a:ext>
             </a:extLst>
           </p:cNvPr>
@@ -7571,61 +7399,15 @@
         </p:nvSpPr>
         <p:spPr>
           <a:xfrm>
-            <a:off x="5105399" y="2119745"/>
-            <a:ext cx="3913909" cy="3401291"/>
-          </a:xfrm>
-          <a:prstGeom prst="ellipse">
+            <a:off x="5278582" y="3924300"/>
+            <a:ext cx="1066800" cy="723900"/>
+          </a:xfrm>
+          <a:prstGeom prst="roundRect">
             <a:avLst/>
           </a:prstGeom>
           <a:solidFill>
-            <a:schemeClr val="accent6"/>
+            <a:schemeClr val="accent2"/>
           </a:solidFill>
-        </p:spPr>
-        <p:style>
-          <a:lnRef idx="2">
-            <a:schemeClr val="accent3">
-              <a:shade val="50000"/>
-            </a:schemeClr>
-          </a:lnRef>
-          <a:fillRef idx="1">
-            <a:schemeClr val="accent3"/>
-          </a:fillRef>
-          <a:effectRef idx="0">
-            <a:schemeClr val="accent3"/>
-          </a:effectRef>
-          <a:fontRef idx="minor">
-            <a:schemeClr val="lt1"/>
-          </a:fontRef>
-        </p:style>
-        <p:txBody>
-          <a:bodyPr rtlCol="0" anchor="ctr"/>
-          <a:lstStyle/>
-          <a:p>
-            <a:pPr algn="ctr"/>
-            <a:endParaRPr lang="en-US" dirty="0"/>
-          </a:p>
-        </p:txBody>
-      </p:sp>
-      <p:sp>
-        <p:nvSpPr>
-          <p:cNvPr id="17" name="Rounded Rectangle 16">
-            <a:extLst>
-              <a:ext uri="{FF2B5EF4-FFF2-40B4-BE49-F238E27FC236}">
-                <a16:creationId xmlns:a16="http://schemas.microsoft.com/office/drawing/2014/main" id="{C1A21A64-C133-9F83-20CE-A11484C9E510}"/>
-              </a:ext>
-            </a:extLst>
-          </p:cNvPr>
-          <p:cNvSpPr/>
-          <p:nvPr/>
-        </p:nvSpPr>
-        <p:spPr>
-          <a:xfrm>
-            <a:off x="6147954" y="2892137"/>
-            <a:ext cx="1828800" cy="536863"/>
-          </a:xfrm>
-          <a:prstGeom prst="roundRect">
-            <a:avLst/>
-          </a:prstGeom>
         </p:spPr>
         <p:style>
           <a:lnRef idx="2">
@@ -7649,18 +7431,25 @@
           <a:p>
             <a:pPr algn="ctr"/>
             <a:r>
-              <a:rPr lang="en-US" sz="1600" dirty="0"/>
-              <a:t>Primary Shard B</a:t>
-            </a:r>
-          </a:p>
-        </p:txBody>
-      </p:sp>
-      <p:sp>
-        <p:nvSpPr>
-          <p:cNvPr id="18" name="Rounded Rectangle 17">
+              <a:rPr lang="en-US" dirty="0"/>
+              <a:t>Primary</a:t>
+            </a:r>
+          </a:p>
+          <a:p>
+            <a:pPr algn="ctr"/>
+            <a:r>
+              <a:rPr lang="en-US" dirty="0"/>
+              <a:t>Shard B</a:t>
+            </a:r>
+          </a:p>
+        </p:txBody>
+      </p:sp>
+      <p:sp>
+        <p:nvSpPr>
+          <p:cNvPr id="9" name="Rounded Rectangle 8">
             <a:extLst>
               <a:ext uri="{FF2B5EF4-FFF2-40B4-BE49-F238E27FC236}">
-                <a16:creationId xmlns:a16="http://schemas.microsoft.com/office/drawing/2014/main" id="{7D24284B-D163-E3D5-C442-B761EE3C5C3E}"/>
+                <a16:creationId xmlns:a16="http://schemas.microsoft.com/office/drawing/2014/main" id="{113E6D66-64E7-473A-4260-8F631AB4AE4A}"/>
               </a:ext>
             </a:extLst>
           </p:cNvPr>
@@ -7669,12 +7458,15 @@
         </p:nvSpPr>
         <p:spPr>
           <a:xfrm>
-            <a:off x="6147954" y="3764973"/>
-            <a:ext cx="1828800" cy="536863"/>
+            <a:off x="6359237" y="3924300"/>
+            <a:ext cx="1066800" cy="723900"/>
           </a:xfrm>
           <a:prstGeom prst="roundRect">
             <a:avLst/>
           </a:prstGeom>
+          <a:solidFill>
+            <a:schemeClr val="accent2"/>
+          </a:solidFill>
         </p:spPr>
         <p:style>
           <a:lnRef idx="2">
@@ -7698,18 +7490,18 @@
           <a:p>
             <a:pPr algn="ctr"/>
             <a:r>
-              <a:rPr lang="en-US" sz="1600" dirty="0"/>
-              <a:t>Primary Shard A1</a:t>
-            </a:r>
-          </a:p>
-        </p:txBody>
-      </p:sp>
-      <p:sp>
-        <p:nvSpPr>
-          <p:cNvPr id="19" name="Rounded Rectangle 18">
+              <a:rPr lang="en-US" dirty="0"/>
+              <a:t>Replica B1</a:t>
+            </a:r>
+          </a:p>
+        </p:txBody>
+      </p:sp>
+      <p:sp>
+        <p:nvSpPr>
+          <p:cNvPr id="10" name="Rounded Rectangle 9">
             <a:extLst>
               <a:ext uri="{FF2B5EF4-FFF2-40B4-BE49-F238E27FC236}">
-                <a16:creationId xmlns:a16="http://schemas.microsoft.com/office/drawing/2014/main" id="{6A14C318-8D5B-32AB-B349-7A479750736F}"/>
+                <a16:creationId xmlns:a16="http://schemas.microsoft.com/office/drawing/2014/main" id="{A73D97DD-73C1-5E14-7BA8-9B0C55824E17}"/>
               </a:ext>
             </a:extLst>
           </p:cNvPr>
@@ -7718,12 +7510,15 @@
         </p:nvSpPr>
         <p:spPr>
           <a:xfrm>
-            <a:off x="6147954" y="4613565"/>
-            <a:ext cx="1828800" cy="536863"/>
+            <a:off x="7416403" y="3943350"/>
+            <a:ext cx="1066800" cy="723900"/>
           </a:xfrm>
           <a:prstGeom prst="roundRect">
             <a:avLst/>
           </a:prstGeom>
+          <a:solidFill>
+            <a:schemeClr val="accent2"/>
+          </a:solidFill>
         </p:spPr>
         <p:style>
           <a:lnRef idx="2">
@@ -7747,18 +7542,124 @@
           <a:p>
             <a:pPr algn="ctr"/>
             <a:r>
-              <a:rPr lang="en-US" sz="1600" dirty="0"/>
-              <a:t>Primary Shard A2</a:t>
-            </a:r>
-          </a:p>
-        </p:txBody>
-      </p:sp>
-      <p:sp>
-        <p:nvSpPr>
-          <p:cNvPr id="20" name="TextBox 19">
+              <a:rPr lang="en-US" dirty="0"/>
+              <a:t>Replica B2</a:t>
+            </a:r>
+          </a:p>
+        </p:txBody>
+      </p:sp>
+      <p:sp>
+        <p:nvSpPr>
+          <p:cNvPr id="11" name="Round Diagonal Corner Rectangle 10">
             <a:extLst>
               <a:ext uri="{FF2B5EF4-FFF2-40B4-BE49-F238E27FC236}">
-                <a16:creationId xmlns:a16="http://schemas.microsoft.com/office/drawing/2014/main" id="{9E24CC30-4BA7-2172-F4F1-1D55D74E04B6}"/>
+                <a16:creationId xmlns:a16="http://schemas.microsoft.com/office/drawing/2014/main" id="{F3D0532D-653E-FF83-4190-CCCA6B46E03B}"/>
+              </a:ext>
+            </a:extLst>
+          </p:cNvPr>
+          <p:cNvSpPr/>
+          <p:nvPr/>
+        </p:nvSpPr>
+        <p:spPr>
+          <a:xfrm>
+            <a:off x="848969" y="3733799"/>
+            <a:ext cx="3435549" cy="1026119"/>
+          </a:xfrm>
+          <a:prstGeom prst="round2DiagRect">
+            <a:avLst/>
+          </a:prstGeom>
+          <a:noFill/>
+          <a:ln>
+            <a:solidFill>
+              <a:schemeClr val="bg1"/>
+            </a:solidFill>
+          </a:ln>
+        </p:spPr>
+        <p:style>
+          <a:lnRef idx="2">
+            <a:schemeClr val="accent1">
+              <a:shade val="50000"/>
+            </a:schemeClr>
+          </a:lnRef>
+          <a:fillRef idx="1">
+            <a:schemeClr val="accent1"/>
+          </a:fillRef>
+          <a:effectRef idx="0">
+            <a:schemeClr val="accent1"/>
+          </a:effectRef>
+          <a:fontRef idx="minor">
+            <a:schemeClr val="lt1"/>
+          </a:fontRef>
+        </p:style>
+        <p:txBody>
+          <a:bodyPr rtlCol="0" anchor="ctr"/>
+          <a:lstStyle/>
+          <a:p>
+            <a:pPr algn="ctr"/>
+            <a:endParaRPr lang="en-US"/>
+          </a:p>
+        </p:txBody>
+      </p:sp>
+      <p:sp>
+        <p:nvSpPr>
+          <p:cNvPr id="12" name="Round Diagonal Corner Rectangle 11">
+            <a:extLst>
+              <a:ext uri="{FF2B5EF4-FFF2-40B4-BE49-F238E27FC236}">
+                <a16:creationId xmlns:a16="http://schemas.microsoft.com/office/drawing/2014/main" id="{E73B96D5-A312-3C2F-1312-3758DB384966}"/>
+              </a:ext>
+            </a:extLst>
+          </p:cNvPr>
+          <p:cNvSpPr/>
+          <p:nvPr/>
+        </p:nvSpPr>
+        <p:spPr>
+          <a:xfrm>
+            <a:off x="5163117" y="3733800"/>
+            <a:ext cx="3435549" cy="1026118"/>
+          </a:xfrm>
+          <a:prstGeom prst="round2DiagRect">
+            <a:avLst/>
+          </a:prstGeom>
+          <a:noFill/>
+          <a:ln>
+            <a:solidFill>
+              <a:schemeClr val="bg1"/>
+            </a:solidFill>
+          </a:ln>
+        </p:spPr>
+        <p:style>
+          <a:lnRef idx="2">
+            <a:schemeClr val="accent1">
+              <a:shade val="50000"/>
+            </a:schemeClr>
+          </a:lnRef>
+          <a:fillRef idx="1">
+            <a:schemeClr val="accent1"/>
+          </a:fillRef>
+          <a:effectRef idx="0">
+            <a:schemeClr val="accent1"/>
+          </a:effectRef>
+          <a:fontRef idx="minor">
+            <a:schemeClr val="lt1"/>
+          </a:fontRef>
+        </p:style>
+        <p:txBody>
+          <a:bodyPr rtlCol="0" anchor="ctr"/>
+          <a:lstStyle/>
+          <a:p>
+            <a:pPr algn="ctr"/>
+            <a:endParaRPr lang="en-US">
+              <a:noFill/>
+            </a:endParaRPr>
+          </a:p>
+        </p:txBody>
+      </p:sp>
+      <p:sp>
+        <p:nvSpPr>
+          <p:cNvPr id="13" name="TextBox 12">
+            <a:extLst>
+              <a:ext uri="{FF2B5EF4-FFF2-40B4-BE49-F238E27FC236}">
+                <a16:creationId xmlns:a16="http://schemas.microsoft.com/office/drawing/2014/main" id="{81F6D069-CAF8-C053-E793-4D21666CE074}"/>
               </a:ext>
             </a:extLst>
           </p:cNvPr>
@@ -7767,8 +7668,8 @@
         </p:nvSpPr>
         <p:spPr>
           <a:xfrm>
-            <a:off x="1492827" y="2389908"/>
-            <a:ext cx="1544782" cy="381000"/>
+            <a:off x="1423744" y="4836119"/>
+            <a:ext cx="2286000" cy="338554"/>
           </a:xfrm>
           <a:prstGeom prst="rect">
             <a:avLst/>
@@ -7781,20 +7682,19 @@
           </a:bodyPr>
           <a:lstStyle/>
           <a:p>
-            <a:pPr algn="ctr"/>
-            <a:r>
-              <a:rPr lang="en-US" b="1" dirty="0"/>
-              <a:t>Node A</a:t>
-            </a:r>
-          </a:p>
-        </p:txBody>
-      </p:sp>
-      <p:sp>
-        <p:nvSpPr>
-          <p:cNvPr id="21" name="TextBox 20">
+            <a:r>
+              <a:rPr lang="en-US" sz="1600" dirty="0"/>
+              <a:t>Replication Group A</a:t>
+            </a:r>
+          </a:p>
+        </p:txBody>
+      </p:sp>
+      <p:sp>
+        <p:nvSpPr>
+          <p:cNvPr id="14" name="TextBox 13">
             <a:extLst>
               <a:ext uri="{FF2B5EF4-FFF2-40B4-BE49-F238E27FC236}">
-                <a16:creationId xmlns:a16="http://schemas.microsoft.com/office/drawing/2014/main" id="{6E14A492-6F44-95B8-2C35-6BDFC508CC0E}"/>
+                <a16:creationId xmlns:a16="http://schemas.microsoft.com/office/drawing/2014/main" id="{7F90D7BA-F9D6-1667-A550-22F4CCB73E71}"/>
               </a:ext>
             </a:extLst>
           </p:cNvPr>
@@ -7803,8 +7703,8 @@
         </p:nvSpPr>
         <p:spPr>
           <a:xfrm>
-            <a:off x="6289962" y="2365664"/>
-            <a:ext cx="1544782" cy="381000"/>
+            <a:off x="5749637" y="4836119"/>
+            <a:ext cx="2286000" cy="338554"/>
           </a:xfrm>
           <a:prstGeom prst="rect">
             <a:avLst/>
@@ -7817,10 +7717,9 @@
           </a:bodyPr>
           <a:lstStyle/>
           <a:p>
-            <a:pPr algn="ctr"/>
-            <a:r>
-              <a:rPr lang="en-US" b="1" dirty="0"/>
-              <a:t>Node B</a:t>
+            <a:r>
+              <a:rPr lang="en-US" sz="1600" dirty="0"/>
+              <a:t>Replication Group B</a:t>
             </a:r>
           </a:p>
         </p:txBody>
@@ -7828,13 +7727,21 @@
     </p:spTree>
     <p:extLst>
       <p:ext uri="{BB962C8B-B14F-4D97-AF65-F5344CB8AC3E}">
-        <p14:creationId xmlns:p14="http://schemas.microsoft.com/office/powerpoint/2010/main" val="3612984716"/>
+        <p14:creationId xmlns:p14="http://schemas.microsoft.com/office/powerpoint/2010/main" val="1340522710"/>
       </p:ext>
     </p:extLst>
   </p:cSld>
   <p:clrMapOvr>
     <a:masterClrMapping/>
   </p:clrMapOvr>
+  <mc:AlternateContent xmlns:mc="http://schemas.openxmlformats.org/markup-compatibility/2006">
+    <mc:Choice xmlns:p14="http://schemas.microsoft.com/office/powerpoint/2010/main" Requires="p14">
+      <p:transition spd="slow" p14:dur="2000" advClick="0"/>
+    </mc:Choice>
+    <mc:Fallback>
+      <p:transition spd="slow" advClick="0"/>
+    </mc:Fallback>
+  </mc:AlternateContent>
 </p:sld>
 </file>
 
@@ -7855,44 +7762,12 @@
           <a:chExt cx="0" cy="0"/>
         </a:xfrm>
       </p:grpSpPr>
-      <p:pic>
-        <p:nvPicPr>
-          <p:cNvPr id="4" name="Content Placeholder 3">
-            <a:extLst>
-              <a:ext uri="{FF2B5EF4-FFF2-40B4-BE49-F238E27FC236}">
-                <a16:creationId xmlns:a16="http://schemas.microsoft.com/office/drawing/2014/main" id="{687F0F65-BEE1-7EC9-6226-6CA56EFA1E0D}"/>
-              </a:ext>
-            </a:extLst>
-          </p:cNvPr>
-          <p:cNvPicPr>
-            <a:picLocks noGrp="1" noChangeAspect="1"/>
-          </p:cNvPicPr>
-          <p:nvPr>
-            <p:ph idx="1"/>
-          </p:nvPr>
-        </p:nvPicPr>
-        <p:blipFill>
-          <a:blip r:embed="rId3"/>
-          <a:stretch>
-            <a:fillRect/>
-          </a:stretch>
-        </p:blipFill>
-        <p:spPr>
-          <a:xfrm>
-            <a:off x="457200" y="1524000"/>
-            <a:ext cx="4432300" cy="4330700"/>
-          </a:xfrm>
-          <a:prstGeom prst="rect">
-            <a:avLst/>
-          </a:prstGeom>
-        </p:spPr>
-      </p:pic>
       <p:sp>
         <p:nvSpPr>
           <p:cNvPr id="3" name="Title 2">
             <a:extLst>
               <a:ext uri="{FF2B5EF4-FFF2-40B4-BE49-F238E27FC236}">
-                <a16:creationId xmlns:a16="http://schemas.microsoft.com/office/drawing/2014/main" id="{EF0A2440-C2EA-3203-8F1D-795BFFC9E4B8}"/>
+                <a16:creationId xmlns:a16="http://schemas.microsoft.com/office/drawing/2014/main" id="{409BB3EC-A9ED-E754-9A79-7CF94A4A56F9}"/>
               </a:ext>
             </a:extLst>
           </p:cNvPr>
@@ -7903,14 +7778,480 @@
             <p:ph type="title"/>
           </p:nvPr>
         </p:nvSpPr>
-        <p:spPr/>
+        <p:spPr>
+          <a:xfrm>
+            <a:off x="450273" y="122959"/>
+            <a:ext cx="7543800" cy="1066800"/>
+          </a:xfrm>
+        </p:spPr>
         <p:txBody>
           <a:bodyPr/>
           <a:lstStyle/>
           <a:p>
             <a:r>
               <a:rPr lang="en-US" dirty="0"/>
-              <a:t>Managing Documents</a:t>
+              <a:t>Advantages Of Sharding</a:t>
+            </a:r>
+          </a:p>
+        </p:txBody>
+      </p:sp>
+      <p:sp>
+        <p:nvSpPr>
+          <p:cNvPr id="6" name="Oval 5">
+            <a:extLst>
+              <a:ext uri="{FF2B5EF4-FFF2-40B4-BE49-F238E27FC236}">
+                <a16:creationId xmlns:a16="http://schemas.microsoft.com/office/drawing/2014/main" id="{7F280343-DF72-8C56-79B3-C8FF93E6D2E0}"/>
+              </a:ext>
+            </a:extLst>
+          </p:cNvPr>
+          <p:cNvSpPr/>
+          <p:nvPr/>
+        </p:nvSpPr>
+        <p:spPr>
+          <a:xfrm>
+            <a:off x="308264" y="2112818"/>
+            <a:ext cx="3913909" cy="3401291"/>
+          </a:xfrm>
+          <a:prstGeom prst="ellipse">
+            <a:avLst/>
+          </a:prstGeom>
+        </p:spPr>
+        <p:style>
+          <a:lnRef idx="2">
+            <a:schemeClr val="accent3">
+              <a:shade val="50000"/>
+            </a:schemeClr>
+          </a:lnRef>
+          <a:fillRef idx="1">
+            <a:schemeClr val="accent3"/>
+          </a:fillRef>
+          <a:effectRef idx="0">
+            <a:schemeClr val="accent3"/>
+          </a:effectRef>
+          <a:fontRef idx="minor">
+            <a:schemeClr val="lt1"/>
+          </a:fontRef>
+        </p:style>
+        <p:txBody>
+          <a:bodyPr rtlCol="0" anchor="ctr"/>
+          <a:lstStyle/>
+          <a:p>
+            <a:pPr algn="ctr"/>
+            <a:endParaRPr lang="en-US"/>
+          </a:p>
+        </p:txBody>
+      </p:sp>
+      <p:sp>
+        <p:nvSpPr>
+          <p:cNvPr id="7" name="Rounded Rectangle 6">
+            <a:extLst>
+              <a:ext uri="{FF2B5EF4-FFF2-40B4-BE49-F238E27FC236}">
+                <a16:creationId xmlns:a16="http://schemas.microsoft.com/office/drawing/2014/main" id="{EB02D9F5-97D2-056B-E206-F17321FFEBD4}"/>
+              </a:ext>
+            </a:extLst>
+          </p:cNvPr>
+          <p:cNvSpPr/>
+          <p:nvPr/>
+        </p:nvSpPr>
+        <p:spPr>
+          <a:xfrm>
+            <a:off x="1350818" y="2892137"/>
+            <a:ext cx="1828800" cy="536863"/>
+          </a:xfrm>
+          <a:prstGeom prst="roundRect">
+            <a:avLst/>
+          </a:prstGeom>
+        </p:spPr>
+        <p:style>
+          <a:lnRef idx="2">
+            <a:schemeClr val="accent1">
+              <a:shade val="50000"/>
+            </a:schemeClr>
+          </a:lnRef>
+          <a:fillRef idx="1">
+            <a:schemeClr val="accent1"/>
+          </a:fillRef>
+          <a:effectRef idx="0">
+            <a:schemeClr val="accent1"/>
+          </a:effectRef>
+          <a:fontRef idx="minor">
+            <a:schemeClr val="lt1"/>
+          </a:fontRef>
+        </p:style>
+        <p:txBody>
+          <a:bodyPr rtlCol="0" anchor="ctr"/>
+          <a:lstStyle/>
+          <a:p>
+            <a:pPr algn="ctr"/>
+            <a:r>
+              <a:rPr lang="en-US" sz="1600" dirty="0"/>
+              <a:t>Primary Shard A</a:t>
+            </a:r>
+          </a:p>
+        </p:txBody>
+      </p:sp>
+      <p:sp>
+        <p:nvSpPr>
+          <p:cNvPr id="8" name="Rounded Rectangle 7">
+            <a:extLst>
+              <a:ext uri="{FF2B5EF4-FFF2-40B4-BE49-F238E27FC236}">
+                <a16:creationId xmlns:a16="http://schemas.microsoft.com/office/drawing/2014/main" id="{717E1503-00E0-FC6C-302E-F785961E03AB}"/>
+              </a:ext>
+            </a:extLst>
+          </p:cNvPr>
+          <p:cNvSpPr/>
+          <p:nvPr/>
+        </p:nvSpPr>
+        <p:spPr>
+          <a:xfrm>
+            <a:off x="1350818" y="3764973"/>
+            <a:ext cx="1828800" cy="536863"/>
+          </a:xfrm>
+          <a:prstGeom prst="roundRect">
+            <a:avLst/>
+          </a:prstGeom>
+        </p:spPr>
+        <p:style>
+          <a:lnRef idx="2">
+            <a:schemeClr val="accent1">
+              <a:shade val="50000"/>
+            </a:schemeClr>
+          </a:lnRef>
+          <a:fillRef idx="1">
+            <a:schemeClr val="accent1"/>
+          </a:fillRef>
+          <a:effectRef idx="0">
+            <a:schemeClr val="accent1"/>
+          </a:effectRef>
+          <a:fontRef idx="minor">
+            <a:schemeClr val="lt1"/>
+          </a:fontRef>
+        </p:style>
+        <p:txBody>
+          <a:bodyPr rtlCol="0" anchor="ctr"/>
+          <a:lstStyle/>
+          <a:p>
+            <a:pPr algn="ctr"/>
+            <a:r>
+              <a:rPr lang="en-US" sz="1600" dirty="0"/>
+              <a:t>Primary Shard B1</a:t>
+            </a:r>
+          </a:p>
+        </p:txBody>
+      </p:sp>
+      <p:sp>
+        <p:nvSpPr>
+          <p:cNvPr id="9" name="Rounded Rectangle 8">
+            <a:extLst>
+              <a:ext uri="{FF2B5EF4-FFF2-40B4-BE49-F238E27FC236}">
+                <a16:creationId xmlns:a16="http://schemas.microsoft.com/office/drawing/2014/main" id="{22A7EF8F-B837-D127-F142-D05D9C1FEBC2}"/>
+              </a:ext>
+            </a:extLst>
+          </p:cNvPr>
+          <p:cNvSpPr/>
+          <p:nvPr/>
+        </p:nvSpPr>
+        <p:spPr>
+          <a:xfrm>
+            <a:off x="1350818" y="4613565"/>
+            <a:ext cx="1828800" cy="536863"/>
+          </a:xfrm>
+          <a:prstGeom prst="roundRect">
+            <a:avLst/>
+          </a:prstGeom>
+        </p:spPr>
+        <p:style>
+          <a:lnRef idx="2">
+            <a:schemeClr val="accent1">
+              <a:shade val="50000"/>
+            </a:schemeClr>
+          </a:lnRef>
+          <a:fillRef idx="1">
+            <a:schemeClr val="accent1"/>
+          </a:fillRef>
+          <a:effectRef idx="0">
+            <a:schemeClr val="accent1"/>
+          </a:effectRef>
+          <a:fontRef idx="minor">
+            <a:schemeClr val="lt1"/>
+          </a:fontRef>
+        </p:style>
+        <p:txBody>
+          <a:bodyPr rtlCol="0" anchor="ctr"/>
+          <a:lstStyle/>
+          <a:p>
+            <a:pPr algn="ctr"/>
+            <a:r>
+              <a:rPr lang="en-US" sz="1600" dirty="0"/>
+              <a:t>Primary Shard B2</a:t>
+            </a:r>
+          </a:p>
+        </p:txBody>
+      </p:sp>
+      <p:sp>
+        <p:nvSpPr>
+          <p:cNvPr id="16" name="Oval 15">
+            <a:extLst>
+              <a:ext uri="{FF2B5EF4-FFF2-40B4-BE49-F238E27FC236}">
+                <a16:creationId xmlns:a16="http://schemas.microsoft.com/office/drawing/2014/main" id="{44FBB650-BA91-CB95-2452-82FF2969B4FD}"/>
+              </a:ext>
+            </a:extLst>
+          </p:cNvPr>
+          <p:cNvSpPr/>
+          <p:nvPr/>
+        </p:nvSpPr>
+        <p:spPr>
+          <a:xfrm>
+            <a:off x="5105399" y="2119745"/>
+            <a:ext cx="3913909" cy="3401291"/>
+          </a:xfrm>
+          <a:prstGeom prst="ellipse">
+            <a:avLst/>
+          </a:prstGeom>
+          <a:solidFill>
+            <a:schemeClr val="accent6"/>
+          </a:solidFill>
+        </p:spPr>
+        <p:style>
+          <a:lnRef idx="2">
+            <a:schemeClr val="accent3">
+              <a:shade val="50000"/>
+            </a:schemeClr>
+          </a:lnRef>
+          <a:fillRef idx="1">
+            <a:schemeClr val="accent3"/>
+          </a:fillRef>
+          <a:effectRef idx="0">
+            <a:schemeClr val="accent3"/>
+          </a:effectRef>
+          <a:fontRef idx="minor">
+            <a:schemeClr val="lt1"/>
+          </a:fontRef>
+        </p:style>
+        <p:txBody>
+          <a:bodyPr rtlCol="0" anchor="ctr"/>
+          <a:lstStyle/>
+          <a:p>
+            <a:pPr algn="ctr"/>
+            <a:endParaRPr lang="en-US" dirty="0"/>
+          </a:p>
+        </p:txBody>
+      </p:sp>
+      <p:sp>
+        <p:nvSpPr>
+          <p:cNvPr id="17" name="Rounded Rectangle 16">
+            <a:extLst>
+              <a:ext uri="{FF2B5EF4-FFF2-40B4-BE49-F238E27FC236}">
+                <a16:creationId xmlns:a16="http://schemas.microsoft.com/office/drawing/2014/main" id="{C1A21A64-C133-9F83-20CE-A11484C9E510}"/>
+              </a:ext>
+            </a:extLst>
+          </p:cNvPr>
+          <p:cNvSpPr/>
+          <p:nvPr/>
+        </p:nvSpPr>
+        <p:spPr>
+          <a:xfrm>
+            <a:off x="6147954" y="2892137"/>
+            <a:ext cx="1828800" cy="536863"/>
+          </a:xfrm>
+          <a:prstGeom prst="roundRect">
+            <a:avLst/>
+          </a:prstGeom>
+        </p:spPr>
+        <p:style>
+          <a:lnRef idx="2">
+            <a:schemeClr val="accent1">
+              <a:shade val="50000"/>
+            </a:schemeClr>
+          </a:lnRef>
+          <a:fillRef idx="1">
+            <a:schemeClr val="accent1"/>
+          </a:fillRef>
+          <a:effectRef idx="0">
+            <a:schemeClr val="accent1"/>
+          </a:effectRef>
+          <a:fontRef idx="minor">
+            <a:schemeClr val="lt1"/>
+          </a:fontRef>
+        </p:style>
+        <p:txBody>
+          <a:bodyPr rtlCol="0" anchor="ctr"/>
+          <a:lstStyle/>
+          <a:p>
+            <a:pPr algn="ctr"/>
+            <a:r>
+              <a:rPr lang="en-US" sz="1600" dirty="0"/>
+              <a:t>Primary Shard B</a:t>
+            </a:r>
+          </a:p>
+        </p:txBody>
+      </p:sp>
+      <p:sp>
+        <p:nvSpPr>
+          <p:cNvPr id="18" name="Rounded Rectangle 17">
+            <a:extLst>
+              <a:ext uri="{FF2B5EF4-FFF2-40B4-BE49-F238E27FC236}">
+                <a16:creationId xmlns:a16="http://schemas.microsoft.com/office/drawing/2014/main" id="{7D24284B-D163-E3D5-C442-B761EE3C5C3E}"/>
+              </a:ext>
+            </a:extLst>
+          </p:cNvPr>
+          <p:cNvSpPr/>
+          <p:nvPr/>
+        </p:nvSpPr>
+        <p:spPr>
+          <a:xfrm>
+            <a:off x="6147954" y="3764973"/>
+            <a:ext cx="1828800" cy="536863"/>
+          </a:xfrm>
+          <a:prstGeom prst="roundRect">
+            <a:avLst/>
+          </a:prstGeom>
+        </p:spPr>
+        <p:style>
+          <a:lnRef idx="2">
+            <a:schemeClr val="accent1">
+              <a:shade val="50000"/>
+            </a:schemeClr>
+          </a:lnRef>
+          <a:fillRef idx="1">
+            <a:schemeClr val="accent1"/>
+          </a:fillRef>
+          <a:effectRef idx="0">
+            <a:schemeClr val="accent1"/>
+          </a:effectRef>
+          <a:fontRef idx="minor">
+            <a:schemeClr val="lt1"/>
+          </a:fontRef>
+        </p:style>
+        <p:txBody>
+          <a:bodyPr rtlCol="0" anchor="ctr"/>
+          <a:lstStyle/>
+          <a:p>
+            <a:pPr algn="ctr"/>
+            <a:r>
+              <a:rPr lang="en-US" sz="1600" dirty="0"/>
+              <a:t>Primary Shard A1</a:t>
+            </a:r>
+          </a:p>
+        </p:txBody>
+      </p:sp>
+      <p:sp>
+        <p:nvSpPr>
+          <p:cNvPr id="19" name="Rounded Rectangle 18">
+            <a:extLst>
+              <a:ext uri="{FF2B5EF4-FFF2-40B4-BE49-F238E27FC236}">
+                <a16:creationId xmlns:a16="http://schemas.microsoft.com/office/drawing/2014/main" id="{6A14C318-8D5B-32AB-B349-7A479750736F}"/>
+              </a:ext>
+            </a:extLst>
+          </p:cNvPr>
+          <p:cNvSpPr/>
+          <p:nvPr/>
+        </p:nvSpPr>
+        <p:spPr>
+          <a:xfrm>
+            <a:off x="6147954" y="4613565"/>
+            <a:ext cx="1828800" cy="536863"/>
+          </a:xfrm>
+          <a:prstGeom prst="roundRect">
+            <a:avLst/>
+          </a:prstGeom>
+        </p:spPr>
+        <p:style>
+          <a:lnRef idx="2">
+            <a:schemeClr val="accent1">
+              <a:shade val="50000"/>
+            </a:schemeClr>
+          </a:lnRef>
+          <a:fillRef idx="1">
+            <a:schemeClr val="accent1"/>
+          </a:fillRef>
+          <a:effectRef idx="0">
+            <a:schemeClr val="accent1"/>
+          </a:effectRef>
+          <a:fontRef idx="minor">
+            <a:schemeClr val="lt1"/>
+          </a:fontRef>
+        </p:style>
+        <p:txBody>
+          <a:bodyPr rtlCol="0" anchor="ctr"/>
+          <a:lstStyle/>
+          <a:p>
+            <a:pPr algn="ctr"/>
+            <a:r>
+              <a:rPr lang="en-US" sz="1600" dirty="0"/>
+              <a:t>Primary Shard A2</a:t>
+            </a:r>
+          </a:p>
+        </p:txBody>
+      </p:sp>
+      <p:sp>
+        <p:nvSpPr>
+          <p:cNvPr id="20" name="TextBox 19">
+            <a:extLst>
+              <a:ext uri="{FF2B5EF4-FFF2-40B4-BE49-F238E27FC236}">
+                <a16:creationId xmlns:a16="http://schemas.microsoft.com/office/drawing/2014/main" id="{9E24CC30-4BA7-2172-F4F1-1D55D74E04B6}"/>
+              </a:ext>
+            </a:extLst>
+          </p:cNvPr>
+          <p:cNvSpPr txBox="1"/>
+          <p:nvPr/>
+        </p:nvSpPr>
+        <p:spPr>
+          <a:xfrm>
+            <a:off x="1492827" y="2389908"/>
+            <a:ext cx="1544782" cy="381000"/>
+          </a:xfrm>
+          <a:prstGeom prst="rect">
+            <a:avLst/>
+          </a:prstGeom>
+          <a:noFill/>
+        </p:spPr>
+        <p:txBody>
+          <a:bodyPr wrap="square" rtlCol="0">
+            <a:spAutoFit/>
+          </a:bodyPr>
+          <a:lstStyle/>
+          <a:p>
+            <a:pPr algn="ctr"/>
+            <a:r>
+              <a:rPr lang="en-US" b="1" dirty="0"/>
+              <a:t>Node A</a:t>
+            </a:r>
+          </a:p>
+        </p:txBody>
+      </p:sp>
+      <p:sp>
+        <p:nvSpPr>
+          <p:cNvPr id="21" name="TextBox 20">
+            <a:extLst>
+              <a:ext uri="{FF2B5EF4-FFF2-40B4-BE49-F238E27FC236}">
+                <a16:creationId xmlns:a16="http://schemas.microsoft.com/office/drawing/2014/main" id="{6E14A492-6F44-95B8-2C35-6BDFC508CC0E}"/>
+              </a:ext>
+            </a:extLst>
+          </p:cNvPr>
+          <p:cNvSpPr txBox="1"/>
+          <p:nvPr/>
+        </p:nvSpPr>
+        <p:spPr>
+          <a:xfrm>
+            <a:off x="6289962" y="2365664"/>
+            <a:ext cx="1544782" cy="381000"/>
+          </a:xfrm>
+          <a:prstGeom prst="rect">
+            <a:avLst/>
+          </a:prstGeom>
+          <a:noFill/>
+        </p:spPr>
+        <p:txBody>
+          <a:bodyPr wrap="square" rtlCol="0">
+            <a:spAutoFit/>
+          </a:bodyPr>
+          <a:lstStyle/>
+          <a:p>
+            <a:pPr algn="ctr"/>
+            <a:r>
+              <a:rPr lang="en-US" b="1" dirty="0"/>
+              <a:t>Node B</a:t>
             </a:r>
           </a:p>
         </p:txBody>
@@ -7918,13 +8259,189 @@
     </p:spTree>
     <p:extLst>
       <p:ext uri="{BB962C8B-B14F-4D97-AF65-F5344CB8AC3E}">
-        <p14:creationId xmlns:p14="http://schemas.microsoft.com/office/powerpoint/2010/main" val="2578509368"/>
+        <p14:creationId xmlns:p14="http://schemas.microsoft.com/office/powerpoint/2010/main" val="3612984716"/>
       </p:ext>
     </p:extLst>
   </p:cSld>
   <p:clrMapOvr>
     <a:masterClrMapping/>
   </p:clrMapOvr>
+  <mc:AlternateContent xmlns:mc="http://schemas.openxmlformats.org/markup-compatibility/2006">
+    <mc:Choice xmlns:p14="http://schemas.microsoft.com/office/powerpoint/2010/main" Requires="p14">
+      <p:transition spd="slow" p14:dur="2000" advClick="0"/>
+    </mc:Choice>
+    <mc:Fallback>
+      <p:transition spd="slow" advClick="0"/>
+    </mc:Fallback>
+  </mc:AlternateContent>
+</p:sld>
+</file>
+
+<file path=ppt/slides/slide18.xml><?xml version="1.0" encoding="utf-8"?>
+<p:sld xmlns:a="http://schemas.openxmlformats.org/drawingml/2006/main" xmlns:r="http://schemas.openxmlformats.org/officeDocument/2006/relationships" xmlns:p="http://schemas.openxmlformats.org/presentationml/2006/main">
+  <p:cSld>
+    <p:spTree>
+      <p:nvGrpSpPr>
+        <p:cNvPr id="1" name=""/>
+        <p:cNvGrpSpPr/>
+        <p:nvPr/>
+      </p:nvGrpSpPr>
+      <p:grpSpPr>
+        <a:xfrm>
+          <a:off x="0" y="0"/>
+          <a:ext cx="0" cy="0"/>
+          <a:chOff x="0" y="0"/>
+          <a:chExt cx="0" cy="0"/>
+        </a:xfrm>
+      </p:grpSpPr>
+      <p:sp>
+        <p:nvSpPr>
+          <p:cNvPr id="2" name="Content Placeholder 1">
+            <a:extLst>
+              <a:ext uri="{FF2B5EF4-FFF2-40B4-BE49-F238E27FC236}">
+                <a16:creationId xmlns:a16="http://schemas.microsoft.com/office/drawing/2014/main" id="{D01C69AD-0D4C-C59B-18E9-778C21A99B5F}"/>
+              </a:ext>
+            </a:extLst>
+          </p:cNvPr>
+          <p:cNvSpPr>
+            <a:spLocks noGrp="1"/>
+          </p:cNvSpPr>
+          <p:nvPr>
+            <p:ph idx="1"/>
+          </p:nvPr>
+        </p:nvSpPr>
+        <p:spPr/>
+        <p:txBody>
+          <a:bodyPr vert="horz" lIns="91440" tIns="45720" rIns="91440" bIns="45720" rtlCol="0">
+            <a:normAutofit fontScale="92500" lnSpcReduction="10000"/>
+          </a:bodyPr>
+          <a:lstStyle/>
+          <a:p>
+            <a:pPr>
+              <a:lnSpc>
+                <a:spcPct val="150000"/>
+              </a:lnSpc>
+            </a:pPr>
+            <a:r>
+              <a:rPr lang="en-US" dirty="0"/>
+              <a:t>Creating &amp; Deleting an Index</a:t>
+            </a:r>
+          </a:p>
+          <a:p>
+            <a:pPr>
+              <a:lnSpc>
+                <a:spcPct val="150000"/>
+              </a:lnSpc>
+            </a:pPr>
+            <a:r>
+              <a:rPr lang="en-US" dirty="0"/>
+              <a:t>Indexing Documents</a:t>
+            </a:r>
+          </a:p>
+          <a:p>
+            <a:pPr>
+              <a:lnSpc>
+                <a:spcPct val="150000"/>
+              </a:lnSpc>
+            </a:pPr>
+            <a:r>
+              <a:rPr lang="en-US" dirty="0"/>
+              <a:t>Retrieving Documents</a:t>
+            </a:r>
+          </a:p>
+          <a:p>
+            <a:pPr>
+              <a:lnSpc>
+                <a:spcPct val="150000"/>
+              </a:lnSpc>
+            </a:pPr>
+            <a:r>
+              <a:rPr lang="en-US" dirty="0"/>
+              <a:t>Updating Documents</a:t>
+            </a:r>
+          </a:p>
+          <a:p>
+            <a:pPr>
+              <a:lnSpc>
+                <a:spcPct val="150000"/>
+              </a:lnSpc>
+            </a:pPr>
+            <a:r>
+              <a:rPr lang="en-US" dirty="0"/>
+              <a:t>Scripted Updates</a:t>
+            </a:r>
+          </a:p>
+          <a:p>
+            <a:pPr>
+              <a:lnSpc>
+                <a:spcPct val="150000"/>
+              </a:lnSpc>
+            </a:pPr>
+            <a:r>
+              <a:rPr lang="en-US" dirty="0" err="1"/>
+              <a:t>Upserts</a:t>
+            </a:r>
+            <a:endParaRPr lang="en-US" dirty="0"/>
+          </a:p>
+          <a:p>
+            <a:pPr>
+              <a:lnSpc>
+                <a:spcPct val="150000"/>
+              </a:lnSpc>
+            </a:pPr>
+            <a:r>
+              <a:rPr lang="en-US" dirty="0"/>
+              <a:t>Deleting Documents</a:t>
+            </a:r>
+          </a:p>
+        </p:txBody>
+      </p:sp>
+      <p:sp>
+        <p:nvSpPr>
+          <p:cNvPr id="3" name="Title 2">
+            <a:extLst>
+              <a:ext uri="{FF2B5EF4-FFF2-40B4-BE49-F238E27FC236}">
+                <a16:creationId xmlns:a16="http://schemas.microsoft.com/office/drawing/2014/main" id="{3F1CB413-2945-53F8-AB7E-06996BC2C291}"/>
+              </a:ext>
+            </a:extLst>
+          </p:cNvPr>
+          <p:cNvSpPr>
+            <a:spLocks noGrp="1"/>
+          </p:cNvSpPr>
+          <p:nvPr>
+            <p:ph type="title"/>
+          </p:nvPr>
+        </p:nvSpPr>
+        <p:spPr/>
+        <p:txBody>
+          <a:bodyPr/>
+          <a:lstStyle/>
+          <a:p>
+            <a:r>
+              <a:rPr lang="en-US" dirty="0"/>
+              <a:t>Managing Documents</a:t>
+            </a:r>
+          </a:p>
+        </p:txBody>
+      </p:sp>
+    </p:spTree>
+    <p:extLst>
+      <p:ext uri="{BB962C8B-B14F-4D97-AF65-F5344CB8AC3E}">
+        <p14:creationId xmlns:p14="http://schemas.microsoft.com/office/powerpoint/2010/main" val="2500295201"/>
+      </p:ext>
+    </p:extLst>
+  </p:cSld>
+  <p:clrMapOvr>
+    <a:masterClrMapping/>
+  </p:clrMapOvr>
+  <mc:AlternateContent xmlns:mc="http://schemas.openxmlformats.org/markup-compatibility/2006">
+    <mc:Choice xmlns:p14="http://schemas.microsoft.com/office/powerpoint/2010/main" Requires="p14">
+      <p:transition spd="slow" p14:dur="2000" advClick="0"/>
+    </mc:Choice>
+    <mc:Fallback>
+      <p:transition spd="slow" advClick="0"/>
+    </mc:Fallback>
+  </mc:AlternateContent>
 </p:sld>
 </file>
 
@@ -7957,14 +8474,16 @@
         </p:nvSpPr>
         <p:spPr/>
         <p:txBody>
-          <a:bodyPr/>
+          <a:bodyPr vert="horz" lIns="91440" tIns="45720" rIns="91440" bIns="45720" rtlCol="0">
+            <a:normAutofit/>
+          </a:bodyPr>
           <a:lstStyle/>
           <a:p>
             <a:r>
               <a:rPr lang="en-US" dirty="0">
                 <a:latin typeface="+mj-lt"/>
               </a:rPr>
-              <a:t>Highly Scalable</a:t>
+              <a:t>Elasticsearch is a distributed analytics search engine that works for all types of data like structured as well as unstructured.</a:t>
             </a:r>
           </a:p>
           <a:p>
@@ -7972,7 +8491,7 @@
               <a:rPr lang="en-US" dirty="0">
                 <a:latin typeface="+mj-lt"/>
               </a:rPr>
-              <a:t>Powerful search engine used to build complex search functionalities.</a:t>
+              <a:t>It is built on top of Apache Lucene.</a:t>
             </a:r>
           </a:p>
           <a:p>
@@ -7980,23 +8499,7 @@
               <a:rPr lang="en-US" dirty="0">
                 <a:latin typeface="+mj-lt"/>
               </a:rPr>
-              <a:t>Allows us to store, search and analyze high volumes of data.</a:t>
-            </a:r>
-          </a:p>
-          <a:p>
-            <a:r>
-              <a:rPr lang="en-US" dirty="0">
-                <a:latin typeface="+mj-lt"/>
-              </a:rPr>
-              <a:t>Document level search/Analyzing Logs/Aggregations.</a:t>
-            </a:r>
-          </a:p>
-          <a:p>
-            <a:r>
-              <a:rPr lang="en-US" dirty="0">
-                <a:latin typeface="+mj-lt"/>
-              </a:rPr>
-              <a:t>Can also query aggregated results and can be used for analytics platforms.</a:t>
+              <a:t>Log analytics, full-text search, security intelligence, business analytics, and operational intelligence use cases.</a:t>
             </a:r>
           </a:p>
         </p:txBody>
@@ -8020,7 +8523,7 @@
               <a:rPr lang="en-US" dirty="0">
                 <a:latin typeface="+mj-lt"/>
               </a:rPr>
-              <a:t>Some Basics</a:t>
+              <a:t>What is Elasticsearch?</a:t>
             </a:r>
           </a:p>
         </p:txBody>
@@ -8035,6 +8538,14 @@
   <p:clrMapOvr>
     <a:masterClrMapping/>
   </p:clrMapOvr>
+  <mc:AlternateContent xmlns:mc="http://schemas.openxmlformats.org/markup-compatibility/2006">
+    <mc:Choice xmlns:p14="http://schemas.microsoft.com/office/powerpoint/2010/main" Requires="p14">
+      <p:transition spd="slow" p14:dur="2000" advClick="0"/>
+    </mc:Choice>
+    <mc:Fallback>
+      <p:transition spd="slow" advClick="0"/>
+    </mc:Fallback>
+  </mc:AlternateContent>
 </p:sld>
 </file>
 
@@ -8065,58 +8576,37 @@
             <p:ph idx="1"/>
           </p:nvPr>
         </p:nvSpPr>
-        <p:spPr>
-          <a:xfrm>
-            <a:off x="457200" y="1371600"/>
-            <a:ext cx="8201890" cy="4648200"/>
-          </a:xfrm>
-        </p:spPr>
+        <p:spPr/>
         <p:txBody>
           <a:bodyPr/>
           <a:lstStyle/>
           <a:p>
-            <a:pPr marL="0" indent="0">
-              <a:buNone/>
-            </a:pPr>
             <a:r>
               <a:rPr lang="en-US" dirty="0">
                 <a:latin typeface="+mj-lt"/>
               </a:rPr>
-              <a:t>&gt; Document Level Search</a:t>
-            </a:r>
-          </a:p>
-          <a:p>
-            <a:endParaRPr lang="en-US" dirty="0">
-              <a:latin typeface="+mj-lt"/>
-            </a:endParaRPr>
-          </a:p>
-          <a:p>
-            <a:endParaRPr lang="en-US" dirty="0">
-              <a:latin typeface="+mj-lt"/>
-            </a:endParaRPr>
-          </a:p>
-          <a:p>
-            <a:endParaRPr lang="en-US" dirty="0">
-              <a:latin typeface="+mj-lt"/>
-            </a:endParaRPr>
-          </a:p>
-          <a:p>
-            <a:pPr marL="0" indent="0">
-              <a:buNone/>
-            </a:pPr>
+              <a:t>Default scoring algorithm is BM25</a:t>
+            </a:r>
+          </a:p>
+          <a:p>
             <a:r>
               <a:rPr lang="en-US" dirty="0">
                 <a:latin typeface="+mj-lt"/>
               </a:rPr>
-              <a:t>&gt; Analyzing Logs/Data                    &gt; Analyzing Logs/Data</a:t>
-            </a:r>
-          </a:p>
-          <a:p>
-            <a:endParaRPr lang="en-US" dirty="0">
-              <a:latin typeface="+mj-lt"/>
-            </a:endParaRPr>
-          </a:p>
-          <a:p>
+              <a:t>It uses an inverted index data structure which supports fast full-text searches.</a:t>
+            </a:r>
+          </a:p>
+          <a:p>
+            <a:r>
+              <a:rPr lang="en-US" dirty="0">
+                <a:latin typeface="+mj-lt"/>
+              </a:rPr>
+              <a:t>Under the hood Apache Lucene uses TF-IDF for document level </a:t>
+            </a:r>
+            <a:r>
+              <a:rPr lang="en-US" dirty="0"/>
+              <a:t>scoring.</a:t>
+            </a:r>
             <a:endParaRPr lang="en-US" dirty="0">
               <a:latin typeface="+mj-lt"/>
             </a:endParaRPr>
@@ -8142,7 +8632,255 @@
               <a:rPr lang="en-US" dirty="0">
                 <a:latin typeface="+mj-lt"/>
               </a:rPr>
-              <a:t>Some Basics</a:t>
+              <a:t>Basics</a:t>
+            </a:r>
+          </a:p>
+        </p:txBody>
+      </p:sp>
+    </p:spTree>
+    <p:extLst>
+      <p:ext uri="{BB962C8B-B14F-4D97-AF65-F5344CB8AC3E}">
+        <p14:creationId xmlns:p14="http://schemas.microsoft.com/office/powerpoint/2010/main" val="2663344627"/>
+      </p:ext>
+    </p:extLst>
+  </p:cSld>
+  <p:clrMapOvr>
+    <a:masterClrMapping/>
+  </p:clrMapOvr>
+  <mc:AlternateContent xmlns:mc="http://schemas.openxmlformats.org/markup-compatibility/2006">
+    <mc:Choice xmlns:p14="http://schemas.microsoft.com/office/powerpoint/2010/main" Requires="p14">
+      <p:transition spd="slow" p14:dur="2000" advClick="0"/>
+    </mc:Choice>
+    <mc:Fallback>
+      <p:transition spd="slow" advClick="0"/>
+    </mc:Fallback>
+  </mc:AlternateContent>
+</p:sld>
+</file>
+
+<file path=ppt/slides/slide4.xml><?xml version="1.0" encoding="utf-8"?>
+<p:sld xmlns:a="http://schemas.openxmlformats.org/drawingml/2006/main" xmlns:r="http://schemas.openxmlformats.org/officeDocument/2006/relationships" xmlns:p="http://schemas.openxmlformats.org/presentationml/2006/main">
+  <p:cSld>
+    <p:spTree>
+      <p:nvGrpSpPr>
+        <p:cNvPr id="1" name=""/>
+        <p:cNvGrpSpPr/>
+        <p:nvPr/>
+      </p:nvGrpSpPr>
+      <p:grpSpPr>
+        <a:xfrm>
+          <a:off x="0" y="0"/>
+          <a:ext cx="0" cy="0"/>
+          <a:chOff x="0" y="0"/>
+          <a:chExt cx="0" cy="0"/>
+        </a:xfrm>
+      </p:grpSpPr>
+      <p:sp>
+        <p:nvSpPr>
+          <p:cNvPr id="2" name="Content Placeholder 1"/>
+          <p:cNvSpPr>
+            <a:spLocks noGrp="1"/>
+          </p:cNvSpPr>
+          <p:nvPr>
+            <p:ph idx="1"/>
+          </p:nvPr>
+        </p:nvSpPr>
+        <p:spPr/>
+        <p:txBody>
+          <a:bodyPr/>
+          <a:lstStyle/>
+          <a:p>
+            <a:r>
+              <a:rPr lang="en-US" dirty="0">
+                <a:latin typeface="+mj-lt"/>
+              </a:rPr>
+              <a:t>Highly Scalable</a:t>
+            </a:r>
+          </a:p>
+          <a:p>
+            <a:r>
+              <a:rPr lang="en-US" dirty="0">
+                <a:latin typeface="+mj-lt"/>
+              </a:rPr>
+              <a:t>Powerful search engine used to build complex search functionalities.</a:t>
+            </a:r>
+          </a:p>
+          <a:p>
+            <a:r>
+              <a:rPr lang="en-US" dirty="0">
+                <a:latin typeface="+mj-lt"/>
+              </a:rPr>
+              <a:t>Allows us to store, search and analyze high volumes of data.</a:t>
+            </a:r>
+          </a:p>
+          <a:p>
+            <a:r>
+              <a:rPr lang="en-US" dirty="0">
+                <a:latin typeface="+mj-lt"/>
+              </a:rPr>
+              <a:t>Document level search/Analyzing Logs/Aggregations.</a:t>
+            </a:r>
+          </a:p>
+          <a:p>
+            <a:r>
+              <a:rPr lang="en-US" dirty="0">
+                <a:latin typeface="+mj-lt"/>
+              </a:rPr>
+              <a:t>Can also query aggregated results and can be used for analytics platforms.</a:t>
+            </a:r>
+          </a:p>
+        </p:txBody>
+      </p:sp>
+      <p:sp>
+        <p:nvSpPr>
+          <p:cNvPr id="3" name="Title 2"/>
+          <p:cNvSpPr>
+            <a:spLocks noGrp="1"/>
+          </p:cNvSpPr>
+          <p:nvPr>
+            <p:ph type="title"/>
+          </p:nvPr>
+        </p:nvSpPr>
+        <p:spPr/>
+        <p:txBody>
+          <a:bodyPr/>
+          <a:lstStyle/>
+          <a:p>
+            <a:r>
+              <a:rPr lang="en-US" dirty="0">
+                <a:latin typeface="+mj-lt"/>
+              </a:rPr>
+              <a:t>Basics</a:t>
+            </a:r>
+          </a:p>
+        </p:txBody>
+      </p:sp>
+    </p:spTree>
+    <p:extLst>
+      <p:ext uri="{BB962C8B-B14F-4D97-AF65-F5344CB8AC3E}">
+        <p14:creationId xmlns:p14="http://schemas.microsoft.com/office/powerpoint/2010/main" val="4129841342"/>
+      </p:ext>
+    </p:extLst>
+  </p:cSld>
+  <p:clrMapOvr>
+    <a:masterClrMapping/>
+  </p:clrMapOvr>
+  <mc:AlternateContent xmlns:mc="http://schemas.openxmlformats.org/markup-compatibility/2006">
+    <mc:Choice xmlns:p14="http://schemas.microsoft.com/office/powerpoint/2010/main" Requires="p14">
+      <p:transition spd="slow" p14:dur="2000" advClick="0"/>
+    </mc:Choice>
+    <mc:Fallback>
+      <p:transition spd="slow" advClick="0"/>
+    </mc:Fallback>
+  </mc:AlternateContent>
+</p:sld>
+</file>
+
+<file path=ppt/slides/slide5.xml><?xml version="1.0" encoding="utf-8"?>
+<p:sld xmlns:a="http://schemas.openxmlformats.org/drawingml/2006/main" xmlns:r="http://schemas.openxmlformats.org/officeDocument/2006/relationships" xmlns:p="http://schemas.openxmlformats.org/presentationml/2006/main">
+  <p:cSld>
+    <p:spTree>
+      <p:nvGrpSpPr>
+        <p:cNvPr id="1" name=""/>
+        <p:cNvGrpSpPr/>
+        <p:nvPr/>
+      </p:nvGrpSpPr>
+      <p:grpSpPr>
+        <a:xfrm>
+          <a:off x="0" y="0"/>
+          <a:ext cx="0" cy="0"/>
+          <a:chOff x="0" y="0"/>
+          <a:chExt cx="0" cy="0"/>
+        </a:xfrm>
+      </p:grpSpPr>
+      <p:sp>
+        <p:nvSpPr>
+          <p:cNvPr id="2" name="Content Placeholder 1"/>
+          <p:cNvSpPr>
+            <a:spLocks noGrp="1"/>
+          </p:cNvSpPr>
+          <p:nvPr>
+            <p:ph idx="1"/>
+          </p:nvPr>
+        </p:nvSpPr>
+        <p:spPr>
+          <a:xfrm>
+            <a:off x="457200" y="1371600"/>
+            <a:ext cx="8201890" cy="4648200"/>
+          </a:xfrm>
+        </p:spPr>
+        <p:txBody>
+          <a:bodyPr/>
+          <a:lstStyle/>
+          <a:p>
+            <a:pPr marL="0" indent="0">
+              <a:buNone/>
+            </a:pPr>
+            <a:r>
+              <a:rPr lang="en-US" dirty="0">
+                <a:latin typeface="+mj-lt"/>
+              </a:rPr>
+              <a:t>&gt; Document Level Search</a:t>
+            </a:r>
+          </a:p>
+          <a:p>
+            <a:endParaRPr lang="en-US" dirty="0">
+              <a:latin typeface="+mj-lt"/>
+            </a:endParaRPr>
+          </a:p>
+          <a:p>
+            <a:endParaRPr lang="en-US" dirty="0">
+              <a:latin typeface="+mj-lt"/>
+            </a:endParaRPr>
+          </a:p>
+          <a:p>
+            <a:endParaRPr lang="en-US" dirty="0">
+              <a:latin typeface="+mj-lt"/>
+            </a:endParaRPr>
+          </a:p>
+          <a:p>
+            <a:pPr marL="0" indent="0">
+              <a:buNone/>
+            </a:pPr>
+            <a:r>
+              <a:rPr lang="en-US" dirty="0">
+                <a:latin typeface="+mj-lt"/>
+              </a:rPr>
+              <a:t>&gt; Analyzing Logs/Data                    &gt; Analyzing Logs/Data</a:t>
+            </a:r>
+          </a:p>
+          <a:p>
+            <a:endParaRPr lang="en-US" dirty="0">
+              <a:latin typeface="+mj-lt"/>
+            </a:endParaRPr>
+          </a:p>
+          <a:p>
+            <a:endParaRPr lang="en-US" dirty="0">
+              <a:latin typeface="+mj-lt"/>
+            </a:endParaRPr>
+          </a:p>
+        </p:txBody>
+      </p:sp>
+      <p:sp>
+        <p:nvSpPr>
+          <p:cNvPr id="3" name="Title 2"/>
+          <p:cNvSpPr>
+            <a:spLocks noGrp="1"/>
+          </p:cNvSpPr>
+          <p:nvPr>
+            <p:ph type="title"/>
+          </p:nvPr>
+        </p:nvSpPr>
+        <p:spPr/>
+        <p:txBody>
+          <a:bodyPr/>
+          <a:lstStyle/>
+          <a:p>
+            <a:r>
+              <a:rPr lang="en-US" dirty="0">
+                <a:latin typeface="+mj-lt"/>
+              </a:rPr>
+              <a:t>Basics</a:t>
             </a:r>
           </a:p>
         </p:txBody>
@@ -8284,10 +9022,18 @@
   <p:clrMapOvr>
     <a:masterClrMapping/>
   </p:clrMapOvr>
+  <mc:AlternateContent xmlns:mc="http://schemas.openxmlformats.org/markup-compatibility/2006">
+    <mc:Choice xmlns:p14="http://schemas.microsoft.com/office/powerpoint/2010/main" Requires="p14">
+      <p:transition spd="slow" p14:dur="2000" advClick="0"/>
+    </mc:Choice>
+    <mc:Fallback>
+      <p:transition spd="slow" advClick="0"/>
+    </mc:Fallback>
+  </mc:AlternateContent>
 </p:sld>
 </file>
 
-<file path=ppt/slides/slide4.xml><?xml version="1.0" encoding="utf-8"?>
+<file path=ppt/slides/slide6.xml><?xml version="1.0" encoding="utf-8"?>
 <p:sld xmlns:a="http://schemas.openxmlformats.org/drawingml/2006/main" xmlns:r="http://schemas.openxmlformats.org/officeDocument/2006/relationships" xmlns:p="http://schemas.openxmlformats.org/presentationml/2006/main">
   <p:cSld>
     <p:spTree>
@@ -8323,7 +9069,7 @@
               <a:rPr lang="en-US" dirty="0">
                 <a:latin typeface="+mj-lt"/>
               </a:rPr>
-              <a:t>Some Basics</a:t>
+              <a:t>Basics</a:t>
             </a:r>
           </a:p>
         </p:txBody>
@@ -8358,8 +9104,8 @@
         </p:blipFill>
         <p:spPr>
           <a:xfrm>
-            <a:off x="3886200" y="1091573"/>
-            <a:ext cx="1617784" cy="1752600"/>
+            <a:off x="3919493" y="1181981"/>
+            <a:ext cx="1305014" cy="1413766"/>
           </a:xfrm>
         </p:spPr>
       </p:pic>
@@ -8391,8 +9137,8 @@
         </p:blipFill>
         <p:spPr>
           <a:xfrm>
-            <a:off x="3399692" y="2755266"/>
-            <a:ext cx="2590800" cy="1347468"/>
+            <a:off x="3640826" y="2916786"/>
+            <a:ext cx="2051148" cy="1066797"/>
           </a:xfrm>
           <a:prstGeom prst="rect">
             <a:avLst/>
@@ -8427,8 +9173,8 @@
         </p:blipFill>
         <p:spPr>
           <a:xfrm>
-            <a:off x="838200" y="2590800"/>
-            <a:ext cx="1480393" cy="1480393"/>
+            <a:off x="1051789" y="2913182"/>
+            <a:ext cx="1158011" cy="1158011"/>
           </a:xfrm>
           <a:prstGeom prst="rect">
             <a:avLst/>
@@ -8463,8 +9209,8 @@
         </p:blipFill>
         <p:spPr>
           <a:xfrm>
-            <a:off x="7158273" y="2744256"/>
-            <a:ext cx="1161382" cy="1173480"/>
+            <a:off x="7212047" y="2918411"/>
+            <a:ext cx="816662" cy="825169"/>
           </a:xfrm>
           <a:prstGeom prst="rect">
             <a:avLst/>
@@ -8499,8 +9245,8 @@
         </p:blipFill>
         <p:spPr>
           <a:xfrm>
-            <a:off x="4059458" y="4659978"/>
-            <a:ext cx="1271268" cy="1271268"/>
+            <a:off x="4167941" y="4945501"/>
+            <a:ext cx="986947" cy="986947"/>
           </a:xfrm>
           <a:prstGeom prst="rect">
             <a:avLst/>
@@ -8522,7 +9268,7 @@
         <p:spPr>
           <a:xfrm>
             <a:off x="785312" y="3918068"/>
-            <a:ext cx="1676400" cy="369332"/>
+            <a:ext cx="1676400" cy="307777"/>
           </a:xfrm>
           <a:prstGeom prst="rect">
             <a:avLst/>
@@ -8537,7 +9283,7 @@
           <a:p>
             <a:pPr algn="ctr"/>
             <a:r>
-              <a:rPr lang="en-US" dirty="0">
+              <a:rPr lang="en-US" sz="1400" dirty="0">
                 <a:solidFill>
                   <a:schemeClr val="bg1"/>
                 </a:solidFill>
@@ -8565,7 +9311,7 @@
         <p:spPr>
           <a:xfrm>
             <a:off x="7036955" y="3921314"/>
-            <a:ext cx="1327993" cy="1477328"/>
+            <a:ext cx="1327993" cy="954107"/>
           </a:xfrm>
           <a:prstGeom prst="rect">
             <a:avLst/>
@@ -8580,7 +9326,7 @@
           <a:p>
             <a:pPr algn="ctr"/>
             <a:r>
-              <a:rPr lang="en-US" dirty="0">
+              <a:rPr lang="en-US" sz="1400" dirty="0">
                 <a:solidFill>
                   <a:schemeClr val="bg1"/>
                 </a:solidFill>
@@ -8607,8 +9353,8 @@
         </p:nvSpPr>
         <p:spPr>
           <a:xfrm>
-            <a:off x="3800385" y="2367425"/>
-            <a:ext cx="1789413" cy="369332"/>
+            <a:off x="3955955" y="2272582"/>
+            <a:ext cx="1305015" cy="307777"/>
           </a:xfrm>
           <a:prstGeom prst="rect">
             <a:avLst/>
@@ -8623,7 +9369,7 @@
           <a:p>
             <a:pPr algn="ctr"/>
             <a:r>
-              <a:rPr lang="en-US" dirty="0">
+              <a:rPr lang="en-US" sz="1400" dirty="0">
                 <a:solidFill>
                   <a:schemeClr val="bg1"/>
                 </a:solidFill>
@@ -8651,7 +9397,7 @@
         <p:spPr>
           <a:xfrm>
             <a:off x="3323492" y="5917391"/>
-            <a:ext cx="2743200" cy="369332"/>
+            <a:ext cx="2743200" cy="307777"/>
           </a:xfrm>
           <a:prstGeom prst="rect">
             <a:avLst/>
@@ -8666,7 +9412,7 @@
           <a:p>
             <a:pPr algn="ctr"/>
             <a:r>
-              <a:rPr lang="en-US" dirty="0">
+              <a:rPr lang="en-US" sz="1400" dirty="0">
                 <a:solidFill>
                   <a:schemeClr val="bg1"/>
                 </a:solidFill>
@@ -8693,8 +9439,8 @@
         </p:nvSpPr>
         <p:spPr>
           <a:xfrm>
-            <a:off x="3288856" y="3918068"/>
-            <a:ext cx="2743200" cy="369332"/>
+            <a:off x="4167941" y="3959423"/>
+            <a:ext cx="986947" cy="307777"/>
           </a:xfrm>
           <a:prstGeom prst="rect">
             <a:avLst/>
@@ -8709,7 +9455,7 @@
           <a:p>
             <a:pPr algn="ctr"/>
             <a:r>
-              <a:rPr lang="en-US" dirty="0">
+              <a:rPr lang="en-US" sz="1400" dirty="0">
                 <a:solidFill>
                   <a:schemeClr val="bg1"/>
                 </a:solidFill>
@@ -8722,6 +9468,252 @@
           </a:p>
         </p:txBody>
       </p:sp>
+      <p:cxnSp>
+        <p:nvCxnSpPr>
+          <p:cNvPr id="4" name="Straight Arrow Connector 3">
+            <a:extLst>
+              <a:ext uri="{FF2B5EF4-FFF2-40B4-BE49-F238E27FC236}">
+                <a16:creationId xmlns:a16="http://schemas.microsoft.com/office/drawing/2014/main" id="{B8CCB899-B9B2-29C3-DD0E-441AF49A6617}"/>
+              </a:ext>
+            </a:extLst>
+          </p:cNvPr>
+          <p:cNvCxnSpPr>
+            <a:cxnSpLocks/>
+          </p:cNvCxnSpPr>
+          <p:nvPr/>
+        </p:nvCxnSpPr>
+        <p:spPr>
+          <a:xfrm>
+            <a:off x="2461712" y="3492187"/>
+            <a:ext cx="510088" cy="0"/>
+          </a:xfrm>
+          <a:prstGeom prst="straightConnector1">
+            <a:avLst/>
+          </a:prstGeom>
+          <a:ln w="28575">
+            <a:tailEnd type="triangle"/>
+          </a:ln>
+        </p:spPr>
+        <p:style>
+          <a:lnRef idx="1">
+            <a:schemeClr val="accent1"/>
+          </a:lnRef>
+          <a:fillRef idx="0">
+            <a:schemeClr val="accent1"/>
+          </a:fillRef>
+          <a:effectRef idx="0">
+            <a:schemeClr val="accent1"/>
+          </a:effectRef>
+          <a:fontRef idx="minor">
+            <a:schemeClr val="tx1"/>
+          </a:fontRef>
+        </p:style>
+      </p:cxnSp>
+      <p:cxnSp>
+        <p:nvCxnSpPr>
+          <p:cNvPr id="5" name="Straight Arrow Connector 4">
+            <a:extLst>
+              <a:ext uri="{FF2B5EF4-FFF2-40B4-BE49-F238E27FC236}">
+                <a16:creationId xmlns:a16="http://schemas.microsoft.com/office/drawing/2014/main" id="{018679E7-424C-D9B2-7CF7-2A5F791F8C2B}"/>
+              </a:ext>
+            </a:extLst>
+          </p:cNvPr>
+          <p:cNvCxnSpPr>
+            <a:cxnSpLocks/>
+          </p:cNvCxnSpPr>
+          <p:nvPr/>
+        </p:nvCxnSpPr>
+        <p:spPr>
+          <a:xfrm flipH="1">
+            <a:off x="6324600" y="3486102"/>
+            <a:ext cx="398584" cy="6085"/>
+          </a:xfrm>
+          <a:prstGeom prst="straightConnector1">
+            <a:avLst/>
+          </a:prstGeom>
+          <a:ln w="28575">
+            <a:tailEnd type="triangle"/>
+          </a:ln>
+        </p:spPr>
+        <p:style>
+          <a:lnRef idx="1">
+            <a:schemeClr val="accent1"/>
+          </a:lnRef>
+          <a:fillRef idx="0">
+            <a:schemeClr val="accent1"/>
+          </a:fillRef>
+          <a:effectRef idx="0">
+            <a:schemeClr val="accent1"/>
+          </a:effectRef>
+          <a:fontRef idx="minor">
+            <a:schemeClr val="tx1"/>
+          </a:fontRef>
+        </p:style>
+      </p:cxnSp>
+      <p:cxnSp>
+        <p:nvCxnSpPr>
+          <p:cNvPr id="8" name="Straight Arrow Connector 7">
+            <a:extLst>
+              <a:ext uri="{FF2B5EF4-FFF2-40B4-BE49-F238E27FC236}">
+                <a16:creationId xmlns:a16="http://schemas.microsoft.com/office/drawing/2014/main" id="{88D8014C-7F9F-BC0A-845D-227F044BBC5C}"/>
+              </a:ext>
+            </a:extLst>
+          </p:cNvPr>
+          <p:cNvCxnSpPr>
+            <a:cxnSpLocks/>
+          </p:cNvCxnSpPr>
+          <p:nvPr/>
+        </p:nvCxnSpPr>
+        <p:spPr>
+          <a:xfrm flipV="1">
+            <a:off x="4673523" y="4419991"/>
+            <a:ext cx="0" cy="409550"/>
+          </a:xfrm>
+          <a:prstGeom prst="straightConnector1">
+            <a:avLst/>
+          </a:prstGeom>
+          <a:ln w="28575">
+            <a:tailEnd type="triangle"/>
+          </a:ln>
+        </p:spPr>
+        <p:style>
+          <a:lnRef idx="1">
+            <a:schemeClr val="accent1"/>
+          </a:lnRef>
+          <a:fillRef idx="0">
+            <a:schemeClr val="accent1"/>
+          </a:fillRef>
+          <a:effectRef idx="0">
+            <a:schemeClr val="accent1"/>
+          </a:effectRef>
+          <a:fontRef idx="minor">
+            <a:schemeClr val="tx1"/>
+          </a:fontRef>
+        </p:style>
+      </p:cxnSp>
+      <p:cxnSp>
+        <p:nvCxnSpPr>
+          <p:cNvPr id="13" name="Straight Arrow Connector 12">
+            <a:extLst>
+              <a:ext uri="{FF2B5EF4-FFF2-40B4-BE49-F238E27FC236}">
+                <a16:creationId xmlns:a16="http://schemas.microsoft.com/office/drawing/2014/main" id="{0945033B-067E-662A-5970-5067DC6BE755}"/>
+              </a:ext>
+            </a:extLst>
+          </p:cNvPr>
+          <p:cNvCxnSpPr>
+            <a:cxnSpLocks/>
+          </p:cNvCxnSpPr>
+          <p:nvPr/>
+        </p:nvCxnSpPr>
+        <p:spPr>
+          <a:xfrm flipV="1">
+            <a:off x="4572000" y="2633503"/>
+            <a:ext cx="0" cy="338297"/>
+          </a:xfrm>
+          <a:prstGeom prst="straightConnector1">
+            <a:avLst/>
+          </a:prstGeom>
+          <a:ln w="28575">
+            <a:tailEnd type="triangle"/>
+          </a:ln>
+        </p:spPr>
+        <p:style>
+          <a:lnRef idx="1">
+            <a:schemeClr val="accent1"/>
+          </a:lnRef>
+          <a:fillRef idx="0">
+            <a:schemeClr val="accent1"/>
+          </a:fillRef>
+          <a:effectRef idx="0">
+            <a:schemeClr val="accent1"/>
+          </a:effectRef>
+          <a:fontRef idx="minor">
+            <a:schemeClr val="tx1"/>
+          </a:fontRef>
+        </p:style>
+      </p:cxnSp>
+      <p:cxnSp>
+        <p:nvCxnSpPr>
+          <p:cNvPr id="15" name="Straight Arrow Connector 14">
+            <a:extLst>
+              <a:ext uri="{FF2B5EF4-FFF2-40B4-BE49-F238E27FC236}">
+                <a16:creationId xmlns:a16="http://schemas.microsoft.com/office/drawing/2014/main" id="{05FDF194-6B67-3532-3361-08EC7BC64530}"/>
+              </a:ext>
+            </a:extLst>
+          </p:cNvPr>
+          <p:cNvCxnSpPr>
+            <a:cxnSpLocks/>
+          </p:cNvCxnSpPr>
+          <p:nvPr/>
+        </p:nvCxnSpPr>
+        <p:spPr>
+          <a:xfrm>
+            <a:off x="4695092" y="2657178"/>
+            <a:ext cx="0" cy="325984"/>
+          </a:xfrm>
+          <a:prstGeom prst="straightConnector1">
+            <a:avLst/>
+          </a:prstGeom>
+          <a:ln w="28575">
+            <a:tailEnd type="triangle"/>
+          </a:ln>
+        </p:spPr>
+        <p:style>
+          <a:lnRef idx="1">
+            <a:schemeClr val="accent1"/>
+          </a:lnRef>
+          <a:fillRef idx="0">
+            <a:schemeClr val="accent1"/>
+          </a:fillRef>
+          <a:effectRef idx="0">
+            <a:schemeClr val="accent1"/>
+          </a:effectRef>
+          <a:fontRef idx="minor">
+            <a:schemeClr val="tx1"/>
+          </a:fontRef>
+        </p:style>
+      </p:cxnSp>
+      <p:cxnSp>
+        <p:nvCxnSpPr>
+          <p:cNvPr id="17" name="Straight Arrow Connector 16">
+            <a:extLst>
+              <a:ext uri="{FF2B5EF4-FFF2-40B4-BE49-F238E27FC236}">
+                <a16:creationId xmlns:a16="http://schemas.microsoft.com/office/drawing/2014/main" id="{EB5A8DFC-B16D-C9B9-188B-F30BAD050A59}"/>
+              </a:ext>
+            </a:extLst>
+          </p:cNvPr>
+          <p:cNvCxnSpPr>
+            <a:cxnSpLocks/>
+          </p:cNvCxnSpPr>
+          <p:nvPr/>
+        </p:nvCxnSpPr>
+        <p:spPr>
+          <a:xfrm flipH="1">
+            <a:off x="2693212" y="2456104"/>
+            <a:ext cx="458799" cy="331963"/>
+          </a:xfrm>
+          <a:prstGeom prst="straightConnector1">
+            <a:avLst/>
+          </a:prstGeom>
+          <a:ln w="28575">
+            <a:tailEnd type="triangle"/>
+          </a:ln>
+        </p:spPr>
+        <p:style>
+          <a:lnRef idx="1">
+            <a:schemeClr val="accent1"/>
+          </a:lnRef>
+          <a:fillRef idx="0">
+            <a:schemeClr val="accent1"/>
+          </a:fillRef>
+          <a:effectRef idx="0">
+            <a:schemeClr val="accent1"/>
+          </a:effectRef>
+          <a:fontRef idx="minor">
+            <a:schemeClr val="tx1"/>
+          </a:fontRef>
+        </p:style>
+      </p:cxnSp>
     </p:spTree>
     <p:extLst>
       <p:ext uri="{BB962C8B-B14F-4D97-AF65-F5344CB8AC3E}">
@@ -8732,422 +9724,14 @@
   <p:clrMapOvr>
     <a:masterClrMapping/>
   </p:clrMapOvr>
-</p:sld>
-</file>
-
-<file path=ppt/slides/slide5.xml><?xml version="1.0" encoding="utf-8"?>
-<p:sld xmlns:a="http://schemas.openxmlformats.org/drawingml/2006/main" xmlns:r="http://schemas.openxmlformats.org/officeDocument/2006/relationships" xmlns:p="http://schemas.openxmlformats.org/presentationml/2006/main">
-  <p:cSld>
-    <p:spTree>
-      <p:nvGrpSpPr>
-        <p:cNvPr id="1" name=""/>
-        <p:cNvGrpSpPr/>
-        <p:nvPr/>
-      </p:nvGrpSpPr>
-      <p:grpSpPr>
-        <a:xfrm>
-          <a:off x="0" y="0"/>
-          <a:ext cx="0" cy="0"/>
-          <a:chOff x="0" y="0"/>
-          <a:chExt cx="0" cy="0"/>
-        </a:xfrm>
-      </p:grpSpPr>
-      <p:sp>
-        <p:nvSpPr>
-          <p:cNvPr id="2" name="Content Placeholder 1"/>
-          <p:cNvSpPr>
-            <a:spLocks noGrp="1"/>
-          </p:cNvSpPr>
-          <p:nvPr>
-            <p:ph idx="1"/>
-          </p:nvPr>
-        </p:nvSpPr>
-        <p:spPr/>
-        <p:txBody>
-          <a:bodyPr>
-            <a:normAutofit lnSpcReduction="10000"/>
-          </a:bodyPr>
-          <a:lstStyle/>
-          <a:p>
-            <a:r>
-              <a:rPr lang="en-US" dirty="0">
-                <a:latin typeface="+mj-lt"/>
-              </a:rPr>
-              <a:t>When we stated up an ES instance, what actually happened, was that we started up a NODE.</a:t>
-            </a:r>
-          </a:p>
-          <a:p>
-            <a:r>
-              <a:rPr lang="en-US" dirty="0">
-                <a:latin typeface="+mj-lt"/>
-              </a:rPr>
-              <a:t>Node is nothing but an instance of elastic search that stores terabytes of data.</a:t>
-            </a:r>
-          </a:p>
-          <a:p>
-            <a:r>
-              <a:rPr lang="en-US" dirty="0">
-                <a:latin typeface="+mj-lt"/>
-              </a:rPr>
-              <a:t>Each node will store a part of data.</a:t>
-            </a:r>
-          </a:p>
-          <a:p>
-            <a:r>
-              <a:rPr lang="en-US" dirty="0">
-                <a:latin typeface="+mj-lt"/>
-              </a:rPr>
-              <a:t>A node refers to an instance of Elasticsearch and not a machine, so you can run any number of nodes on the same machine for any environment.</a:t>
-            </a:r>
-          </a:p>
-          <a:p>
-            <a:r>
-              <a:rPr lang="en-US" dirty="0">
-                <a:latin typeface="+mj-lt"/>
-              </a:rPr>
-              <a:t>Cross cluster search is possible but not recommended.</a:t>
-            </a:r>
-          </a:p>
-        </p:txBody>
-      </p:sp>
-      <p:sp>
-        <p:nvSpPr>
-          <p:cNvPr id="3" name="Title 2"/>
-          <p:cNvSpPr>
-            <a:spLocks noGrp="1"/>
-          </p:cNvSpPr>
-          <p:nvPr>
-            <p:ph type="title"/>
-          </p:nvPr>
-        </p:nvSpPr>
-        <p:spPr/>
-        <p:txBody>
-          <a:bodyPr/>
-          <a:lstStyle/>
-          <a:p>
-            <a:r>
-              <a:rPr lang="en-US" dirty="0">
-                <a:latin typeface="+mj-lt"/>
-              </a:rPr>
-              <a:t>Architecture</a:t>
-            </a:r>
-          </a:p>
-        </p:txBody>
-      </p:sp>
-    </p:spTree>
-    <p:extLst>
-      <p:ext uri="{BB962C8B-B14F-4D97-AF65-F5344CB8AC3E}">
-        <p14:creationId xmlns:p14="http://schemas.microsoft.com/office/powerpoint/2010/main" val="104279265"/>
-      </p:ext>
-    </p:extLst>
-  </p:cSld>
-  <p:clrMapOvr>
-    <a:masterClrMapping/>
-  </p:clrMapOvr>
-</p:sld>
-</file>
-
-<file path=ppt/slides/slide6.xml><?xml version="1.0" encoding="utf-8"?>
-<p:sld xmlns:a="http://schemas.openxmlformats.org/drawingml/2006/main" xmlns:r="http://schemas.openxmlformats.org/officeDocument/2006/relationships" xmlns:p="http://schemas.openxmlformats.org/presentationml/2006/main">
-  <p:cSld>
-    <p:spTree>
-      <p:nvGrpSpPr>
-        <p:cNvPr id="1" name=""/>
-        <p:cNvGrpSpPr/>
-        <p:nvPr/>
-      </p:nvGrpSpPr>
-      <p:grpSpPr>
-        <a:xfrm>
-          <a:off x="0" y="0"/>
-          <a:ext cx="0" cy="0"/>
-          <a:chOff x="0" y="0"/>
-          <a:chExt cx="0" cy="0"/>
-        </a:xfrm>
-      </p:grpSpPr>
-      <p:sp>
-        <p:nvSpPr>
-          <p:cNvPr id="2" name="Content Placeholder 1"/>
-          <p:cNvSpPr>
-            <a:spLocks noGrp="1"/>
-          </p:cNvSpPr>
-          <p:nvPr>
-            <p:ph idx="1"/>
-          </p:nvPr>
-        </p:nvSpPr>
-        <p:spPr/>
-        <p:txBody>
-          <a:bodyPr/>
-          <a:lstStyle/>
-          <a:p>
-            <a:pPr marL="0" indent="0">
-              <a:buNone/>
-            </a:pPr>
-            <a:endParaRPr lang="en-US" dirty="0">
-              <a:latin typeface="+mj-lt"/>
-            </a:endParaRPr>
-          </a:p>
-        </p:txBody>
-      </p:sp>
-      <p:sp>
-        <p:nvSpPr>
-          <p:cNvPr id="3" name="Title 2"/>
-          <p:cNvSpPr>
-            <a:spLocks noGrp="1"/>
-          </p:cNvSpPr>
-          <p:nvPr>
-            <p:ph type="title"/>
-          </p:nvPr>
-        </p:nvSpPr>
-        <p:spPr/>
-        <p:txBody>
-          <a:bodyPr/>
-          <a:lstStyle/>
-          <a:p>
-            <a:r>
-              <a:rPr lang="en-US" dirty="0">
-                <a:latin typeface="+mj-lt"/>
-              </a:rPr>
-              <a:t>Architecture</a:t>
-            </a:r>
-          </a:p>
-        </p:txBody>
-      </p:sp>
-      <p:sp>
-        <p:nvSpPr>
-          <p:cNvPr id="4" name="Oval 3">
-            <a:extLst>
-              <a:ext uri="{FF2B5EF4-FFF2-40B4-BE49-F238E27FC236}">
-                <a16:creationId xmlns:a16="http://schemas.microsoft.com/office/drawing/2014/main" id="{77F2B175-239A-4B71-6D48-476AB722D5B3}"/>
-              </a:ext>
-            </a:extLst>
-          </p:cNvPr>
-          <p:cNvSpPr/>
-          <p:nvPr/>
-        </p:nvSpPr>
-        <p:spPr>
-          <a:xfrm>
-            <a:off x="1905000" y="1752600"/>
-            <a:ext cx="4800600" cy="4267200"/>
-          </a:xfrm>
-          <a:prstGeom prst="ellipse">
-            <a:avLst/>
-          </a:prstGeom>
-        </p:spPr>
-        <p:style>
-          <a:lnRef idx="2">
-            <a:schemeClr val="accent6"/>
-          </a:lnRef>
-          <a:fillRef idx="1">
-            <a:schemeClr val="lt1"/>
-          </a:fillRef>
-          <a:effectRef idx="0">
-            <a:schemeClr val="accent6"/>
-          </a:effectRef>
-          <a:fontRef idx="minor">
-            <a:schemeClr val="dk1"/>
-          </a:fontRef>
-        </p:style>
-        <p:txBody>
-          <a:bodyPr rtlCol="0" anchor="ctr"/>
-          <a:lstStyle/>
-          <a:p>
-            <a:pPr algn="ctr"/>
-            <a:endParaRPr lang="en-US" dirty="0"/>
-          </a:p>
-        </p:txBody>
-      </p:sp>
-      <p:sp>
-        <p:nvSpPr>
-          <p:cNvPr id="5" name="Oval 4">
-            <a:extLst>
-              <a:ext uri="{FF2B5EF4-FFF2-40B4-BE49-F238E27FC236}">
-                <a16:creationId xmlns:a16="http://schemas.microsoft.com/office/drawing/2014/main" id="{9CBEFAF8-3619-B5AE-05E9-C6C4B176C734}"/>
-              </a:ext>
-            </a:extLst>
-          </p:cNvPr>
-          <p:cNvSpPr/>
-          <p:nvPr/>
-        </p:nvSpPr>
-        <p:spPr>
-          <a:xfrm>
-            <a:off x="2514600" y="2431473"/>
-            <a:ext cx="1600200" cy="1447800"/>
-          </a:xfrm>
-          <a:prstGeom prst="ellipse">
-            <a:avLst/>
-          </a:prstGeom>
-        </p:spPr>
-        <p:style>
-          <a:lnRef idx="2">
-            <a:schemeClr val="accent2">
-              <a:shade val="50000"/>
-            </a:schemeClr>
-          </a:lnRef>
-          <a:fillRef idx="1">
-            <a:schemeClr val="accent2"/>
-          </a:fillRef>
-          <a:effectRef idx="0">
-            <a:schemeClr val="accent2"/>
-          </a:effectRef>
-          <a:fontRef idx="minor">
-            <a:schemeClr val="lt1"/>
-          </a:fontRef>
-        </p:style>
-        <p:txBody>
-          <a:bodyPr rtlCol="0" anchor="ctr"/>
-          <a:lstStyle/>
-          <a:p>
-            <a:pPr algn="ctr"/>
-            <a:r>
-              <a:rPr lang="en-US" dirty="0"/>
-              <a:t>Node A</a:t>
-            </a:r>
-          </a:p>
-        </p:txBody>
-      </p:sp>
-      <p:sp>
-        <p:nvSpPr>
-          <p:cNvPr id="6" name="Oval 5">
-            <a:extLst>
-              <a:ext uri="{FF2B5EF4-FFF2-40B4-BE49-F238E27FC236}">
-                <a16:creationId xmlns:a16="http://schemas.microsoft.com/office/drawing/2014/main" id="{4D11B265-0403-0B15-2E4A-5661A513B9C8}"/>
-              </a:ext>
-            </a:extLst>
-          </p:cNvPr>
-          <p:cNvSpPr/>
-          <p:nvPr/>
-        </p:nvSpPr>
-        <p:spPr>
-          <a:xfrm>
-            <a:off x="4457702" y="2431473"/>
-            <a:ext cx="1600200" cy="1447800"/>
-          </a:xfrm>
-          <a:prstGeom prst="ellipse">
-            <a:avLst/>
-          </a:prstGeom>
-        </p:spPr>
-        <p:style>
-          <a:lnRef idx="2">
-            <a:schemeClr val="accent3">
-              <a:shade val="50000"/>
-            </a:schemeClr>
-          </a:lnRef>
-          <a:fillRef idx="1">
-            <a:schemeClr val="accent3"/>
-          </a:fillRef>
-          <a:effectRef idx="0">
-            <a:schemeClr val="accent3"/>
-          </a:effectRef>
-          <a:fontRef idx="minor">
-            <a:schemeClr val="lt1"/>
-          </a:fontRef>
-        </p:style>
-        <p:txBody>
-          <a:bodyPr rtlCol="0" anchor="ctr"/>
-          <a:lstStyle/>
-          <a:p>
-            <a:pPr algn="ctr"/>
-            <a:r>
-              <a:rPr lang="en-US" dirty="0"/>
-              <a:t>Node C</a:t>
-            </a:r>
-          </a:p>
-        </p:txBody>
-      </p:sp>
-      <p:sp>
-        <p:nvSpPr>
-          <p:cNvPr id="7" name="Oval 6">
-            <a:extLst>
-              <a:ext uri="{FF2B5EF4-FFF2-40B4-BE49-F238E27FC236}">
-                <a16:creationId xmlns:a16="http://schemas.microsoft.com/office/drawing/2014/main" id="{E92D31CA-3ADD-66E0-C142-AC27C80E4EB7}"/>
-              </a:ext>
-            </a:extLst>
-          </p:cNvPr>
-          <p:cNvSpPr/>
-          <p:nvPr/>
-        </p:nvSpPr>
-        <p:spPr>
-          <a:xfrm>
-            <a:off x="3505200" y="4038600"/>
-            <a:ext cx="1600200" cy="1447800"/>
-          </a:xfrm>
-          <a:prstGeom prst="ellipse">
-            <a:avLst/>
-          </a:prstGeom>
-        </p:spPr>
-        <p:style>
-          <a:lnRef idx="2">
-            <a:schemeClr val="accent5">
-              <a:shade val="50000"/>
-            </a:schemeClr>
-          </a:lnRef>
-          <a:fillRef idx="1">
-            <a:schemeClr val="accent5"/>
-          </a:fillRef>
-          <a:effectRef idx="0">
-            <a:schemeClr val="accent5"/>
-          </a:effectRef>
-          <a:fontRef idx="minor">
-            <a:schemeClr val="lt1"/>
-          </a:fontRef>
-        </p:style>
-        <p:txBody>
-          <a:bodyPr rtlCol="0" anchor="ctr"/>
-          <a:lstStyle/>
-          <a:p>
-            <a:pPr algn="ctr"/>
-            <a:r>
-              <a:rPr lang="en-US" dirty="0"/>
-              <a:t>Node B</a:t>
-            </a:r>
-          </a:p>
-        </p:txBody>
-      </p:sp>
-      <p:sp>
-        <p:nvSpPr>
-          <p:cNvPr id="8" name="TextBox 7">
-            <a:extLst>
-              <a:ext uri="{FF2B5EF4-FFF2-40B4-BE49-F238E27FC236}">
-                <a16:creationId xmlns:a16="http://schemas.microsoft.com/office/drawing/2014/main" id="{AF0F00E2-7226-B9BF-77CA-A449B2AC6E43}"/>
-              </a:ext>
-            </a:extLst>
-          </p:cNvPr>
-          <p:cNvSpPr txBox="1"/>
-          <p:nvPr/>
-        </p:nvSpPr>
-        <p:spPr>
-          <a:xfrm>
-            <a:off x="3886200" y="1981200"/>
-            <a:ext cx="990600" cy="369332"/>
-          </a:xfrm>
-          <a:prstGeom prst="rect">
-            <a:avLst/>
-          </a:prstGeom>
-          <a:noFill/>
-        </p:spPr>
-        <p:txBody>
-          <a:bodyPr wrap="square" rtlCol="0">
-            <a:spAutoFit/>
-          </a:bodyPr>
-          <a:lstStyle/>
-          <a:p>
-            <a:r>
-              <a:rPr lang="en-US" b="1" dirty="0"/>
-              <a:t>Cluster</a:t>
-            </a:r>
-          </a:p>
-        </p:txBody>
-      </p:sp>
-    </p:spTree>
-    <p:extLst>
-      <p:ext uri="{BB962C8B-B14F-4D97-AF65-F5344CB8AC3E}">
-        <p14:creationId xmlns:p14="http://schemas.microsoft.com/office/powerpoint/2010/main" val="3175256717"/>
-      </p:ext>
-    </p:extLst>
-  </p:cSld>
-  <p:clrMapOvr>
-    <a:masterClrMapping/>
-  </p:clrMapOvr>
+  <mc:AlternateContent xmlns:mc="http://schemas.openxmlformats.org/markup-compatibility/2006">
+    <mc:Choice xmlns:p14="http://schemas.microsoft.com/office/powerpoint/2010/main" Requires="p14">
+      <p:transition spd="slow" p14:dur="2000" advClick="0"/>
+    </mc:Choice>
+    <mc:Fallback>
+      <p:transition spd="slow" advClick="0"/>
+    </mc:Fallback>
+  </mc:AlternateContent>
 </p:sld>
 </file>
 
@@ -9180,14 +9764,16 @@
         </p:nvSpPr>
         <p:spPr/>
         <p:txBody>
-          <a:bodyPr/>
+          <a:bodyPr>
+            <a:normAutofit lnSpcReduction="10000"/>
+          </a:bodyPr>
           <a:lstStyle/>
           <a:p>
             <a:r>
               <a:rPr lang="en-US" dirty="0">
                 <a:latin typeface="+mj-lt"/>
               </a:rPr>
-              <a:t>Each unit of data that you store within your cluster is called a document.</a:t>
+              <a:t>When we stated up an ES instance, what actually happened, was that we started up a NODE.</a:t>
             </a:r>
           </a:p>
           <a:p>
@@ -9195,7 +9781,7 @@
               <a:rPr lang="en-US" dirty="0">
                 <a:latin typeface="+mj-lt"/>
               </a:rPr>
-              <a:t>Documents are JSON Objects containing whatever data you desire.</a:t>
+              <a:t>Node is nothing but an instance of elastic search that stores terabytes of data.</a:t>
             </a:r>
           </a:p>
           <a:p>
@@ -9203,7 +9789,7 @@
               <a:rPr lang="en-US" dirty="0">
                 <a:latin typeface="+mj-lt"/>
               </a:rPr>
-              <a:t>ES stores every document along with some metadata that ES uses internally.</a:t>
+              <a:t>Each node will store a part of data.</a:t>
             </a:r>
           </a:p>
           <a:p>
@@ -9211,7 +9797,15 @@
               <a:rPr lang="en-US" dirty="0">
                 <a:latin typeface="+mj-lt"/>
               </a:rPr>
-              <a:t>Data is stored as documents which are JSON Objects.</a:t>
+              <a:t>A node refers to an instance of Elasticsearch and not a machine, so you can run any number of nodes on the same machine for any environment.</a:t>
+            </a:r>
+          </a:p>
+          <a:p>
+            <a:r>
+              <a:rPr lang="en-US" dirty="0">
+                <a:latin typeface="+mj-lt"/>
+              </a:rPr>
+              <a:t>Cross cluster search is possible but not recommended.</a:t>
             </a:r>
           </a:p>
         </p:txBody>
@@ -9235,7 +9829,7 @@
               <a:rPr lang="en-US" dirty="0">
                 <a:latin typeface="+mj-lt"/>
               </a:rPr>
-              <a:t>Architecture - Documents</a:t>
+              <a:t>Architecture</a:t>
             </a:r>
           </a:p>
         </p:txBody>
@@ -9243,13 +9837,21 @@
     </p:spTree>
     <p:extLst>
       <p:ext uri="{BB962C8B-B14F-4D97-AF65-F5344CB8AC3E}">
-        <p14:creationId xmlns:p14="http://schemas.microsoft.com/office/powerpoint/2010/main" val="4157597098"/>
+        <p14:creationId xmlns:p14="http://schemas.microsoft.com/office/powerpoint/2010/main" val="104279265"/>
       </p:ext>
     </p:extLst>
   </p:cSld>
   <p:clrMapOvr>
     <a:masterClrMapping/>
   </p:clrMapOvr>
+  <mc:AlternateContent xmlns:mc="http://schemas.openxmlformats.org/markup-compatibility/2006">
+    <mc:Choice xmlns:p14="http://schemas.microsoft.com/office/powerpoint/2010/main" Requires="p14">
+      <p:transition spd="slow" p14:dur="2000" advClick="0"/>
+    </mc:Choice>
+    <mc:Fallback>
+      <p:transition spd="slow" advClick="0"/>
+    </mc:Fallback>
+  </mc:AlternateContent>
 </p:sld>
 </file>
 
@@ -9272,30 +9874,6 @@
       </p:grpSpPr>
       <p:sp>
         <p:nvSpPr>
-          <p:cNvPr id="2" name="Content Placeholder 1"/>
-          <p:cNvSpPr>
-            <a:spLocks noGrp="1"/>
-          </p:cNvSpPr>
-          <p:nvPr>
-            <p:ph idx="1"/>
-          </p:nvPr>
-        </p:nvSpPr>
-        <p:spPr/>
-        <p:txBody>
-          <a:bodyPr/>
-          <a:lstStyle/>
-          <a:p>
-            <a:r>
-              <a:rPr lang="en-US" dirty="0">
-                <a:latin typeface="+mj-lt"/>
-              </a:rPr>
-              <a:t>Need to paste an example</a:t>
-            </a:r>
-          </a:p>
-        </p:txBody>
-      </p:sp>
-      <p:sp>
-        <p:nvSpPr>
           <p:cNvPr id="3" name="Title 2"/>
           <p:cNvSpPr>
             <a:spLocks noGrp="1"/>
@@ -9313,7 +9891,233 @@
               <a:rPr lang="en-US" dirty="0">
                 <a:latin typeface="+mj-lt"/>
               </a:rPr>
-              <a:t>Architecture – Documents Example</a:t>
+              <a:t>Architecture</a:t>
+            </a:r>
+          </a:p>
+        </p:txBody>
+      </p:sp>
+      <p:sp>
+        <p:nvSpPr>
+          <p:cNvPr id="4" name="Oval 3">
+            <a:extLst>
+              <a:ext uri="{FF2B5EF4-FFF2-40B4-BE49-F238E27FC236}">
+                <a16:creationId xmlns:a16="http://schemas.microsoft.com/office/drawing/2014/main" id="{77F2B175-239A-4B71-6D48-476AB722D5B3}"/>
+              </a:ext>
+            </a:extLst>
+          </p:cNvPr>
+          <p:cNvSpPr/>
+          <p:nvPr/>
+        </p:nvSpPr>
+        <p:spPr>
+          <a:xfrm>
+            <a:off x="1905000" y="1752600"/>
+            <a:ext cx="4800600" cy="4267200"/>
+          </a:xfrm>
+          <a:prstGeom prst="ellipse">
+            <a:avLst/>
+          </a:prstGeom>
+        </p:spPr>
+        <p:style>
+          <a:lnRef idx="2">
+            <a:schemeClr val="accent6"/>
+          </a:lnRef>
+          <a:fillRef idx="1">
+            <a:schemeClr val="lt1"/>
+          </a:fillRef>
+          <a:effectRef idx="0">
+            <a:schemeClr val="accent6"/>
+          </a:effectRef>
+          <a:fontRef idx="minor">
+            <a:schemeClr val="dk1"/>
+          </a:fontRef>
+        </p:style>
+        <p:txBody>
+          <a:bodyPr rtlCol="0" anchor="ctr"/>
+          <a:lstStyle/>
+          <a:p>
+            <a:pPr algn="ctr"/>
+            <a:endParaRPr lang="en-US" dirty="0"/>
+          </a:p>
+        </p:txBody>
+      </p:sp>
+      <p:sp>
+        <p:nvSpPr>
+          <p:cNvPr id="5" name="Oval 4">
+            <a:extLst>
+              <a:ext uri="{FF2B5EF4-FFF2-40B4-BE49-F238E27FC236}">
+                <a16:creationId xmlns:a16="http://schemas.microsoft.com/office/drawing/2014/main" id="{9CBEFAF8-3619-B5AE-05E9-C6C4B176C734}"/>
+              </a:ext>
+            </a:extLst>
+          </p:cNvPr>
+          <p:cNvSpPr/>
+          <p:nvPr/>
+        </p:nvSpPr>
+        <p:spPr>
+          <a:xfrm>
+            <a:off x="2514600" y="2431473"/>
+            <a:ext cx="1600200" cy="1447800"/>
+          </a:xfrm>
+          <a:prstGeom prst="ellipse">
+            <a:avLst/>
+          </a:prstGeom>
+        </p:spPr>
+        <p:style>
+          <a:lnRef idx="2">
+            <a:schemeClr val="accent2">
+              <a:shade val="50000"/>
+            </a:schemeClr>
+          </a:lnRef>
+          <a:fillRef idx="1">
+            <a:schemeClr val="accent2"/>
+          </a:fillRef>
+          <a:effectRef idx="0">
+            <a:schemeClr val="accent2"/>
+          </a:effectRef>
+          <a:fontRef idx="minor">
+            <a:schemeClr val="lt1"/>
+          </a:fontRef>
+        </p:style>
+        <p:txBody>
+          <a:bodyPr rtlCol="0" anchor="ctr"/>
+          <a:lstStyle/>
+          <a:p>
+            <a:pPr algn="ctr"/>
+            <a:r>
+              <a:rPr lang="en-US" dirty="0"/>
+              <a:t>Node A</a:t>
+            </a:r>
+          </a:p>
+        </p:txBody>
+      </p:sp>
+      <p:sp>
+        <p:nvSpPr>
+          <p:cNvPr id="6" name="Oval 5">
+            <a:extLst>
+              <a:ext uri="{FF2B5EF4-FFF2-40B4-BE49-F238E27FC236}">
+                <a16:creationId xmlns:a16="http://schemas.microsoft.com/office/drawing/2014/main" id="{4D11B265-0403-0B15-2E4A-5661A513B9C8}"/>
+              </a:ext>
+            </a:extLst>
+          </p:cNvPr>
+          <p:cNvSpPr/>
+          <p:nvPr/>
+        </p:nvSpPr>
+        <p:spPr>
+          <a:xfrm>
+            <a:off x="4457702" y="2431473"/>
+            <a:ext cx="1600200" cy="1447800"/>
+          </a:xfrm>
+          <a:prstGeom prst="ellipse">
+            <a:avLst/>
+          </a:prstGeom>
+        </p:spPr>
+        <p:style>
+          <a:lnRef idx="2">
+            <a:schemeClr val="accent3">
+              <a:shade val="50000"/>
+            </a:schemeClr>
+          </a:lnRef>
+          <a:fillRef idx="1">
+            <a:schemeClr val="accent3"/>
+          </a:fillRef>
+          <a:effectRef idx="0">
+            <a:schemeClr val="accent3"/>
+          </a:effectRef>
+          <a:fontRef idx="minor">
+            <a:schemeClr val="lt1"/>
+          </a:fontRef>
+        </p:style>
+        <p:txBody>
+          <a:bodyPr rtlCol="0" anchor="ctr"/>
+          <a:lstStyle/>
+          <a:p>
+            <a:pPr algn="ctr"/>
+            <a:r>
+              <a:rPr lang="en-US" dirty="0"/>
+              <a:t>Node C</a:t>
+            </a:r>
+          </a:p>
+        </p:txBody>
+      </p:sp>
+      <p:sp>
+        <p:nvSpPr>
+          <p:cNvPr id="7" name="Oval 6">
+            <a:extLst>
+              <a:ext uri="{FF2B5EF4-FFF2-40B4-BE49-F238E27FC236}">
+                <a16:creationId xmlns:a16="http://schemas.microsoft.com/office/drawing/2014/main" id="{E92D31CA-3ADD-66E0-C142-AC27C80E4EB7}"/>
+              </a:ext>
+            </a:extLst>
+          </p:cNvPr>
+          <p:cNvSpPr/>
+          <p:nvPr/>
+        </p:nvSpPr>
+        <p:spPr>
+          <a:xfrm>
+            <a:off x="3505200" y="4038600"/>
+            <a:ext cx="1600200" cy="1447800"/>
+          </a:xfrm>
+          <a:prstGeom prst="ellipse">
+            <a:avLst/>
+          </a:prstGeom>
+        </p:spPr>
+        <p:style>
+          <a:lnRef idx="2">
+            <a:schemeClr val="accent5">
+              <a:shade val="50000"/>
+            </a:schemeClr>
+          </a:lnRef>
+          <a:fillRef idx="1">
+            <a:schemeClr val="accent5"/>
+          </a:fillRef>
+          <a:effectRef idx="0">
+            <a:schemeClr val="accent5"/>
+          </a:effectRef>
+          <a:fontRef idx="minor">
+            <a:schemeClr val="lt1"/>
+          </a:fontRef>
+        </p:style>
+        <p:txBody>
+          <a:bodyPr rtlCol="0" anchor="ctr"/>
+          <a:lstStyle/>
+          <a:p>
+            <a:pPr algn="ctr"/>
+            <a:r>
+              <a:rPr lang="en-US" dirty="0"/>
+              <a:t>Node B</a:t>
+            </a:r>
+          </a:p>
+        </p:txBody>
+      </p:sp>
+      <p:sp>
+        <p:nvSpPr>
+          <p:cNvPr id="8" name="TextBox 7">
+            <a:extLst>
+              <a:ext uri="{FF2B5EF4-FFF2-40B4-BE49-F238E27FC236}">
+                <a16:creationId xmlns:a16="http://schemas.microsoft.com/office/drawing/2014/main" id="{AF0F00E2-7226-B9BF-77CA-A449B2AC6E43}"/>
+              </a:ext>
+            </a:extLst>
+          </p:cNvPr>
+          <p:cNvSpPr txBox="1"/>
+          <p:nvPr/>
+        </p:nvSpPr>
+        <p:spPr>
+          <a:xfrm>
+            <a:off x="3886200" y="1981200"/>
+            <a:ext cx="990600" cy="369332"/>
+          </a:xfrm>
+          <a:prstGeom prst="rect">
+            <a:avLst/>
+          </a:prstGeom>
+          <a:noFill/>
+        </p:spPr>
+        <p:txBody>
+          <a:bodyPr wrap="square" rtlCol="0">
+            <a:spAutoFit/>
+          </a:bodyPr>
+          <a:lstStyle/>
+          <a:p>
+            <a:r>
+              <a:rPr lang="en-US" b="1" dirty="0"/>
+              <a:t>Cluster</a:t>
             </a:r>
           </a:p>
         </p:txBody>
@@ -9321,13 +10125,21 @@
     </p:spTree>
     <p:extLst>
       <p:ext uri="{BB962C8B-B14F-4D97-AF65-F5344CB8AC3E}">
-        <p14:creationId xmlns:p14="http://schemas.microsoft.com/office/powerpoint/2010/main" val="1085324394"/>
+        <p14:creationId xmlns:p14="http://schemas.microsoft.com/office/powerpoint/2010/main" val="3175256717"/>
       </p:ext>
     </p:extLst>
   </p:cSld>
   <p:clrMapOvr>
     <a:masterClrMapping/>
   </p:clrMapOvr>
+  <mc:AlternateContent xmlns:mc="http://schemas.openxmlformats.org/markup-compatibility/2006">
+    <mc:Choice xmlns:p14="http://schemas.microsoft.com/office/powerpoint/2010/main" Requires="p14">
+      <p:transition spd="slow" p14:dur="2000" advClick="0"/>
+    </mc:Choice>
+    <mc:Fallback>
+      <p:transition spd="slow" advClick="0"/>
+    </mc:Fallback>
+  </mc:AlternateContent>
 </p:sld>
 </file>
 
@@ -9367,7 +10179,7 @@
               <a:rPr lang="en-US" dirty="0">
                 <a:latin typeface="+mj-lt"/>
               </a:rPr>
-              <a:t>They are stored within indices.</a:t>
+              <a:t>Each unit of data that you store within your cluster is called a document.</a:t>
             </a:r>
           </a:p>
           <a:p>
@@ -9375,7 +10187,7 @@
               <a:rPr lang="en-US" dirty="0">
                 <a:latin typeface="+mj-lt"/>
               </a:rPr>
-              <a:t>Every document in ES is stored within an index.</a:t>
+              <a:t>Documents are JSON Objects containing whatever data you desire.</a:t>
             </a:r>
           </a:p>
           <a:p>
@@ -9383,7 +10195,7 @@
               <a:rPr lang="en-US" dirty="0">
                 <a:latin typeface="+mj-lt"/>
               </a:rPr>
-              <a:t>An index is therefore a collection of documents that have similar characteristics and are logically related.</a:t>
+              <a:t>ES stores every document along with some metadata that ES uses internally.</a:t>
             </a:r>
           </a:p>
           <a:p>
@@ -9391,15 +10203,7 @@
               <a:rPr lang="en-US" dirty="0">
                 <a:latin typeface="+mj-lt"/>
               </a:rPr>
-              <a:t>We will run search queries against these indices.</a:t>
-            </a:r>
-          </a:p>
-          <a:p>
-            <a:r>
-              <a:rPr lang="en-US" dirty="0">
-                <a:latin typeface="+mj-lt"/>
-              </a:rPr>
-              <a:t>We can query with elastic either by using CURL or any http clients like POSTMAN.</a:t>
+              <a:t>Data is stored as documents which are JSON Objects.</a:t>
             </a:r>
           </a:p>
         </p:txBody>
@@ -9423,7 +10227,7 @@
               <a:rPr lang="en-US" dirty="0">
                 <a:latin typeface="+mj-lt"/>
               </a:rPr>
-              <a:t>How documents are stored?</a:t>
+              <a:t>Architecture - Documents</a:t>
             </a:r>
           </a:p>
         </p:txBody>
@@ -9431,13 +10235,21 @@
     </p:spTree>
     <p:extLst>
       <p:ext uri="{BB962C8B-B14F-4D97-AF65-F5344CB8AC3E}">
-        <p14:creationId xmlns:p14="http://schemas.microsoft.com/office/powerpoint/2010/main" val="3419940164"/>
+        <p14:creationId xmlns:p14="http://schemas.microsoft.com/office/powerpoint/2010/main" val="4157597098"/>
       </p:ext>
     </p:extLst>
   </p:cSld>
   <p:clrMapOvr>
     <a:masterClrMapping/>
   </p:clrMapOvr>
+  <mc:AlternateContent xmlns:mc="http://schemas.openxmlformats.org/markup-compatibility/2006">
+    <mc:Choice xmlns:p14="http://schemas.microsoft.com/office/powerpoint/2010/main" Requires="p14">
+      <p:transition spd="slow" p14:dur="2000" advClick="0"/>
+    </mc:Choice>
+    <mc:Fallback>
+      <p:transition spd="slow" advClick="0"/>
+    </mc:Fallback>
+  </mc:AlternateContent>
 </p:sld>
 </file>
 
